--- a/11336032/uml報告.pptx
+++ b/11336032/uml報告.pptx
@@ -5,21 +5,22 @@
     <p:sldMasterId id="2147483648" r:id="rId1"/>
   </p:sldMasterIdLst>
   <p:notesMasterIdLst>
-    <p:notesMasterId r:id="rId14"/>
+    <p:notesMasterId r:id="rId15"/>
   </p:notesMasterIdLst>
   <p:sldIdLst>
     <p:sldId id="557" r:id="rId2"/>
-    <p:sldId id="558" r:id="rId3"/>
-    <p:sldId id="565" r:id="rId4"/>
-    <p:sldId id="566" r:id="rId5"/>
-    <p:sldId id="562" r:id="rId6"/>
-    <p:sldId id="556" r:id="rId7"/>
-    <p:sldId id="564" r:id="rId8"/>
-    <p:sldId id="559" r:id="rId9"/>
-    <p:sldId id="567" r:id="rId10"/>
+    <p:sldId id="568" r:id="rId3"/>
+    <p:sldId id="558" r:id="rId4"/>
+    <p:sldId id="565" r:id="rId5"/>
+    <p:sldId id="566" r:id="rId6"/>
+    <p:sldId id="567" r:id="rId7"/>
+    <p:sldId id="562" r:id="rId8"/>
+    <p:sldId id="556" r:id="rId9"/>
+    <p:sldId id="564" r:id="rId10"/>
     <p:sldId id="560" r:id="rId11"/>
     <p:sldId id="561" r:id="rId12"/>
-    <p:sldId id="563" r:id="rId13"/>
+    <p:sldId id="559" r:id="rId13"/>
+    <p:sldId id="563" r:id="rId14"/>
   </p:sldIdLst>
   <p:sldSz cx="12192000" cy="6858000"/>
   <p:notesSz cx="6858000" cy="9144000"/>
@@ -208,7 +209,7 @@
           <a:p>
             <a:fld id="{981F10B1-711B-9B49-9F23-B11F3ADA3368}" type="datetimeFigureOut">
               <a:rPr kumimoji="1" lang="zh-TW" altLang="en-US" smtClean="0"/>
-              <a:t>2025/5/2</a:t>
+              <a:t>2025/5/5</a:t>
             </a:fld>
             <a:endParaRPr kumimoji="1" lang="zh-TW" altLang="en-US"/>
           </a:p>
@@ -825,6 +826,90 @@
     </p:spTree>
     <p:extLst>
       <p:ext uri="{BB962C8B-B14F-4D97-AF65-F5344CB8AC3E}">
+        <p14:creationId xmlns:p14="http://schemas.microsoft.com/office/powerpoint/2010/main" val="3486363658"/>
+      </p:ext>
+    </p:extLst>
+  </p:cSld>
+  <p:clrMapOvr>
+    <a:masterClrMapping/>
+  </p:clrMapOvr>
+</p:notes>
+</file>
+
+<file path=ppt/notesSlides/notesSlide13.xml><?xml version="1.0" encoding="utf-8"?>
+<p:notes xmlns:a="http://schemas.openxmlformats.org/drawingml/2006/main" xmlns:r="http://schemas.openxmlformats.org/officeDocument/2006/relationships" xmlns:p="http://schemas.openxmlformats.org/presentationml/2006/main">
+  <p:cSld>
+    <p:spTree>
+      <p:nvGrpSpPr>
+        <p:cNvPr id="1" name=""/>
+        <p:cNvGrpSpPr/>
+        <p:nvPr/>
+      </p:nvGrpSpPr>
+      <p:grpSpPr>
+        <a:xfrm>
+          <a:off x="0" y="0"/>
+          <a:ext cx="0" cy="0"/>
+          <a:chOff x="0" y="0"/>
+          <a:chExt cx="0" cy="0"/>
+        </a:xfrm>
+      </p:grpSpPr>
+      <p:sp>
+        <p:nvSpPr>
+          <p:cNvPr id="2" name="投影片影像版面配置區 1"/>
+          <p:cNvSpPr>
+            <a:spLocks noGrp="1" noRot="1" noChangeAspect="1"/>
+          </p:cNvSpPr>
+          <p:nvPr>
+            <p:ph type="sldImg"/>
+          </p:nvPr>
+        </p:nvSpPr>
+        <p:spPr/>
+      </p:sp>
+      <p:sp>
+        <p:nvSpPr>
+          <p:cNvPr id="3" name="備忘稿版面配置區 2"/>
+          <p:cNvSpPr>
+            <a:spLocks noGrp="1"/>
+          </p:cNvSpPr>
+          <p:nvPr>
+            <p:ph type="body" idx="1"/>
+          </p:nvPr>
+        </p:nvSpPr>
+        <p:spPr/>
+        <p:txBody>
+          <a:bodyPr/>
+          <a:lstStyle/>
+          <a:p>
+            <a:endParaRPr kumimoji="1" lang="zh-TW" altLang="en-US" dirty="0"/>
+          </a:p>
+        </p:txBody>
+      </p:sp>
+      <p:sp>
+        <p:nvSpPr>
+          <p:cNvPr id="4" name="投影片編號版面配置區 3"/>
+          <p:cNvSpPr>
+            <a:spLocks noGrp="1"/>
+          </p:cNvSpPr>
+          <p:nvPr>
+            <p:ph type="sldNum" sz="quarter" idx="5"/>
+          </p:nvPr>
+        </p:nvSpPr>
+        <p:spPr/>
+        <p:txBody>
+          <a:bodyPr/>
+          <a:lstStyle/>
+          <a:p>
+            <a:fld id="{DE054178-CCA7-401D-BEA5-BA6CAEB46599}" type="slidenum">
+              <a:rPr lang="zh-CN" altLang="en-US" smtClean="0"/>
+              <a:t>13</a:t>
+            </a:fld>
+            <a:endParaRPr lang="zh-CN" altLang="en-US"/>
+          </a:p>
+        </p:txBody>
+      </p:sp>
+    </p:spTree>
+    <p:extLst>
+      <p:ext uri="{BB962C8B-B14F-4D97-AF65-F5344CB8AC3E}">
         <p14:creationId xmlns:p14="http://schemas.microsoft.com/office/powerpoint/2010/main" val="805480470"/>
       </p:ext>
     </p:extLst>
@@ -843,7 +928,7 @@
         <p:cNvPr id="1" name="">
           <a:extLst>
             <a:ext uri="{FF2B5EF4-FFF2-40B4-BE49-F238E27FC236}">
-              <a16:creationId xmlns:a16="http://schemas.microsoft.com/office/drawing/2014/main" id="{A3A7D252-6CE3-8B59-8450-FF1D2DE9208D}"/>
+              <a16:creationId xmlns:a16="http://schemas.microsoft.com/office/drawing/2014/main" id="{4EB05744-CFE9-1C4F-3171-887A28B42F00}"/>
             </a:ext>
           </a:extLst>
         </p:cNvPr>
@@ -863,7 +948,7 @@
           <p:cNvPr id="2" name="投影片影像版面配置區 1">
             <a:extLst>
               <a:ext uri="{FF2B5EF4-FFF2-40B4-BE49-F238E27FC236}">
-                <a16:creationId xmlns:a16="http://schemas.microsoft.com/office/drawing/2014/main" id="{1A0F6486-FA15-2605-33A8-A83EE6A6EB65}"/>
+                <a16:creationId xmlns:a16="http://schemas.microsoft.com/office/drawing/2014/main" id="{068C18DA-26F1-72EF-A707-FBF7FA600839}"/>
               </a:ext>
             </a:extLst>
           </p:cNvPr>
@@ -881,7 +966,7 @@
           <p:cNvPr id="3" name="備忘稿版面配置區 2">
             <a:extLst>
               <a:ext uri="{FF2B5EF4-FFF2-40B4-BE49-F238E27FC236}">
-                <a16:creationId xmlns:a16="http://schemas.microsoft.com/office/drawing/2014/main" id="{B7446AC2-2B94-3CA6-99C0-D28DB74E561C}"/>
+                <a16:creationId xmlns:a16="http://schemas.microsoft.com/office/drawing/2014/main" id="{6D449497-80F8-B7D7-C180-736356384BDF}"/>
               </a:ext>
             </a:extLst>
           </p:cNvPr>
@@ -906,7 +991,7 @@
           <p:cNvPr id="4" name="投影片編號版面配置區 3">
             <a:extLst>
               <a:ext uri="{FF2B5EF4-FFF2-40B4-BE49-F238E27FC236}">
-                <a16:creationId xmlns:a16="http://schemas.microsoft.com/office/drawing/2014/main" id="{C2913D58-71FE-D5D4-10BB-724420FE59C7}"/>
+                <a16:creationId xmlns:a16="http://schemas.microsoft.com/office/drawing/2014/main" id="{4652E4D6-7F56-79E2-C0B5-66B0659DEB76}"/>
               </a:ext>
             </a:extLst>
           </p:cNvPr>
@@ -933,7 +1018,7 @@
     </p:spTree>
     <p:extLst>
       <p:ext uri="{BB962C8B-B14F-4D97-AF65-F5344CB8AC3E}">
-        <p14:creationId xmlns:p14="http://schemas.microsoft.com/office/powerpoint/2010/main" val="2343549308"/>
+        <p14:creationId xmlns:p14="http://schemas.microsoft.com/office/powerpoint/2010/main" val="4139871214"/>
       </p:ext>
     </p:extLst>
   </p:cSld>
@@ -1041,7 +1126,7 @@
     </p:spTree>
     <p:extLst>
       <p:ext uri="{BB962C8B-B14F-4D97-AF65-F5344CB8AC3E}">
-        <p14:creationId xmlns:p14="http://schemas.microsoft.com/office/powerpoint/2010/main" val="4017616443"/>
+        <p14:creationId xmlns:p14="http://schemas.microsoft.com/office/powerpoint/2010/main" val="2343549308"/>
       </p:ext>
     </p:extLst>
   </p:cSld>
@@ -1149,7 +1234,7 @@
     </p:spTree>
     <p:extLst>
       <p:ext uri="{BB962C8B-B14F-4D97-AF65-F5344CB8AC3E}">
-        <p14:creationId xmlns:p14="http://schemas.microsoft.com/office/powerpoint/2010/main" val="2985410158"/>
+        <p14:creationId xmlns:p14="http://schemas.microsoft.com/office/powerpoint/2010/main" val="4017616443"/>
       </p:ext>
     </p:extLst>
   </p:cSld>
@@ -1164,7 +1249,13 @@
   <p:cSld>
     <p:spTree>
       <p:nvGrpSpPr>
-        <p:cNvPr id="1" name=""/>
+        <p:cNvPr id="1" name="">
+          <a:extLst>
+            <a:ext uri="{FF2B5EF4-FFF2-40B4-BE49-F238E27FC236}">
+              <a16:creationId xmlns:a16="http://schemas.microsoft.com/office/drawing/2014/main" id="{A3A7D252-6CE3-8B59-8450-FF1D2DE9208D}"/>
+            </a:ext>
+          </a:extLst>
+        </p:cNvPr>
         <p:cNvGrpSpPr/>
         <p:nvPr/>
       </p:nvGrpSpPr>
@@ -1178,7 +1269,13 @@
       </p:grpSpPr>
       <p:sp>
         <p:nvSpPr>
-          <p:cNvPr id="2" name="投影片影像版面配置區 1"/>
+          <p:cNvPr id="2" name="投影片影像版面配置區 1">
+            <a:extLst>
+              <a:ext uri="{FF2B5EF4-FFF2-40B4-BE49-F238E27FC236}">
+                <a16:creationId xmlns:a16="http://schemas.microsoft.com/office/drawing/2014/main" id="{1A0F6486-FA15-2605-33A8-A83EE6A6EB65}"/>
+              </a:ext>
+            </a:extLst>
+          </p:cNvPr>
           <p:cNvSpPr>
             <a:spLocks noGrp="1" noRot="1" noChangeAspect="1"/>
           </p:cNvSpPr>
@@ -1190,7 +1287,13 @@
       </p:sp>
       <p:sp>
         <p:nvSpPr>
-          <p:cNvPr id="3" name="備忘稿版面配置區 2"/>
+          <p:cNvPr id="3" name="備忘稿版面配置區 2">
+            <a:extLst>
+              <a:ext uri="{FF2B5EF4-FFF2-40B4-BE49-F238E27FC236}">
+                <a16:creationId xmlns:a16="http://schemas.microsoft.com/office/drawing/2014/main" id="{B7446AC2-2B94-3CA6-99C0-D28DB74E561C}"/>
+              </a:ext>
+            </a:extLst>
+          </p:cNvPr>
           <p:cNvSpPr>
             <a:spLocks noGrp="1"/>
           </p:cNvSpPr>
@@ -1209,7 +1312,13 @@
       </p:sp>
       <p:sp>
         <p:nvSpPr>
-          <p:cNvPr id="4" name="投影片編號版面配置區 3"/>
+          <p:cNvPr id="4" name="投影片編號版面配置區 3">
+            <a:extLst>
+              <a:ext uri="{FF2B5EF4-FFF2-40B4-BE49-F238E27FC236}">
+                <a16:creationId xmlns:a16="http://schemas.microsoft.com/office/drawing/2014/main" id="{C2913D58-71FE-D5D4-10BB-724420FE59C7}"/>
+              </a:ext>
+            </a:extLst>
+          </p:cNvPr>
           <p:cNvSpPr>
             <a:spLocks noGrp="1"/>
           </p:cNvSpPr>
@@ -1233,7 +1342,7 @@
     </p:spTree>
     <p:extLst>
       <p:ext uri="{BB962C8B-B14F-4D97-AF65-F5344CB8AC3E}">
-        <p14:creationId xmlns:p14="http://schemas.microsoft.com/office/powerpoint/2010/main" val="1841886304"/>
+        <p14:creationId xmlns:p14="http://schemas.microsoft.com/office/powerpoint/2010/main" val="2985410158"/>
       </p:ext>
     </p:extLst>
   </p:cSld>
@@ -1248,7 +1357,13 @@
   <p:cSld>
     <p:spTree>
       <p:nvGrpSpPr>
-        <p:cNvPr id="1" name=""/>
+        <p:cNvPr id="1" name="">
+          <a:extLst>
+            <a:ext uri="{FF2B5EF4-FFF2-40B4-BE49-F238E27FC236}">
+              <a16:creationId xmlns:a16="http://schemas.microsoft.com/office/drawing/2014/main" id="{A3A7D252-6CE3-8B59-8450-FF1D2DE9208D}"/>
+            </a:ext>
+          </a:extLst>
+        </p:cNvPr>
         <p:cNvGrpSpPr/>
         <p:nvPr/>
       </p:nvGrpSpPr>
@@ -1262,7 +1377,13 @@
       </p:grpSpPr>
       <p:sp>
         <p:nvSpPr>
-          <p:cNvPr id="2" name="投影片影像版面配置區 1"/>
+          <p:cNvPr id="2" name="投影片影像版面配置區 1">
+            <a:extLst>
+              <a:ext uri="{FF2B5EF4-FFF2-40B4-BE49-F238E27FC236}">
+                <a16:creationId xmlns:a16="http://schemas.microsoft.com/office/drawing/2014/main" id="{1A0F6486-FA15-2605-33A8-A83EE6A6EB65}"/>
+              </a:ext>
+            </a:extLst>
+          </p:cNvPr>
           <p:cNvSpPr>
             <a:spLocks noGrp="1" noRot="1" noChangeAspect="1"/>
           </p:cNvSpPr>
@@ -1274,7 +1395,13 @@
       </p:sp>
       <p:sp>
         <p:nvSpPr>
-          <p:cNvPr id="3" name="備忘稿版面配置區 2"/>
+          <p:cNvPr id="3" name="備忘稿版面配置區 2">
+            <a:extLst>
+              <a:ext uri="{FF2B5EF4-FFF2-40B4-BE49-F238E27FC236}">
+                <a16:creationId xmlns:a16="http://schemas.microsoft.com/office/drawing/2014/main" id="{B7446AC2-2B94-3CA6-99C0-D28DB74E561C}"/>
+              </a:ext>
+            </a:extLst>
+          </p:cNvPr>
           <p:cNvSpPr>
             <a:spLocks noGrp="1"/>
           </p:cNvSpPr>
@@ -1293,7 +1420,13 @@
       </p:sp>
       <p:sp>
         <p:nvSpPr>
-          <p:cNvPr id="4" name="投影片編號版面配置區 3"/>
+          <p:cNvPr id="4" name="投影片編號版面配置區 3">
+            <a:extLst>
+              <a:ext uri="{FF2B5EF4-FFF2-40B4-BE49-F238E27FC236}">
+                <a16:creationId xmlns:a16="http://schemas.microsoft.com/office/drawing/2014/main" id="{C2913D58-71FE-D5D4-10BB-724420FE59C7}"/>
+              </a:ext>
+            </a:extLst>
+          </p:cNvPr>
           <p:cNvSpPr>
             <a:spLocks noGrp="1"/>
           </p:cNvSpPr>
@@ -1317,7 +1450,7 @@
     </p:spTree>
     <p:extLst>
       <p:ext uri="{BB962C8B-B14F-4D97-AF65-F5344CB8AC3E}">
-        <p14:creationId xmlns:p14="http://schemas.microsoft.com/office/powerpoint/2010/main" val="4078390740"/>
+        <p14:creationId xmlns:p14="http://schemas.microsoft.com/office/powerpoint/2010/main" val="765834193"/>
       </p:ext>
     </p:extLst>
   </p:cSld>
@@ -1401,7 +1534,7 @@
     </p:spTree>
     <p:extLst>
       <p:ext uri="{BB962C8B-B14F-4D97-AF65-F5344CB8AC3E}">
-        <p14:creationId xmlns:p14="http://schemas.microsoft.com/office/powerpoint/2010/main" val="1637851080"/>
+        <p14:creationId xmlns:p14="http://schemas.microsoft.com/office/powerpoint/2010/main" val="1841886304"/>
       </p:ext>
     </p:extLst>
   </p:cSld>
@@ -1485,7 +1618,7 @@
     </p:spTree>
     <p:extLst>
       <p:ext uri="{BB962C8B-B14F-4D97-AF65-F5344CB8AC3E}">
-        <p14:creationId xmlns:p14="http://schemas.microsoft.com/office/powerpoint/2010/main" val="3486363658"/>
+        <p14:creationId xmlns:p14="http://schemas.microsoft.com/office/powerpoint/2010/main" val="4078390740"/>
       </p:ext>
     </p:extLst>
   </p:cSld>
@@ -1569,7 +1702,7 @@
     </p:spTree>
     <p:extLst>
       <p:ext uri="{BB962C8B-B14F-4D97-AF65-F5344CB8AC3E}">
-        <p14:creationId xmlns:p14="http://schemas.microsoft.com/office/powerpoint/2010/main" val="3312796249"/>
+        <p14:creationId xmlns:p14="http://schemas.microsoft.com/office/powerpoint/2010/main" val="1637851080"/>
       </p:ext>
     </p:extLst>
   </p:cSld>
@@ -1726,7 +1859,7 @@
           <a:p>
             <a:fld id="{2C8433A8-E219-5E4A-95AB-2BED27D8AA62}" type="datetimeFigureOut">
               <a:rPr kumimoji="1" lang="zh-TW" altLang="en-US" smtClean="0"/>
-              <a:t>2025/5/2</a:t>
+              <a:t>2025/5/5</a:t>
             </a:fld>
             <a:endParaRPr kumimoji="1" lang="zh-TW" altLang="en-US"/>
           </a:p>
@@ -1924,7 +2057,7 @@
           <a:p>
             <a:fld id="{2C8433A8-E219-5E4A-95AB-2BED27D8AA62}" type="datetimeFigureOut">
               <a:rPr kumimoji="1" lang="zh-TW" altLang="en-US" smtClean="0"/>
-              <a:t>2025/5/2</a:t>
+              <a:t>2025/5/5</a:t>
             </a:fld>
             <a:endParaRPr kumimoji="1" lang="zh-TW" altLang="en-US"/>
           </a:p>
@@ -2132,7 +2265,7 @@
           <a:p>
             <a:fld id="{2C8433A8-E219-5E4A-95AB-2BED27D8AA62}" type="datetimeFigureOut">
               <a:rPr kumimoji="1" lang="zh-TW" altLang="en-US" smtClean="0"/>
-              <a:t>2025/5/2</a:t>
+              <a:t>2025/5/5</a:t>
             </a:fld>
             <a:endParaRPr kumimoji="1" lang="zh-TW" altLang="en-US"/>
           </a:p>
@@ -2330,7 +2463,7 @@
           <a:p>
             <a:fld id="{2C8433A8-E219-5E4A-95AB-2BED27D8AA62}" type="datetimeFigureOut">
               <a:rPr kumimoji="1" lang="zh-TW" altLang="en-US" smtClean="0"/>
-              <a:t>2025/5/2</a:t>
+              <a:t>2025/5/5</a:t>
             </a:fld>
             <a:endParaRPr kumimoji="1" lang="zh-TW" altLang="en-US"/>
           </a:p>
@@ -2605,7 +2738,7 @@
           <a:p>
             <a:fld id="{2C8433A8-E219-5E4A-95AB-2BED27D8AA62}" type="datetimeFigureOut">
               <a:rPr kumimoji="1" lang="zh-TW" altLang="en-US" smtClean="0"/>
-              <a:t>2025/5/2</a:t>
+              <a:t>2025/5/5</a:t>
             </a:fld>
             <a:endParaRPr kumimoji="1" lang="zh-TW" altLang="en-US"/>
           </a:p>
@@ -2870,7 +3003,7 @@
           <a:p>
             <a:fld id="{2C8433A8-E219-5E4A-95AB-2BED27D8AA62}" type="datetimeFigureOut">
               <a:rPr kumimoji="1" lang="zh-TW" altLang="en-US" smtClean="0"/>
-              <a:t>2025/5/2</a:t>
+              <a:t>2025/5/5</a:t>
             </a:fld>
             <a:endParaRPr kumimoji="1" lang="zh-TW" altLang="en-US"/>
           </a:p>
@@ -3282,7 +3415,7 @@
           <a:p>
             <a:fld id="{2C8433A8-E219-5E4A-95AB-2BED27D8AA62}" type="datetimeFigureOut">
               <a:rPr kumimoji="1" lang="zh-TW" altLang="en-US" smtClean="0"/>
-              <a:t>2025/5/2</a:t>
+              <a:t>2025/5/5</a:t>
             </a:fld>
             <a:endParaRPr kumimoji="1" lang="zh-TW" altLang="en-US"/>
           </a:p>
@@ -3423,7 +3556,7 @@
           <a:p>
             <a:fld id="{2C8433A8-E219-5E4A-95AB-2BED27D8AA62}" type="datetimeFigureOut">
               <a:rPr kumimoji="1" lang="zh-TW" altLang="en-US" smtClean="0"/>
-              <a:t>2025/5/2</a:t>
+              <a:t>2025/5/5</a:t>
             </a:fld>
             <a:endParaRPr kumimoji="1" lang="zh-TW" altLang="en-US"/>
           </a:p>
@@ -3536,7 +3669,7 @@
           <a:p>
             <a:fld id="{2C8433A8-E219-5E4A-95AB-2BED27D8AA62}" type="datetimeFigureOut">
               <a:rPr kumimoji="1" lang="zh-TW" altLang="en-US" smtClean="0"/>
-              <a:t>2025/5/2</a:t>
+              <a:t>2025/5/5</a:t>
             </a:fld>
             <a:endParaRPr kumimoji="1" lang="zh-TW" altLang="en-US"/>
           </a:p>
@@ -3847,7 +3980,7 @@
           <a:p>
             <a:fld id="{2C8433A8-E219-5E4A-95AB-2BED27D8AA62}" type="datetimeFigureOut">
               <a:rPr kumimoji="1" lang="zh-TW" altLang="en-US" smtClean="0"/>
-              <a:t>2025/5/2</a:t>
+              <a:t>2025/5/5</a:t>
             </a:fld>
             <a:endParaRPr kumimoji="1" lang="zh-TW" altLang="en-US"/>
           </a:p>
@@ -4135,7 +4268,7 @@
           <a:p>
             <a:fld id="{2C8433A8-E219-5E4A-95AB-2BED27D8AA62}" type="datetimeFigureOut">
               <a:rPr kumimoji="1" lang="zh-TW" altLang="en-US" smtClean="0"/>
-              <a:t>2025/5/2</a:t>
+              <a:t>2025/5/5</a:t>
             </a:fld>
             <a:endParaRPr kumimoji="1" lang="zh-TW" altLang="en-US"/>
           </a:p>
@@ -4376,7 +4509,7 @@
           <a:p>
             <a:fld id="{2C8433A8-E219-5E4A-95AB-2BED27D8AA62}" type="datetimeFigureOut">
               <a:rPr kumimoji="1" lang="zh-TW" altLang="en-US" smtClean="0"/>
-              <a:t>2025/5/2</a:t>
+              <a:t>2025/5/5</a:t>
             </a:fld>
             <a:endParaRPr kumimoji="1" lang="zh-TW" altLang="en-US"/>
           </a:p>
@@ -5769,7 +5902,31 @@
                 <a:ea typeface="標楷體" panose="03000509000000000000" pitchFamily="65" charset="-120"/>
                 <a:cs typeface="Arial Unicode MS" panose="020B0604020202020204" pitchFamily="34" charset="-128"/>
               </a:rPr>
-              <a:t>描述使用者與系統的互動。</a:t>
+              <a:t>描述使用者與系統的</a:t>
+            </a:r>
+            <a:r>
+              <a:rPr lang="zh-TW" altLang="en-US" sz="2000" b="0" i="0" u="none" strike="noStrike" dirty="0">
+                <a:solidFill>
+                  <a:srgbClr val="FF0000"/>
+                </a:solidFill>
+                <a:effectLst/>
+                <a:latin typeface="標楷體" panose="03000509000000000000" pitchFamily="65" charset="-120"/>
+                <a:ea typeface="標楷體" panose="03000509000000000000" pitchFamily="65" charset="-120"/>
+                <a:cs typeface="Arial Unicode MS" panose="020B0604020202020204" pitchFamily="34" charset="-128"/>
+              </a:rPr>
+              <a:t>互動</a:t>
+            </a:r>
+            <a:r>
+              <a:rPr lang="zh-TW" altLang="en-US" sz="2000" b="0" i="0" u="none" strike="noStrike" dirty="0">
+                <a:solidFill>
+                  <a:srgbClr val="000000"/>
+                </a:solidFill>
+                <a:effectLst/>
+                <a:latin typeface="標楷體" panose="03000509000000000000" pitchFamily="65" charset="-120"/>
+                <a:ea typeface="標楷體" panose="03000509000000000000" pitchFamily="65" charset="-120"/>
+                <a:cs typeface="Arial Unicode MS" panose="020B0604020202020204" pitchFamily="34" charset="-128"/>
+              </a:rPr>
+              <a:t>。</a:t>
             </a:r>
           </a:p>
         </p:txBody>
@@ -5878,13 +6035,13 @@
         </p:nvSpPr>
         <p:spPr>
           <a:xfrm>
-            <a:off x="-4287509" y="4085640"/>
+            <a:off x="285964" y="5680933"/>
             <a:ext cx="4171308" cy="1078786"/>
           </a:xfrm>
           <a:prstGeom prst="wedgeRoundRectCallout">
             <a:avLst>
-              <a:gd name="adj1" fmla="val -62952"/>
-              <a:gd name="adj2" fmla="val 35833"/>
+              <a:gd name="adj1" fmla="val -12952"/>
+              <a:gd name="adj2" fmla="val 72976"/>
               <a:gd name="adj3" fmla="val 16667"/>
             </a:avLst>
           </a:prstGeom>
@@ -6018,7 +6175,7 @@
         </p:nvSpPr>
         <p:spPr>
           <a:xfrm>
-            <a:off x="-3440394" y="1670174"/>
+            <a:off x="5508397" y="5698838"/>
             <a:ext cx="3044575" cy="1078786"/>
           </a:xfrm>
           <a:prstGeom prst="wedgeRoundRectCallout">
@@ -6704,23 +6861,22 @@
           <a:p>
             <a:pPr algn="ctr" defTabSz="914363"/>
             <a:r>
-              <a:rPr kumimoji="1" lang="zh-TW" altLang="en-US" sz="3667" dirty="0">
-                <a:solidFill>
-                  <a:srgbClr val="002060"/>
-                </a:solidFill>
-                <a:latin typeface="標楷體" panose="03000509000000000000" pitchFamily="65" charset="-120"/>
-                <a:ea typeface="標楷體" panose="03000509000000000000" pitchFamily="65" charset="-120"/>
-                <a:cs typeface="Arial Black" panose="020B0604020202020204" pitchFamily="34" charset="0"/>
-                <a:sym typeface="+mn-lt"/>
-              </a:rPr>
-              <a:t>資料來源</a:t>
+              <a:rPr lang="zh-TW" altLang="en-US" sz="4000" dirty="0">
+                <a:solidFill>
+                  <a:srgbClr val="000000"/>
+                </a:solidFill>
+                <a:latin typeface="標楷體" panose="03000509000000000000" pitchFamily="65" charset="-120"/>
+                <a:ea typeface="標楷體" panose="03000509000000000000" pitchFamily="65" charset="-120"/>
+                <a:cs typeface="Arial Unicode MS" panose="020B0604020202020204" pitchFamily="34" charset="-128"/>
+              </a:rPr>
+              <a:t>套件圖</a:t>
             </a:r>
             <a:endParaRPr kumimoji="1" lang="zh-CN" altLang="en-US" sz="3667" dirty="0">
               <a:solidFill>
                 <a:srgbClr val="002060"/>
               </a:solidFill>
-              <a:latin typeface="標楷體" panose="03000509000000000000" pitchFamily="65" charset="-120"/>
-              <a:ea typeface="標楷體" panose="03000509000000000000" pitchFamily="65" charset="-120"/>
+              <a:latin typeface="Arial Black" panose="020B0604020202020204" pitchFamily="34" charset="0"/>
+              <a:ea typeface="Arial Unicode MS" panose="020B0604020202020204" pitchFamily="34" charset="-128"/>
               <a:cs typeface="Arial Black" panose="020B0604020202020204" pitchFamily="34" charset="0"/>
               <a:sym typeface="+mn-lt"/>
             </a:endParaRPr>
@@ -6786,8 +6942,6 @@
               <a:solidFill>
                 <a:schemeClr val="tx1"/>
               </a:solidFill>
-              <a:latin typeface="標楷體" panose="03000509000000000000" pitchFamily="65" charset="-120"/>
-              <a:ea typeface="標楷體" panose="03000509000000000000" pitchFamily="65" charset="-120"/>
             </a:endParaRPr>
           </a:p>
         </p:txBody>
@@ -6851,18 +7005,46 @@
               <a:solidFill>
                 <a:schemeClr val="tx1"/>
               </a:solidFill>
-              <a:latin typeface="標楷體" panose="03000509000000000000" pitchFamily="65" charset="-120"/>
-              <a:ea typeface="標楷體" panose="03000509000000000000" pitchFamily="65" charset="-120"/>
             </a:endParaRPr>
           </a:p>
         </p:txBody>
       </p:sp>
-      <p:sp>
-        <p:nvSpPr>
-          <p:cNvPr id="26" name="文字方塊 25">
-            <a:extLst>
-              <a:ext uri="{FF2B5EF4-FFF2-40B4-BE49-F238E27FC236}">
-                <a16:creationId xmlns:a16="http://schemas.microsoft.com/office/drawing/2014/main" id="{95126ADC-BADF-8AE0-4502-9668363B9787}"/>
+      <p:pic>
+        <p:nvPicPr>
+          <p:cNvPr id="5" name="圖片 4">
+            <a:extLst>
+              <a:ext uri="{FF2B5EF4-FFF2-40B4-BE49-F238E27FC236}">
+                <a16:creationId xmlns:a16="http://schemas.microsoft.com/office/drawing/2014/main" id="{C380E335-CF37-4F5C-9E38-8DB4961DA795}"/>
+              </a:ext>
+            </a:extLst>
+          </p:cNvPr>
+          <p:cNvPicPr>
+            <a:picLocks noChangeAspect="1"/>
+          </p:cNvPicPr>
+          <p:nvPr/>
+        </p:nvPicPr>
+        <p:blipFill>
+          <a:blip r:embed="rId3"/>
+          <a:stretch>
+            <a:fillRect/>
+          </a:stretch>
+        </p:blipFill>
+        <p:spPr>
+          <a:xfrm>
+            <a:off x="987170" y="2246678"/>
+            <a:ext cx="10217657" cy="4317471"/>
+          </a:xfrm>
+          <a:prstGeom prst="rect">
+            <a:avLst/>
+          </a:prstGeom>
+        </p:spPr>
+      </p:pic>
+      <p:sp>
+        <p:nvSpPr>
+          <p:cNvPr id="11" name="文字方塊 10">
+            <a:extLst>
+              <a:ext uri="{FF2B5EF4-FFF2-40B4-BE49-F238E27FC236}">
+                <a16:creationId xmlns:a16="http://schemas.microsoft.com/office/drawing/2014/main" id="{5748397E-3617-44DA-8BC9-7CA4660AD2D2}"/>
               </a:ext>
             </a:extLst>
           </p:cNvPr>
@@ -6871,8 +7053,8 @@
         </p:nvSpPr>
         <p:spPr>
           <a:xfrm>
-            <a:off x="1191430" y="1483422"/>
-            <a:ext cx="9809139" cy="5219699"/>
+            <a:off x="1191430" y="917868"/>
+            <a:ext cx="9809139" cy="1427635"/>
           </a:xfrm>
           <a:prstGeom prst="rect">
             <a:avLst/>
@@ -6884,400 +7066,6 @@
             <a:spAutoFit/>
           </a:bodyPr>
           <a:lstStyle/>
-          <a:p>
-            <a:pPr>
-              <a:lnSpc>
-                <a:spcPct val="150000"/>
-              </a:lnSpc>
-            </a:pPr>
-            <a:r>
-              <a:rPr lang="zh-TW" altLang="en-US" sz="1600" dirty="0">
-                <a:solidFill>
-                  <a:srgbClr val="000000"/>
-                </a:solidFill>
-                <a:latin typeface="標楷體" panose="03000509000000000000" pitchFamily="65" charset="-120"/>
-                <a:ea typeface="標楷體" panose="03000509000000000000" pitchFamily="65" charset="-120"/>
-                <a:cs typeface="Arial Unicode MS" panose="020B0604020202020204" pitchFamily="34" charset="-128"/>
-              </a:rPr>
-              <a:t>簡單理解 </a:t>
-            </a:r>
-            <a:r>
-              <a:rPr lang="en-US" altLang="zh-TW" sz="1600" dirty="0">
-                <a:solidFill>
-                  <a:srgbClr val="000000"/>
-                </a:solidFill>
-                <a:latin typeface="標楷體" panose="03000509000000000000" pitchFamily="65" charset="-120"/>
-                <a:ea typeface="標楷體" panose="03000509000000000000" pitchFamily="65" charset="-120"/>
-                <a:cs typeface="Arial Unicode MS" panose="020B0604020202020204" pitchFamily="34" charset="-128"/>
-              </a:rPr>
-              <a:t>UML </a:t>
-            </a:r>
-            <a:r>
-              <a:rPr lang="zh-TW" altLang="en-US" sz="1600" dirty="0">
-                <a:solidFill>
-                  <a:srgbClr val="000000"/>
-                </a:solidFill>
-                <a:latin typeface="標楷體" panose="03000509000000000000" pitchFamily="65" charset="-120"/>
-                <a:ea typeface="標楷體" panose="03000509000000000000" pitchFamily="65" charset="-120"/>
-                <a:cs typeface="Arial Unicode MS" panose="020B0604020202020204" pitchFamily="34" charset="-128"/>
-              </a:rPr>
-              <a:t>類別圖</a:t>
-            </a:r>
-            <a:endParaRPr lang="en-US" altLang="zh-TW" sz="1600" dirty="0">
-              <a:solidFill>
-                <a:srgbClr val="000000"/>
-              </a:solidFill>
-              <a:latin typeface="標楷體" panose="03000509000000000000" pitchFamily="65" charset="-120"/>
-              <a:ea typeface="標楷體" panose="03000509000000000000" pitchFamily="65" charset="-120"/>
-              <a:cs typeface="Arial Unicode MS" panose="020B0604020202020204" pitchFamily="34" charset="-128"/>
-            </a:endParaRPr>
-          </a:p>
-          <a:p>
-            <a:pPr>
-              <a:lnSpc>
-                <a:spcPct val="150000"/>
-              </a:lnSpc>
-            </a:pPr>
-            <a:r>
-              <a:rPr lang="en-US" altLang="zh-TW" sz="1600" dirty="0">
-                <a:solidFill>
-                  <a:srgbClr val="000000"/>
-                </a:solidFill>
-                <a:latin typeface="標楷體" panose="03000509000000000000" pitchFamily="65" charset="-120"/>
-                <a:ea typeface="標楷體" panose="03000509000000000000" pitchFamily="65" charset="-120"/>
-                <a:cs typeface="Arial Unicode MS" panose="020B0604020202020204" pitchFamily="34" charset="-128"/>
-                <a:hlinkClick r:id="rId3"/>
-              </a:rPr>
-              <a:t>https://misomiso43.medium.com/%E7%B0%A1%E5%96%AE%E7%90%86%E8%A7%A3-uml-%E9%A1%9E%E5%88%A5%E5%9C%96-f0b32a3272c</a:t>
-            </a:r>
-            <a:endParaRPr lang="en-US" altLang="zh-TW" sz="1600" dirty="0">
-              <a:solidFill>
-                <a:srgbClr val="000000"/>
-              </a:solidFill>
-              <a:latin typeface="標楷體" panose="03000509000000000000" pitchFamily="65" charset="-120"/>
-              <a:ea typeface="標楷體" panose="03000509000000000000" pitchFamily="65" charset="-120"/>
-              <a:cs typeface="Arial Unicode MS" panose="020B0604020202020204" pitchFamily="34" charset="-128"/>
-            </a:endParaRPr>
-          </a:p>
-          <a:p>
-            <a:pPr>
-              <a:lnSpc>
-                <a:spcPct val="150000"/>
-              </a:lnSpc>
-            </a:pPr>
-            <a:r>
-              <a:rPr lang="en-US" altLang="zh-TW" sz="1600" dirty="0">
-                <a:solidFill>
-                  <a:srgbClr val="000000"/>
-                </a:solidFill>
-                <a:latin typeface="標楷體" panose="03000509000000000000" pitchFamily="65" charset="-120"/>
-                <a:ea typeface="標楷體" panose="03000509000000000000" pitchFamily="65" charset="-120"/>
-                <a:cs typeface="Arial Unicode MS" panose="020B0604020202020204" pitchFamily="34" charset="-128"/>
-              </a:rPr>
-              <a:t>UML</a:t>
-            </a:r>
-            <a:r>
-              <a:rPr lang="zh-TW" altLang="en-US" sz="1600" dirty="0">
-                <a:solidFill>
-                  <a:srgbClr val="000000"/>
-                </a:solidFill>
-                <a:latin typeface="標楷體" panose="03000509000000000000" pitchFamily="65" charset="-120"/>
-                <a:ea typeface="標楷體" panose="03000509000000000000" pitchFamily="65" charset="-120"/>
-                <a:cs typeface="Arial Unicode MS" panose="020B0604020202020204" pitchFamily="34" charset="-128"/>
-              </a:rPr>
-              <a:t>類別圖的風格指南</a:t>
-            </a:r>
-            <a:endParaRPr lang="en-US" altLang="zh-TW" sz="1600" dirty="0">
-              <a:solidFill>
-                <a:srgbClr val="000000"/>
-              </a:solidFill>
-              <a:latin typeface="標楷體" panose="03000509000000000000" pitchFamily="65" charset="-120"/>
-              <a:ea typeface="標楷體" panose="03000509000000000000" pitchFamily="65" charset="-120"/>
-              <a:cs typeface="Arial Unicode MS" panose="020B0604020202020204" pitchFamily="34" charset="-128"/>
-            </a:endParaRPr>
-          </a:p>
-          <a:p>
-            <a:pPr>
-              <a:lnSpc>
-                <a:spcPct val="150000"/>
-              </a:lnSpc>
-            </a:pPr>
-            <a:r>
-              <a:rPr lang="en-US" altLang="zh-TW" sz="1600" dirty="0">
-                <a:solidFill>
-                  <a:srgbClr val="000000"/>
-                </a:solidFill>
-                <a:latin typeface="標楷體" panose="03000509000000000000" pitchFamily="65" charset="-120"/>
-                <a:ea typeface="標楷體" panose="03000509000000000000" pitchFamily="65" charset="-120"/>
-                <a:cs typeface="Arial Unicode MS" panose="020B0604020202020204" pitchFamily="34" charset="-128"/>
-                <a:hlinkClick r:id="rId4"/>
-              </a:rPr>
-              <a:t>https://www.ithome.com.tw/article/53692</a:t>
-            </a:r>
-            <a:endParaRPr lang="en-US" altLang="zh-TW" sz="1600" dirty="0">
-              <a:solidFill>
-                <a:srgbClr val="000000"/>
-              </a:solidFill>
-              <a:latin typeface="標楷體" panose="03000509000000000000" pitchFamily="65" charset="-120"/>
-              <a:ea typeface="標楷體" panose="03000509000000000000" pitchFamily="65" charset="-120"/>
-              <a:cs typeface="Arial Unicode MS" panose="020B0604020202020204" pitchFamily="34" charset="-128"/>
-            </a:endParaRPr>
-          </a:p>
-          <a:p>
-            <a:pPr>
-              <a:lnSpc>
-                <a:spcPct val="150000"/>
-              </a:lnSpc>
-            </a:pPr>
-            <a:r>
-              <a:rPr lang="zh-TW" altLang="en-US" sz="1600" dirty="0">
-                <a:solidFill>
-                  <a:srgbClr val="000000"/>
-                </a:solidFill>
-                <a:latin typeface="標楷體" panose="03000509000000000000" pitchFamily="65" charset="-120"/>
-                <a:ea typeface="標楷體" panose="03000509000000000000" pitchFamily="65" charset="-120"/>
-                <a:cs typeface="Arial Unicode MS" panose="020B0604020202020204" pitchFamily="34" charset="-128"/>
-              </a:rPr>
-              <a:t>什麼是</a:t>
-            </a:r>
-            <a:r>
-              <a:rPr lang="en-US" altLang="zh-TW" sz="1600" dirty="0">
-                <a:solidFill>
-                  <a:srgbClr val="000000"/>
-                </a:solidFill>
-                <a:latin typeface="標楷體" panose="03000509000000000000" pitchFamily="65" charset="-120"/>
-                <a:ea typeface="標楷體" panose="03000509000000000000" pitchFamily="65" charset="-120"/>
-                <a:cs typeface="Arial Unicode MS" panose="020B0604020202020204" pitchFamily="34" charset="-128"/>
-              </a:rPr>
-              <a:t>UML</a:t>
-            </a:r>
-            <a:r>
-              <a:rPr lang="zh-TW" altLang="en-US" sz="1600" dirty="0">
-                <a:solidFill>
-                  <a:srgbClr val="000000"/>
-                </a:solidFill>
-                <a:latin typeface="標楷體" panose="03000509000000000000" pitchFamily="65" charset="-120"/>
-                <a:ea typeface="標楷體" panose="03000509000000000000" pitchFamily="65" charset="-120"/>
-                <a:cs typeface="Arial Unicode MS" panose="020B0604020202020204" pitchFamily="34" charset="-128"/>
-              </a:rPr>
-              <a:t>「部署圖」？</a:t>
-            </a:r>
-            <a:endParaRPr lang="en-US" altLang="zh-TW" sz="1600" dirty="0">
-              <a:solidFill>
-                <a:srgbClr val="000000"/>
-              </a:solidFill>
-              <a:latin typeface="標楷體" panose="03000509000000000000" pitchFamily="65" charset="-120"/>
-              <a:ea typeface="標楷體" panose="03000509000000000000" pitchFamily="65" charset="-120"/>
-              <a:cs typeface="Arial Unicode MS" panose="020B0604020202020204" pitchFamily="34" charset="-128"/>
-            </a:endParaRPr>
-          </a:p>
-          <a:p>
-            <a:pPr>
-              <a:lnSpc>
-                <a:spcPct val="150000"/>
-              </a:lnSpc>
-            </a:pPr>
-            <a:r>
-              <a:rPr lang="en-US" altLang="zh-TW" sz="1600" dirty="0">
-                <a:solidFill>
-                  <a:srgbClr val="000000"/>
-                </a:solidFill>
-                <a:latin typeface="標楷體" panose="03000509000000000000" pitchFamily="65" charset="-120"/>
-                <a:ea typeface="標楷體" panose="03000509000000000000" pitchFamily="65" charset="-120"/>
-                <a:cs typeface="Arial Unicode MS" panose="020B0604020202020204" pitchFamily="34" charset="-128"/>
-                <a:hlinkClick r:id="rId5"/>
-              </a:rPr>
-              <a:t>https://www.processon.io/zh-tw/blog/draw-uml-deployment-diagram-tutorial</a:t>
-            </a:r>
-            <a:endParaRPr lang="en-US" altLang="zh-TW" sz="1600" dirty="0">
-              <a:solidFill>
-                <a:srgbClr val="000000"/>
-              </a:solidFill>
-              <a:latin typeface="標楷體" panose="03000509000000000000" pitchFamily="65" charset="-120"/>
-              <a:ea typeface="標楷體" panose="03000509000000000000" pitchFamily="65" charset="-120"/>
-              <a:cs typeface="Arial Unicode MS" panose="020B0604020202020204" pitchFamily="34" charset="-128"/>
-            </a:endParaRPr>
-          </a:p>
-          <a:p>
-            <a:pPr>
-              <a:lnSpc>
-                <a:spcPct val="150000"/>
-              </a:lnSpc>
-            </a:pPr>
-            <a:r>
-              <a:rPr lang="zh-TW" altLang="en-US" sz="1600" u="sng" dirty="0">
-                <a:solidFill>
-                  <a:srgbClr val="000000"/>
-                </a:solidFill>
-                <a:latin typeface="標楷體" panose="03000509000000000000" pitchFamily="65" charset="-120"/>
-                <a:ea typeface="標楷體" panose="03000509000000000000" pitchFamily="65" charset="-120"/>
-                <a:cs typeface="Arial Unicode MS" panose="020B0604020202020204" pitchFamily="34" charset="-128"/>
-                <a:hlinkClick r:id="rId6">
-                  <a:extLst>
-                    <a:ext uri="{A12FA001-AC4F-418D-AE19-62706E023703}">
-                      <ahyp:hlinkClr xmlns:ahyp="http://schemas.microsoft.com/office/drawing/2018/hyperlinkcolor" val="tx"/>
-                    </a:ext>
-                  </a:extLst>
-                </a:hlinkClick>
-              </a:rPr>
-              <a:t>學習筆記</a:t>
-            </a:r>
-            <a:r>
-              <a:rPr lang="en-US" altLang="zh-TW" sz="1600" u="sng" dirty="0">
-                <a:solidFill>
-                  <a:srgbClr val="000000"/>
-                </a:solidFill>
-                <a:latin typeface="標楷體" panose="03000509000000000000" pitchFamily="65" charset="-120"/>
-                <a:ea typeface="標楷體" panose="03000509000000000000" pitchFamily="65" charset="-120"/>
-                <a:cs typeface="Arial Unicode MS" panose="020B0604020202020204" pitchFamily="34" charset="-128"/>
-                <a:hlinkClick r:id="rId6">
-                  <a:extLst>
-                    <a:ext uri="{A12FA001-AC4F-418D-AE19-62706E023703}">
-                      <ahyp:hlinkClr xmlns:ahyp="http://schemas.microsoft.com/office/drawing/2018/hyperlinkcolor" val="tx"/>
-                    </a:ext>
-                  </a:extLst>
-                </a:hlinkClick>
-              </a:rPr>
-              <a:t>-</a:t>
-            </a:r>
-            <a:r>
-              <a:rPr lang="zh-TW" altLang="en-US" sz="1600" u="sng" dirty="0">
-                <a:solidFill>
-                  <a:srgbClr val="000000"/>
-                </a:solidFill>
-                <a:latin typeface="標楷體" panose="03000509000000000000" pitchFamily="65" charset="-120"/>
-                <a:ea typeface="標楷體" panose="03000509000000000000" pitchFamily="65" charset="-120"/>
-                <a:cs typeface="Arial Unicode MS" panose="020B0604020202020204" pitchFamily="34" charset="-128"/>
-                <a:hlinkClick r:id="rId6">
-                  <a:extLst>
-                    <a:ext uri="{A12FA001-AC4F-418D-AE19-62706E023703}">
-                      <ahyp:hlinkClr xmlns:ahyp="http://schemas.microsoft.com/office/drawing/2018/hyperlinkcolor" val="tx"/>
-                    </a:ext>
-                  </a:extLst>
-                </a:hlinkClick>
-              </a:rPr>
-              <a:t>套件圖型</a:t>
-            </a:r>
-            <a:endParaRPr lang="en-US" altLang="zh-TW" sz="1600" u="sng" dirty="0">
-              <a:solidFill>
-                <a:srgbClr val="000000"/>
-              </a:solidFill>
-              <a:latin typeface="標楷體" panose="03000509000000000000" pitchFamily="65" charset="-120"/>
-              <a:ea typeface="標楷體" panose="03000509000000000000" pitchFamily="65" charset="-120"/>
-              <a:cs typeface="Arial Unicode MS" panose="020B0604020202020204" pitchFamily="34" charset="-128"/>
-              <a:hlinkClick r:id="rId6"/>
-            </a:endParaRPr>
-          </a:p>
-          <a:p>
-            <a:pPr>
-              <a:lnSpc>
-                <a:spcPct val="150000"/>
-              </a:lnSpc>
-            </a:pPr>
-            <a:r>
-              <a:rPr lang="en-US" altLang="zh-TW" sz="1600" dirty="0">
-                <a:solidFill>
-                  <a:srgbClr val="000000"/>
-                </a:solidFill>
-                <a:latin typeface="標楷體" panose="03000509000000000000" pitchFamily="65" charset="-120"/>
-                <a:ea typeface="標楷體" panose="03000509000000000000" pitchFamily="65" charset="-120"/>
-                <a:cs typeface="Arial Unicode MS" panose="020B0604020202020204" pitchFamily="34" charset="-128"/>
-                <a:hlinkClick r:id="rId6"/>
-              </a:rPr>
-              <a:t>https://terryjryeh.blogspot.com/2019/03/uml-package-diagrams-4.html</a:t>
-            </a:r>
-            <a:endParaRPr lang="en-US" altLang="zh-TW" sz="1600" dirty="0">
-              <a:solidFill>
-                <a:srgbClr val="000000"/>
-              </a:solidFill>
-              <a:latin typeface="標楷體" panose="03000509000000000000" pitchFamily="65" charset="-120"/>
-              <a:ea typeface="標楷體" panose="03000509000000000000" pitchFamily="65" charset="-120"/>
-              <a:cs typeface="Arial Unicode MS" panose="020B0604020202020204" pitchFamily="34" charset="-128"/>
-            </a:endParaRPr>
-          </a:p>
-          <a:p>
-            <a:pPr>
-              <a:lnSpc>
-                <a:spcPct val="150000"/>
-              </a:lnSpc>
-            </a:pPr>
-            <a:r>
-              <a:rPr lang="zh-TW" altLang="en-US" sz="1600" dirty="0">
-                <a:solidFill>
-                  <a:srgbClr val="000000"/>
-                </a:solidFill>
-                <a:latin typeface="標楷體" panose="03000509000000000000" pitchFamily="65" charset="-120"/>
-                <a:ea typeface="標楷體" panose="03000509000000000000" pitchFamily="65" charset="-120"/>
-                <a:cs typeface="Arial Unicode MS" panose="020B0604020202020204" pitchFamily="34" charset="-128"/>
-              </a:rPr>
-              <a:t>元件圖與部署圖 元件圖與部署圖</a:t>
-            </a:r>
-            <a:endParaRPr lang="en-US" altLang="zh-TW" sz="1600" dirty="0">
-              <a:solidFill>
-                <a:srgbClr val="000000"/>
-              </a:solidFill>
-              <a:latin typeface="標楷體" panose="03000509000000000000" pitchFamily="65" charset="-120"/>
-              <a:ea typeface="標楷體" panose="03000509000000000000" pitchFamily="65" charset="-120"/>
-              <a:cs typeface="Arial Unicode MS" panose="020B0604020202020204" pitchFamily="34" charset="-128"/>
-            </a:endParaRPr>
-          </a:p>
-          <a:p>
-            <a:pPr>
-              <a:lnSpc>
-                <a:spcPct val="150000"/>
-              </a:lnSpc>
-            </a:pPr>
-            <a:r>
-              <a:rPr lang="en-US" altLang="zh-TW" sz="1600" dirty="0">
-                <a:solidFill>
-                  <a:srgbClr val="000000"/>
-                </a:solidFill>
-                <a:latin typeface="標楷體" panose="03000509000000000000" pitchFamily="65" charset="-120"/>
-                <a:ea typeface="標楷體" panose="03000509000000000000" pitchFamily="65" charset="-120"/>
-                <a:cs typeface="Arial Unicode MS" panose="020B0604020202020204" pitchFamily="34" charset="-128"/>
-                <a:hlinkClick r:id="rId7"/>
-              </a:rPr>
-              <a:t>https://cc.cust.edu.tw/~ccchen/doc/pg30028-ch15.pdf</a:t>
-            </a:r>
-            <a:endParaRPr lang="en-US" altLang="zh-TW" sz="1600" dirty="0">
-              <a:solidFill>
-                <a:srgbClr val="000000"/>
-              </a:solidFill>
-              <a:latin typeface="標楷體" panose="03000509000000000000" pitchFamily="65" charset="-120"/>
-              <a:ea typeface="標楷體" panose="03000509000000000000" pitchFamily="65" charset="-120"/>
-              <a:cs typeface="Arial Unicode MS" panose="020B0604020202020204" pitchFamily="34" charset="-128"/>
-            </a:endParaRPr>
-          </a:p>
-          <a:p>
-            <a:pPr>
-              <a:lnSpc>
-                <a:spcPct val="150000"/>
-              </a:lnSpc>
-            </a:pPr>
-            <a:endParaRPr lang="en-US" altLang="zh-TW" sz="1600" dirty="0">
-              <a:solidFill>
-                <a:srgbClr val="000000"/>
-              </a:solidFill>
-              <a:latin typeface="標楷體" panose="03000509000000000000" pitchFamily="65" charset="-120"/>
-              <a:ea typeface="標楷體" panose="03000509000000000000" pitchFamily="65" charset="-120"/>
-              <a:cs typeface="Arial Unicode MS" panose="020B0604020202020204" pitchFamily="34" charset="-128"/>
-            </a:endParaRPr>
-          </a:p>
-          <a:p>
-            <a:pPr>
-              <a:lnSpc>
-                <a:spcPct val="150000"/>
-              </a:lnSpc>
-            </a:pPr>
-            <a:endParaRPr lang="en-US" altLang="zh-TW" sz="1600" dirty="0">
-              <a:solidFill>
-                <a:srgbClr val="000000"/>
-              </a:solidFill>
-              <a:latin typeface="標楷體" panose="03000509000000000000" pitchFamily="65" charset="-120"/>
-              <a:ea typeface="標楷體" panose="03000509000000000000" pitchFamily="65" charset="-120"/>
-              <a:cs typeface="Arial Unicode MS" panose="020B0604020202020204" pitchFamily="34" charset="-128"/>
-            </a:endParaRPr>
-          </a:p>
           <a:p>
             <a:pPr>
               <a:lnSpc>
@@ -7286,7 +7074,124 @@
               <a:buFont typeface="Arial" panose="020B0604020202020204" pitchFamily="34" charset="0"/>
               <a:buChar char="•"/>
             </a:pPr>
-            <a:endParaRPr lang="zh-TW" altLang="en-US" sz="1600" i="0" u="none" strike="noStrike" dirty="0">
+            <a:r>
+              <a:rPr lang="zh-TW" altLang="en-US" sz="2000" b="1" dirty="0">
+                <a:solidFill>
+                  <a:srgbClr val="000000"/>
+                </a:solidFill>
+                <a:latin typeface="標楷體" panose="03000509000000000000" pitchFamily="65" charset="-120"/>
+                <a:ea typeface="標楷體" panose="03000509000000000000" pitchFamily="65" charset="-120"/>
+                <a:cs typeface="Arial Unicode MS" panose="020B0604020202020204" pitchFamily="34" charset="-128"/>
+              </a:rPr>
+              <a:t>套件圖</a:t>
+            </a:r>
+            <a:r>
+              <a:rPr lang="zh-TW" altLang="en" sz="2000" b="0" i="0" u="none" strike="noStrike" dirty="0">
+                <a:solidFill>
+                  <a:srgbClr val="000000"/>
+                </a:solidFill>
+                <a:effectLst/>
+                <a:latin typeface="標楷體" panose="03000509000000000000" pitchFamily="65" charset="-120"/>
+                <a:ea typeface="標楷體" panose="03000509000000000000" pitchFamily="65" charset="-120"/>
+                <a:cs typeface="Arial Unicode MS" panose="020B0604020202020204" pitchFamily="34" charset="-128"/>
+              </a:rPr>
+              <a:t>：</a:t>
+            </a:r>
+            <a:r>
+              <a:rPr lang="zh-TW" altLang="en-US" sz="2000" dirty="0">
+                <a:solidFill>
+                  <a:srgbClr val="333333"/>
+                </a:solidFill>
+                <a:latin typeface="標楷體" panose="03000509000000000000" pitchFamily="65" charset="-120"/>
+                <a:ea typeface="標楷體" panose="03000509000000000000" pitchFamily="65" charset="-120"/>
+              </a:rPr>
+              <a:t>展現系統</a:t>
+            </a:r>
+            <a:r>
+              <a:rPr lang="zh-TW" altLang="en-US" sz="2000" dirty="0">
+                <a:solidFill>
+                  <a:srgbClr val="FF0000"/>
+                </a:solidFill>
+                <a:latin typeface="標楷體" panose="03000509000000000000" pitchFamily="65" charset="-120"/>
+                <a:ea typeface="標楷體" panose="03000509000000000000" pitchFamily="65" charset="-120"/>
+              </a:rPr>
+              <a:t>各元素</a:t>
+            </a:r>
+            <a:r>
+              <a:rPr lang="zh-TW" altLang="en-US" sz="2000" dirty="0">
+                <a:solidFill>
+                  <a:srgbClr val="333333"/>
+                </a:solidFill>
+                <a:latin typeface="標楷體" panose="03000509000000000000" pitchFamily="65" charset="-120"/>
+                <a:ea typeface="標楷體" panose="03000509000000000000" pitchFamily="65" charset="-120"/>
+              </a:rPr>
+              <a:t>（例如：子系統、模組、元件等）的組織與分割方式。</a:t>
+            </a:r>
+            <a:endParaRPr lang="en-US" altLang="zh-TW" sz="2000" dirty="0">
+              <a:solidFill>
+                <a:srgbClr val="333333"/>
+              </a:solidFill>
+              <a:latin typeface="標楷體" panose="03000509000000000000" pitchFamily="65" charset="-120"/>
+              <a:ea typeface="標楷體" panose="03000509000000000000" pitchFamily="65" charset="-120"/>
+            </a:endParaRPr>
+          </a:p>
+          <a:p>
+            <a:pPr>
+              <a:lnSpc>
+                <a:spcPct val="150000"/>
+              </a:lnSpc>
+            </a:pPr>
+            <a:r>
+              <a:rPr lang="zh-TW" altLang="en-US" sz="2000" dirty="0">
+                <a:solidFill>
+                  <a:srgbClr val="333333"/>
+                </a:solidFill>
+                <a:latin typeface="標楷體" panose="03000509000000000000" pitchFamily="65" charset="-120"/>
+                <a:ea typeface="標楷體" panose="03000509000000000000" pitchFamily="65" charset="-120"/>
+              </a:rPr>
+              <a:t>套件裡面可以包含其他子套件而形成巢狀套件，也可以包含其他 </a:t>
+            </a:r>
+            <a:r>
+              <a:rPr lang="en-US" altLang="zh-TW" sz="2000" dirty="0">
+                <a:solidFill>
+                  <a:srgbClr val="333333"/>
+                </a:solidFill>
+                <a:latin typeface="標楷體" panose="03000509000000000000" pitchFamily="65" charset="-120"/>
+                <a:ea typeface="標楷體" panose="03000509000000000000" pitchFamily="65" charset="-120"/>
+              </a:rPr>
+              <a:t>UML </a:t>
+            </a:r>
+            <a:r>
+              <a:rPr lang="zh-TW" altLang="en-US" sz="2000" dirty="0">
+                <a:solidFill>
+                  <a:srgbClr val="333333"/>
+                </a:solidFill>
+                <a:latin typeface="標楷體" panose="03000509000000000000" pitchFamily="65" charset="-120"/>
+                <a:ea typeface="標楷體" panose="03000509000000000000" pitchFamily="65" charset="-120"/>
+              </a:rPr>
+              <a:t>圖形元素，例如：類別、</a:t>
+            </a:r>
+            <a:r>
+              <a:rPr lang="en-US" altLang="zh-TW" sz="2000" dirty="0">
+                <a:solidFill>
+                  <a:srgbClr val="333333"/>
+                </a:solidFill>
+                <a:latin typeface="標楷體" panose="03000509000000000000" pitchFamily="65" charset="-120"/>
+                <a:ea typeface="標楷體" panose="03000509000000000000" pitchFamily="65" charset="-120"/>
+              </a:rPr>
+              <a:t>Use Case </a:t>
+            </a:r>
+            <a:r>
+              <a:rPr lang="zh-TW" altLang="en-US" sz="2000" dirty="0">
+                <a:solidFill>
+                  <a:srgbClr val="333333"/>
+                </a:solidFill>
+                <a:latin typeface="標楷體" panose="03000509000000000000" pitchFamily="65" charset="-120"/>
+                <a:ea typeface="標楷體" panose="03000509000000000000" pitchFamily="65" charset="-120"/>
+              </a:rPr>
+              <a:t>等。</a:t>
+            </a:r>
+            <a:endParaRPr lang="zh-TW" altLang="en-US" sz="2000" b="0" i="0" u="none" strike="noStrike" dirty="0">
               <a:solidFill>
                 <a:srgbClr val="000000"/>
               </a:solidFill>
@@ -7301,7 +7206,7 @@
     </p:spTree>
     <p:extLst>
       <p:ext uri="{BB962C8B-B14F-4D97-AF65-F5344CB8AC3E}">
-        <p14:creationId xmlns:p14="http://schemas.microsoft.com/office/powerpoint/2010/main" val="4061110777"/>
+        <p14:creationId xmlns:p14="http://schemas.microsoft.com/office/powerpoint/2010/main" val="3730432636"/>
       </p:ext>
     </p:extLst>
   </p:cSld>
@@ -7314,18 +7219,12 @@
 </p:sld>
 </file>
 
-<file path=ppt/slides/slide2.xml><?xml version="1.0" encoding="utf-8"?>
+<file path=ppt/slides/slide13.xml><?xml version="1.0" encoding="utf-8"?>
 <p:sld xmlns:a="http://schemas.openxmlformats.org/drawingml/2006/main" xmlns:r="http://schemas.openxmlformats.org/officeDocument/2006/relationships" xmlns:p="http://schemas.openxmlformats.org/presentationml/2006/main">
   <p:cSld>
     <p:spTree>
       <p:nvGrpSpPr>
-        <p:cNvPr id="1" name="">
-          <a:extLst>
-            <a:ext uri="{FF2B5EF4-FFF2-40B4-BE49-F238E27FC236}">
-              <a16:creationId xmlns:a16="http://schemas.microsoft.com/office/drawing/2014/main" id="{FC3E3613-DD9B-CC6A-EA3C-A7742561092E}"/>
-            </a:ext>
-          </a:extLst>
-        </p:cNvPr>
+        <p:cNvPr id="1" name=""/>
         <p:cNvGrpSpPr/>
         <p:nvPr/>
       </p:nvGrpSpPr>
@@ -7342,7 +7241,7 @@
           <p:cNvPr id="6" name="矩形: 圆角 1">
             <a:extLst>
               <a:ext uri="{FF2B5EF4-FFF2-40B4-BE49-F238E27FC236}">
-                <a16:creationId xmlns:a16="http://schemas.microsoft.com/office/drawing/2014/main" id="{AB01D58A-45E3-BF12-2E5E-41C15D0BB585}"/>
+                <a16:creationId xmlns:a16="http://schemas.microsoft.com/office/drawing/2014/main" id="{A494D061-2076-F150-B75C-4CCE5DFBB08F}"/>
               </a:ext>
             </a:extLst>
           </p:cNvPr>
@@ -7394,18 +7293,18 @@
             <a:r>
               <a:rPr kumimoji="1" lang="zh-TW" altLang="en-US" sz="3667" dirty="0">
                 <a:solidFill>
-                  <a:schemeClr val="tx1"/>
+                  <a:srgbClr val="002060"/>
                 </a:solidFill>
                 <a:latin typeface="標楷體" panose="03000509000000000000" pitchFamily="65" charset="-120"/>
                 <a:ea typeface="標楷體" panose="03000509000000000000" pitchFamily="65" charset="-120"/>
                 <a:cs typeface="Arial Black" panose="020B0604020202020204" pitchFamily="34" charset="0"/>
                 <a:sym typeface="+mn-lt"/>
               </a:rPr>
-              <a:t>設計類別圖</a:t>
+              <a:t>資料來源</a:t>
             </a:r>
             <a:endParaRPr kumimoji="1" lang="zh-CN" altLang="en-US" sz="3667" dirty="0">
               <a:solidFill>
-                <a:schemeClr val="tx1"/>
+                <a:srgbClr val="002060"/>
               </a:solidFill>
               <a:latin typeface="標楷體" panose="03000509000000000000" pitchFamily="65" charset="-120"/>
               <a:ea typeface="標楷體" panose="03000509000000000000" pitchFamily="65" charset="-120"/>
@@ -7420,7 +7319,7 @@
           <p:cNvPr id="25" name="半框架 24">
             <a:extLst>
               <a:ext uri="{FF2B5EF4-FFF2-40B4-BE49-F238E27FC236}">
-                <a16:creationId xmlns:a16="http://schemas.microsoft.com/office/drawing/2014/main" id="{2D38DF5A-7BFF-7931-E68B-582965D1CC11}"/>
+                <a16:creationId xmlns:a16="http://schemas.microsoft.com/office/drawing/2014/main" id="{608795FC-6806-5A96-CD16-3CFDB3BA1241}"/>
               </a:ext>
             </a:extLst>
           </p:cNvPr>
@@ -7485,7 +7384,7 @@
           <p:cNvPr id="27" name="半框架 26">
             <a:extLst>
               <a:ext uri="{FF2B5EF4-FFF2-40B4-BE49-F238E27FC236}">
-                <a16:creationId xmlns:a16="http://schemas.microsoft.com/office/drawing/2014/main" id="{91745545-CD6D-E10E-4F02-BE1BF90F9921}"/>
+                <a16:creationId xmlns:a16="http://schemas.microsoft.com/office/drawing/2014/main" id="{416C6711-6D38-FD11-A5F9-C2DC6AE3106F}"/>
               </a:ext>
             </a:extLst>
           </p:cNvPr>
@@ -7547,10 +7446,10 @@
       </p:sp>
       <p:sp>
         <p:nvSpPr>
-          <p:cNvPr id="3" name="文字方塊 2">
-            <a:extLst>
-              <a:ext uri="{FF2B5EF4-FFF2-40B4-BE49-F238E27FC236}">
-                <a16:creationId xmlns:a16="http://schemas.microsoft.com/office/drawing/2014/main" id="{4CC5411B-1CF0-4DD3-F46B-6CE84C188AC4}"/>
+          <p:cNvPr id="26" name="文字方塊 25">
+            <a:extLst>
+              <a:ext uri="{FF2B5EF4-FFF2-40B4-BE49-F238E27FC236}">
+                <a16:creationId xmlns:a16="http://schemas.microsoft.com/office/drawing/2014/main" id="{95126ADC-BADF-8AE0-4502-9668363B9787}"/>
               </a:ext>
             </a:extLst>
           </p:cNvPr>
@@ -7559,8 +7458,8 @@
         </p:nvSpPr>
         <p:spPr>
           <a:xfrm>
-            <a:off x="11655706" y="1585732"/>
-            <a:ext cx="184731" cy="369332"/>
+            <a:off x="1191430" y="1483422"/>
+            <a:ext cx="9809139" cy="5958362"/>
           </a:xfrm>
           <a:prstGeom prst="rect">
             <a:avLst/>
@@ -7568,748 +7467,481 @@
           <a:noFill/>
         </p:spPr>
         <p:txBody>
-          <a:bodyPr wrap="none" rtlCol="0">
+          <a:bodyPr wrap="square">
             <a:spAutoFit/>
           </a:bodyPr>
           <a:lstStyle/>
           <a:p>
-            <a:endParaRPr kumimoji="1" lang="zh-TW" altLang="en-US" dirty="0">
-              <a:latin typeface="標楷體" panose="03000509000000000000" pitchFamily="65" charset="-120"/>
-              <a:ea typeface="標楷體" panose="03000509000000000000" pitchFamily="65" charset="-120"/>
-            </a:endParaRPr>
-          </a:p>
-        </p:txBody>
-      </p:sp>
-      <p:pic>
-        <p:nvPicPr>
-          <p:cNvPr id="7" name="圖片 6">
-            <a:extLst>
-              <a:ext uri="{FF2B5EF4-FFF2-40B4-BE49-F238E27FC236}">
-                <a16:creationId xmlns:a16="http://schemas.microsoft.com/office/drawing/2014/main" id="{70BF16E3-C2FA-4937-8F36-EF8F5D5E4319}"/>
-              </a:ext>
-            </a:extLst>
-          </p:cNvPr>
-          <p:cNvPicPr>
-            <a:picLocks noChangeAspect="1"/>
-          </p:cNvPicPr>
-          <p:nvPr/>
-        </p:nvPicPr>
-        <p:blipFill>
-          <a:blip r:embed="rId3"/>
-          <a:stretch>
-            <a:fillRect/>
-          </a:stretch>
-        </p:blipFill>
-        <p:spPr>
-          <a:xfrm>
-            <a:off x="3405089" y="3032160"/>
-            <a:ext cx="3018982" cy="2325279"/>
-          </a:xfrm>
-          <a:prstGeom prst="rect">
-            <a:avLst/>
-          </a:prstGeom>
-        </p:spPr>
-      </p:pic>
-      <p:sp>
-        <p:nvSpPr>
-          <p:cNvPr id="12" name="語音泡泡: 圓角矩形 11">
-            <a:extLst>
-              <a:ext uri="{FF2B5EF4-FFF2-40B4-BE49-F238E27FC236}">
-                <a16:creationId xmlns:a16="http://schemas.microsoft.com/office/drawing/2014/main" id="{2717ED7A-F64E-4C59-9364-84F48AF0FB4B}"/>
-              </a:ext>
-            </a:extLst>
-          </p:cNvPr>
-          <p:cNvSpPr/>
-          <p:nvPr/>
-        </p:nvSpPr>
-        <p:spPr>
-          <a:xfrm>
-            <a:off x="578646" y="1403474"/>
-            <a:ext cx="4049845" cy="1162639"/>
-          </a:xfrm>
-          <a:prstGeom prst="wedgeRoundRectCallout">
-            <a:avLst>
-              <a:gd name="adj1" fmla="val 48889"/>
-              <a:gd name="adj2" fmla="val 92846"/>
-              <a:gd name="adj3" fmla="val 16667"/>
-            </a:avLst>
-          </a:prstGeom>
-          <a:noFill/>
-        </p:spPr>
-        <p:style>
-          <a:lnRef idx="2">
-            <a:schemeClr val="accent1">
-              <a:shade val="50000"/>
-            </a:schemeClr>
-          </a:lnRef>
-          <a:fillRef idx="1">
-            <a:schemeClr val="accent1"/>
-          </a:fillRef>
-          <a:effectRef idx="0">
-            <a:schemeClr val="accent1"/>
-          </a:effectRef>
-          <a:fontRef idx="minor">
-            <a:schemeClr val="lt1"/>
-          </a:fontRef>
-        </p:style>
-        <p:txBody>
-          <a:bodyPr rtlCol="0" anchor="ctr"/>
-          <a:lstStyle/>
-          <a:p>
-            <a:pPr algn="ctr"/>
-            <a:r>
-              <a:rPr lang="en-US" altLang="zh-TW" b="1" dirty="0">
-                <a:solidFill>
-                  <a:schemeClr val="tx1"/>
-                </a:solidFill>
-                <a:latin typeface="標楷體" panose="03000509000000000000" pitchFamily="65" charset="-120"/>
-                <a:ea typeface="標楷體" panose="03000509000000000000" pitchFamily="65" charset="-120"/>
-              </a:rPr>
-              <a:t>Name — </a:t>
-            </a:r>
-            <a:r>
-              <a:rPr lang="zh-TW" altLang="en-US" b="1" dirty="0">
-                <a:solidFill>
-                  <a:schemeClr val="tx1"/>
-                </a:solidFill>
-                <a:latin typeface="標楷體" panose="03000509000000000000" pitchFamily="65" charset="-120"/>
-                <a:ea typeface="標楷體" panose="03000509000000000000" pitchFamily="65" charset="-120"/>
-              </a:rPr>
-              <a:t>必填的名稱</a:t>
-            </a:r>
-            <a:endParaRPr lang="en-US" altLang="zh-TW" b="1" dirty="0">
+            <a:pPr>
+              <a:lnSpc>
+                <a:spcPct val="150000"/>
+              </a:lnSpc>
+            </a:pPr>
+            <a:r>
+              <a:rPr lang="zh-TW" altLang="en-US" sz="1600" dirty="0">
+                <a:solidFill>
+                  <a:srgbClr val="000000"/>
+                </a:solidFill>
+                <a:latin typeface="標楷體" panose="03000509000000000000" pitchFamily="65" charset="-120"/>
+                <a:ea typeface="標楷體" panose="03000509000000000000" pitchFamily="65" charset="-120"/>
+                <a:cs typeface="Arial Unicode MS" panose="020B0604020202020204" pitchFamily="34" charset="-128"/>
+              </a:rPr>
+              <a:t>簡單理解 </a:t>
+            </a:r>
+            <a:r>
+              <a:rPr lang="en-US" altLang="zh-TW" sz="1600" dirty="0">
+                <a:solidFill>
+                  <a:srgbClr val="000000"/>
+                </a:solidFill>
+                <a:latin typeface="標楷體" panose="03000509000000000000" pitchFamily="65" charset="-120"/>
+                <a:ea typeface="標楷體" panose="03000509000000000000" pitchFamily="65" charset="-120"/>
+                <a:cs typeface="Arial Unicode MS" panose="020B0604020202020204" pitchFamily="34" charset="-128"/>
+              </a:rPr>
+              <a:t>UML </a:t>
+            </a:r>
+            <a:r>
+              <a:rPr lang="zh-TW" altLang="en-US" sz="1600" dirty="0">
+                <a:solidFill>
+                  <a:srgbClr val="000000"/>
+                </a:solidFill>
+                <a:latin typeface="標楷體" panose="03000509000000000000" pitchFamily="65" charset="-120"/>
+                <a:ea typeface="標楷體" panose="03000509000000000000" pitchFamily="65" charset="-120"/>
+                <a:cs typeface="Arial Unicode MS" panose="020B0604020202020204" pitchFamily="34" charset="-128"/>
+              </a:rPr>
+              <a:t>類別圖</a:t>
+            </a:r>
+            <a:endParaRPr lang="en-US" altLang="zh-TW" sz="1600" dirty="0">
               <a:solidFill>
-                <a:schemeClr val="tx1"/>
+                <a:srgbClr val="000000"/>
               </a:solidFill>
               <a:latin typeface="標楷體" panose="03000509000000000000" pitchFamily="65" charset="-120"/>
               <a:ea typeface="標楷體" panose="03000509000000000000" pitchFamily="65" charset="-120"/>
+              <a:cs typeface="Arial Unicode MS" panose="020B0604020202020204" pitchFamily="34" charset="-128"/>
             </a:endParaRPr>
           </a:p>
           <a:p>
-            <a:pPr algn="ctr"/>
-            <a:r>
-              <a:rPr lang="zh-TW" altLang="en-US" dirty="0">
-                <a:solidFill>
-                  <a:schemeClr val="tx1"/>
-                </a:solidFill>
-                <a:latin typeface="標楷體" panose="03000509000000000000" pitchFamily="65" charset="-120"/>
-                <a:ea typeface="標楷體" panose="03000509000000000000" pitchFamily="65" charset="-120"/>
-              </a:rPr>
-              <a:t>（粗體置中且首字大寫，若表示抽象類別則使用斜體）</a:t>
-            </a:r>
-          </a:p>
-        </p:txBody>
-      </p:sp>
-      <p:sp>
-        <p:nvSpPr>
-          <p:cNvPr id="16" name="語音泡泡: 圓角矩形 15">
-            <a:extLst>
-              <a:ext uri="{FF2B5EF4-FFF2-40B4-BE49-F238E27FC236}">
-                <a16:creationId xmlns:a16="http://schemas.microsoft.com/office/drawing/2014/main" id="{7FEDF35E-67D7-4550-AFFD-DDD6B91947C8}"/>
-              </a:ext>
-            </a:extLst>
-          </p:cNvPr>
-          <p:cNvSpPr/>
-          <p:nvPr/>
-        </p:nvSpPr>
-        <p:spPr>
-          <a:xfrm>
-            <a:off x="6645780" y="2049852"/>
-            <a:ext cx="5009926" cy="3818299"/>
-          </a:xfrm>
-          <a:prstGeom prst="wedgeRoundRectCallout">
-            <a:avLst>
-              <a:gd name="adj1" fmla="val -56407"/>
-              <a:gd name="adj2" fmla="val 2299"/>
-              <a:gd name="adj3" fmla="val 16667"/>
-            </a:avLst>
-          </a:prstGeom>
-          <a:noFill/>
-        </p:spPr>
-        <p:style>
-          <a:lnRef idx="2">
-            <a:schemeClr val="accent1">
-              <a:shade val="50000"/>
-            </a:schemeClr>
-          </a:lnRef>
-          <a:fillRef idx="1">
-            <a:schemeClr val="accent1"/>
-          </a:fillRef>
-          <a:effectRef idx="0">
-            <a:schemeClr val="accent1"/>
-          </a:effectRef>
-          <a:fontRef idx="minor">
-            <a:schemeClr val="lt1"/>
-          </a:fontRef>
-        </p:style>
-        <p:txBody>
-          <a:bodyPr rtlCol="0" anchor="ctr"/>
-          <a:lstStyle/>
-          <a:p>
-            <a:pPr algn="ctr"/>
-            <a:r>
-              <a:rPr lang="en-US" altLang="zh-TW" b="1" dirty="0">
-                <a:solidFill>
-                  <a:schemeClr val="tx1"/>
-                </a:solidFill>
-                <a:latin typeface="標楷體" panose="03000509000000000000" pitchFamily="65" charset="-120"/>
-                <a:ea typeface="標楷體" panose="03000509000000000000" pitchFamily="65" charset="-120"/>
-              </a:rPr>
-              <a:t>Attributes — </a:t>
-            </a:r>
-            <a:r>
-              <a:rPr lang="zh-TW" altLang="en-US" b="1" dirty="0">
-                <a:solidFill>
-                  <a:schemeClr val="tx1"/>
-                </a:solidFill>
-                <a:latin typeface="標楷體" panose="03000509000000000000" pitchFamily="65" charset="-120"/>
-                <a:ea typeface="標楷體" panose="03000509000000000000" pitchFamily="65" charset="-120"/>
-              </a:rPr>
-              <a:t>屬性</a:t>
-            </a:r>
-            <a:endParaRPr lang="en-US" altLang="zh-TW" b="1" dirty="0">
+            <a:pPr>
+              <a:lnSpc>
+                <a:spcPct val="150000"/>
+              </a:lnSpc>
+            </a:pPr>
+            <a:r>
+              <a:rPr lang="en-US" altLang="zh-TW" sz="1600" dirty="0">
+                <a:solidFill>
+                  <a:srgbClr val="000000"/>
+                </a:solidFill>
+                <a:latin typeface="標楷體" panose="03000509000000000000" pitchFamily="65" charset="-120"/>
+                <a:ea typeface="標楷體" panose="03000509000000000000" pitchFamily="65" charset="-120"/>
+                <a:cs typeface="Arial Unicode MS" panose="020B0604020202020204" pitchFamily="34" charset="-128"/>
+                <a:hlinkClick r:id="rId3"/>
+              </a:rPr>
+              <a:t>https://misomiso43.medium.com/%E7%B0%A1%E5%96%AE%E7%90%86%E8%A7%A3-uml-%E9%A1%9E%E5%88%A5%E5%9C%96-f0b32a3272c</a:t>
+            </a:r>
+            <a:endParaRPr lang="en-US" altLang="zh-TW" sz="1600" dirty="0">
               <a:solidFill>
-                <a:schemeClr val="tx1"/>
+                <a:srgbClr val="000000"/>
               </a:solidFill>
               <a:latin typeface="標楷體" panose="03000509000000000000" pitchFamily="65" charset="-120"/>
               <a:ea typeface="標楷體" panose="03000509000000000000" pitchFamily="65" charset="-120"/>
+              <a:cs typeface="Arial Unicode MS" panose="020B0604020202020204" pitchFamily="34" charset="-128"/>
             </a:endParaRPr>
           </a:p>
           <a:p>
-            <a:pPr algn="ctr"/>
-            <a:r>
-              <a:rPr lang="zh-TW" altLang="en-US" dirty="0">
-                <a:solidFill>
-                  <a:schemeClr val="tx1"/>
-                </a:solidFill>
-                <a:latin typeface="標楷體" panose="03000509000000000000" pitchFamily="65" charset="-120"/>
-                <a:ea typeface="標楷體" panose="03000509000000000000" pitchFamily="65" charset="-120"/>
-              </a:rPr>
-              <a:t>冒號後表示型別（置左且首字小寫）</a:t>
-            </a:r>
-          </a:p>
-          <a:p>
-            <a:pPr algn="ctr"/>
-            <a:endParaRPr lang="en-US" altLang="zh-TW" dirty="0">
+            <a:pPr>
+              <a:lnSpc>
+                <a:spcPct val="150000"/>
+              </a:lnSpc>
+            </a:pPr>
+            <a:r>
+              <a:rPr lang="zh-TW" altLang="en-US" sz="1600" dirty="0">
+                <a:solidFill>
+                  <a:srgbClr val="000000"/>
+                </a:solidFill>
+                <a:latin typeface="標楷體" panose="03000509000000000000" pitchFamily="65" charset="-120"/>
+                <a:ea typeface="標楷體" panose="03000509000000000000" pitchFamily="65" charset="-120"/>
+                <a:cs typeface="Arial Unicode MS" panose="020B0604020202020204" pitchFamily="34" charset="-128"/>
+              </a:rPr>
+              <a:t>奧卡部落格</a:t>
+            </a:r>
+            <a:endParaRPr lang="en-US" altLang="zh-TW" sz="1600" dirty="0">
               <a:solidFill>
-                <a:schemeClr val="tx1"/>
+                <a:srgbClr val="000000"/>
               </a:solidFill>
               <a:latin typeface="標楷體" panose="03000509000000000000" pitchFamily="65" charset="-120"/>
               <a:ea typeface="標楷體" panose="03000509000000000000" pitchFamily="65" charset="-120"/>
+              <a:cs typeface="Arial Unicode MS" panose="020B0604020202020204" pitchFamily="34" charset="-128"/>
             </a:endParaRPr>
           </a:p>
           <a:p>
-            <a:r>
-              <a:rPr lang="en-US" altLang="zh-TW" sz="2000" dirty="0">
-                <a:solidFill>
-                  <a:schemeClr val="tx1"/>
-                </a:solidFill>
-                <a:highlight>
-                  <a:srgbClr val="FFFF00"/>
-                </a:highlight>
-                <a:latin typeface="標楷體" panose="03000509000000000000" pitchFamily="65" charset="-120"/>
-                <a:ea typeface="標楷體" panose="03000509000000000000" pitchFamily="65" charset="-120"/>
-              </a:rPr>
-              <a:t>+</a:t>
-            </a:r>
-            <a:r>
-              <a:rPr lang="en-US" altLang="zh-TW" dirty="0">
-                <a:solidFill>
-                  <a:schemeClr val="tx1"/>
-                </a:solidFill>
-                <a:latin typeface="標楷體" panose="03000509000000000000" pitchFamily="65" charset="-120"/>
-                <a:ea typeface="標楷體" panose="03000509000000000000" pitchFamily="65" charset="-120"/>
-              </a:rPr>
-              <a:t> </a:t>
-            </a:r>
-            <a:r>
-              <a:rPr lang="zh-TW" altLang="en-US" dirty="0">
-                <a:solidFill>
-                  <a:schemeClr val="tx1"/>
-                </a:solidFill>
-                <a:latin typeface="標楷體" panose="03000509000000000000" pitchFamily="65" charset="-120"/>
-                <a:ea typeface="標楷體" panose="03000509000000000000" pitchFamily="65" charset="-120"/>
-              </a:rPr>
-              <a:t> </a:t>
-            </a:r>
-            <a:r>
-              <a:rPr lang="en-US" altLang="zh-TW" dirty="0">
-                <a:solidFill>
-                  <a:schemeClr val="tx1"/>
-                </a:solidFill>
-                <a:latin typeface="標楷體" panose="03000509000000000000" pitchFamily="65" charset="-120"/>
-                <a:ea typeface="標楷體" panose="03000509000000000000" pitchFamily="65" charset="-120"/>
-              </a:rPr>
-              <a:t>Public, </a:t>
-            </a:r>
-            <a:r>
-              <a:rPr lang="zh-TW" altLang="en-US" dirty="0">
-                <a:solidFill>
-                  <a:schemeClr val="tx1"/>
-                </a:solidFill>
-                <a:latin typeface="標楷體" panose="03000509000000000000" pitchFamily="65" charset="-120"/>
-                <a:ea typeface="標楷體" panose="03000509000000000000" pitchFamily="65" charset="-120"/>
-              </a:rPr>
-              <a:t>公共</a:t>
-            </a:r>
-            <a:br>
-              <a:rPr lang="zh-TW" altLang="en-US" dirty="0">
-                <a:solidFill>
-                  <a:schemeClr val="tx1"/>
-                </a:solidFill>
-                <a:latin typeface="標楷體" panose="03000509000000000000" pitchFamily="65" charset="-120"/>
-                <a:ea typeface="標楷體" panose="03000509000000000000" pitchFamily="65" charset="-120"/>
-              </a:rPr>
-            </a:br>
-            <a:r>
-              <a:rPr lang="en-US" altLang="zh-TW" sz="2000" dirty="0">
-                <a:solidFill>
-                  <a:schemeClr val="tx1"/>
-                </a:solidFill>
-                <a:highlight>
-                  <a:srgbClr val="FFFF00"/>
-                </a:highlight>
-                <a:latin typeface="標楷體" panose="03000509000000000000" pitchFamily="65" charset="-120"/>
-                <a:ea typeface="標楷體" panose="03000509000000000000" pitchFamily="65" charset="-120"/>
+            <a:pPr>
+              <a:lnSpc>
+                <a:spcPct val="150000"/>
+              </a:lnSpc>
+            </a:pPr>
+            <a:r>
+              <a:rPr lang="en-US" altLang="zh-TW" sz="1600" dirty="0">
+                <a:solidFill>
+                  <a:srgbClr val="000000"/>
+                </a:solidFill>
+                <a:latin typeface="標楷體" panose="03000509000000000000" pitchFamily="65" charset="-120"/>
+                <a:ea typeface="標楷體" panose="03000509000000000000" pitchFamily="65" charset="-120"/>
+                <a:cs typeface="Arial Unicode MS" panose="020B0604020202020204" pitchFamily="34" charset="-128"/>
+                <a:hlinkClick r:id="rId4"/>
+              </a:rPr>
+              <a:t>https://oscarada87.github.io/2020/10/24/%E9%A1%9E%E5%88%A5%E5%9C%96class%20diagram/</a:t>
+            </a:r>
+            <a:endParaRPr lang="en-US" altLang="zh-TW" sz="1600" dirty="0">
+              <a:solidFill>
+                <a:srgbClr val="000000"/>
+              </a:solidFill>
+              <a:latin typeface="標楷體" panose="03000509000000000000" pitchFamily="65" charset="-120"/>
+              <a:ea typeface="標楷體" panose="03000509000000000000" pitchFamily="65" charset="-120"/>
+              <a:cs typeface="Arial Unicode MS" panose="020B0604020202020204" pitchFamily="34" charset="-128"/>
+            </a:endParaRPr>
+          </a:p>
+          <a:p>
+            <a:pPr>
+              <a:lnSpc>
+                <a:spcPct val="150000"/>
+              </a:lnSpc>
+            </a:pPr>
+            <a:r>
+              <a:rPr lang="en-US" altLang="zh-TW" sz="1600" dirty="0">
+                <a:solidFill>
+                  <a:srgbClr val="000000"/>
+                </a:solidFill>
+                <a:latin typeface="標楷體" panose="03000509000000000000" pitchFamily="65" charset="-120"/>
+                <a:ea typeface="標楷體" panose="03000509000000000000" pitchFamily="65" charset="-120"/>
+                <a:cs typeface="Arial Unicode MS" panose="020B0604020202020204" pitchFamily="34" charset="-128"/>
+              </a:rPr>
+              <a:t>UML</a:t>
+            </a:r>
+            <a:r>
+              <a:rPr lang="zh-TW" altLang="en-US" sz="1600" dirty="0">
+                <a:solidFill>
+                  <a:srgbClr val="000000"/>
+                </a:solidFill>
+                <a:latin typeface="標楷體" panose="03000509000000000000" pitchFamily="65" charset="-120"/>
+                <a:ea typeface="標楷體" panose="03000509000000000000" pitchFamily="65" charset="-120"/>
+                <a:cs typeface="Arial Unicode MS" panose="020B0604020202020204" pitchFamily="34" charset="-128"/>
+              </a:rPr>
+              <a:t>類別圖的風格指南</a:t>
+            </a:r>
+            <a:endParaRPr lang="en-US" altLang="zh-TW" sz="1600" dirty="0">
+              <a:solidFill>
+                <a:srgbClr val="000000"/>
+              </a:solidFill>
+              <a:latin typeface="標楷體" panose="03000509000000000000" pitchFamily="65" charset="-120"/>
+              <a:ea typeface="標楷體" panose="03000509000000000000" pitchFamily="65" charset="-120"/>
+              <a:cs typeface="Arial Unicode MS" panose="020B0604020202020204" pitchFamily="34" charset="-128"/>
+            </a:endParaRPr>
+          </a:p>
+          <a:p>
+            <a:pPr>
+              <a:lnSpc>
+                <a:spcPct val="150000"/>
+              </a:lnSpc>
+            </a:pPr>
+            <a:r>
+              <a:rPr lang="en-US" altLang="zh-TW" sz="1600" dirty="0">
+                <a:solidFill>
+                  <a:srgbClr val="000000"/>
+                </a:solidFill>
+                <a:latin typeface="標楷體" panose="03000509000000000000" pitchFamily="65" charset="-120"/>
+                <a:ea typeface="標楷體" panose="03000509000000000000" pitchFamily="65" charset="-120"/>
+                <a:cs typeface="Arial Unicode MS" panose="020B0604020202020204" pitchFamily="34" charset="-128"/>
+                <a:hlinkClick r:id="rId5"/>
+              </a:rPr>
+              <a:t>https://www.ithome.com.tw/article/53692</a:t>
+            </a:r>
+            <a:endParaRPr lang="en-US" altLang="zh-TW" sz="1600" dirty="0">
+              <a:solidFill>
+                <a:srgbClr val="000000"/>
+              </a:solidFill>
+              <a:latin typeface="標楷體" panose="03000509000000000000" pitchFamily="65" charset="-120"/>
+              <a:ea typeface="標楷體" panose="03000509000000000000" pitchFamily="65" charset="-120"/>
+              <a:cs typeface="Arial Unicode MS" panose="020B0604020202020204" pitchFamily="34" charset="-128"/>
+            </a:endParaRPr>
+          </a:p>
+          <a:p>
+            <a:pPr>
+              <a:lnSpc>
+                <a:spcPct val="150000"/>
+              </a:lnSpc>
+            </a:pPr>
+            <a:r>
+              <a:rPr lang="zh-TW" altLang="en-US" sz="1600" dirty="0">
+                <a:solidFill>
+                  <a:srgbClr val="000000"/>
+                </a:solidFill>
+                <a:latin typeface="標楷體" panose="03000509000000000000" pitchFamily="65" charset="-120"/>
+                <a:ea typeface="標楷體" panose="03000509000000000000" pitchFamily="65" charset="-120"/>
+                <a:cs typeface="Arial Unicode MS" panose="020B0604020202020204" pitchFamily="34" charset="-128"/>
+              </a:rPr>
+              <a:t>什麼是</a:t>
+            </a:r>
+            <a:r>
+              <a:rPr lang="en-US" altLang="zh-TW" sz="1600" dirty="0">
+                <a:solidFill>
+                  <a:srgbClr val="000000"/>
+                </a:solidFill>
+                <a:latin typeface="標楷體" panose="03000509000000000000" pitchFamily="65" charset="-120"/>
+                <a:ea typeface="標楷體" panose="03000509000000000000" pitchFamily="65" charset="-120"/>
+                <a:cs typeface="Arial Unicode MS" panose="020B0604020202020204" pitchFamily="34" charset="-128"/>
+              </a:rPr>
+              <a:t>UML</a:t>
+            </a:r>
+            <a:r>
+              <a:rPr lang="zh-TW" altLang="en-US" sz="1600" dirty="0">
+                <a:solidFill>
+                  <a:srgbClr val="000000"/>
+                </a:solidFill>
+                <a:latin typeface="標楷體" panose="03000509000000000000" pitchFamily="65" charset="-120"/>
+                <a:ea typeface="標楷體" panose="03000509000000000000" pitchFamily="65" charset="-120"/>
+                <a:cs typeface="Arial Unicode MS" panose="020B0604020202020204" pitchFamily="34" charset="-128"/>
+              </a:rPr>
+              <a:t>「部署圖」？</a:t>
+            </a:r>
+            <a:endParaRPr lang="en-US" altLang="zh-TW" sz="1600" dirty="0">
+              <a:solidFill>
+                <a:srgbClr val="000000"/>
+              </a:solidFill>
+              <a:latin typeface="標楷體" panose="03000509000000000000" pitchFamily="65" charset="-120"/>
+              <a:ea typeface="標楷體" panose="03000509000000000000" pitchFamily="65" charset="-120"/>
+              <a:cs typeface="Arial Unicode MS" panose="020B0604020202020204" pitchFamily="34" charset="-128"/>
+            </a:endParaRPr>
+          </a:p>
+          <a:p>
+            <a:pPr>
+              <a:lnSpc>
+                <a:spcPct val="150000"/>
+              </a:lnSpc>
+            </a:pPr>
+            <a:r>
+              <a:rPr lang="en-US" altLang="zh-TW" sz="1600" dirty="0">
+                <a:solidFill>
+                  <a:srgbClr val="000000"/>
+                </a:solidFill>
+                <a:latin typeface="標楷體" panose="03000509000000000000" pitchFamily="65" charset="-120"/>
+                <a:ea typeface="標楷體" panose="03000509000000000000" pitchFamily="65" charset="-120"/>
+                <a:cs typeface="Arial Unicode MS" panose="020B0604020202020204" pitchFamily="34" charset="-128"/>
+                <a:hlinkClick r:id="rId6"/>
+              </a:rPr>
+              <a:t>https://www.processon.io/zh-tw/blog/draw-uml-deployment-diagram-tutorial</a:t>
+            </a:r>
+            <a:endParaRPr lang="en-US" altLang="zh-TW" sz="1600" dirty="0">
+              <a:solidFill>
+                <a:srgbClr val="000000"/>
+              </a:solidFill>
+              <a:latin typeface="標楷體" panose="03000509000000000000" pitchFamily="65" charset="-120"/>
+              <a:ea typeface="標楷體" panose="03000509000000000000" pitchFamily="65" charset="-120"/>
+              <a:cs typeface="Arial Unicode MS" panose="020B0604020202020204" pitchFamily="34" charset="-128"/>
+            </a:endParaRPr>
+          </a:p>
+          <a:p>
+            <a:pPr>
+              <a:lnSpc>
+                <a:spcPct val="150000"/>
+              </a:lnSpc>
+            </a:pPr>
+            <a:r>
+              <a:rPr lang="zh-TW" altLang="en-US" sz="1600" u="sng" dirty="0">
+                <a:solidFill>
+                  <a:srgbClr val="000000"/>
+                </a:solidFill>
+                <a:latin typeface="標楷體" panose="03000509000000000000" pitchFamily="65" charset="-120"/>
+                <a:ea typeface="標楷體" panose="03000509000000000000" pitchFamily="65" charset="-120"/>
+                <a:cs typeface="Arial Unicode MS" panose="020B0604020202020204" pitchFamily="34" charset="-128"/>
+                <a:hlinkClick r:id="rId7">
+                  <a:extLst>
+                    <a:ext uri="{A12FA001-AC4F-418D-AE19-62706E023703}">
+                      <ahyp:hlinkClr xmlns:ahyp="http://schemas.microsoft.com/office/drawing/2018/hyperlinkcolor" val="tx"/>
+                    </a:ext>
+                  </a:extLst>
+                </a:hlinkClick>
+              </a:rPr>
+              <a:t>學習筆記</a:t>
+            </a:r>
+            <a:r>
+              <a:rPr lang="en-US" altLang="zh-TW" sz="1600" u="sng" dirty="0">
+                <a:solidFill>
+                  <a:srgbClr val="000000"/>
+                </a:solidFill>
+                <a:latin typeface="標楷體" panose="03000509000000000000" pitchFamily="65" charset="-120"/>
+                <a:ea typeface="標楷體" panose="03000509000000000000" pitchFamily="65" charset="-120"/>
+                <a:cs typeface="Arial Unicode MS" panose="020B0604020202020204" pitchFamily="34" charset="-128"/>
+                <a:hlinkClick r:id="rId7">
+                  <a:extLst>
+                    <a:ext uri="{A12FA001-AC4F-418D-AE19-62706E023703}">
+                      <ahyp:hlinkClr xmlns:ahyp="http://schemas.microsoft.com/office/drawing/2018/hyperlinkcolor" val="tx"/>
+                    </a:ext>
+                  </a:extLst>
+                </a:hlinkClick>
               </a:rPr>
               <a:t>-</a:t>
             </a:r>
             <a:r>
-              <a:rPr lang="zh-TW" altLang="en-US" dirty="0">
-                <a:solidFill>
-                  <a:schemeClr val="tx1"/>
-                </a:solidFill>
-                <a:latin typeface="標楷體" panose="03000509000000000000" pitchFamily="65" charset="-120"/>
-                <a:ea typeface="標楷體" panose="03000509000000000000" pitchFamily="65" charset="-120"/>
-              </a:rPr>
-              <a:t>  </a:t>
-            </a:r>
-            <a:r>
-              <a:rPr lang="en-US" altLang="zh-TW" dirty="0">
-                <a:solidFill>
-                  <a:schemeClr val="tx1"/>
-                </a:solidFill>
-                <a:latin typeface="標楷體" panose="03000509000000000000" pitchFamily="65" charset="-120"/>
-                <a:ea typeface="標楷體" panose="03000509000000000000" pitchFamily="65" charset="-120"/>
-              </a:rPr>
-              <a:t>Private, </a:t>
-            </a:r>
-            <a:r>
-              <a:rPr lang="zh-TW" altLang="en-US" dirty="0">
-                <a:solidFill>
-                  <a:schemeClr val="tx1"/>
-                </a:solidFill>
-                <a:latin typeface="標楷體" panose="03000509000000000000" pitchFamily="65" charset="-120"/>
-                <a:ea typeface="標楷體" panose="03000509000000000000" pitchFamily="65" charset="-120"/>
-              </a:rPr>
-              <a:t>私有</a:t>
-            </a:r>
-            <a:br>
-              <a:rPr lang="zh-TW" altLang="en-US" dirty="0">
-                <a:solidFill>
-                  <a:schemeClr val="tx1"/>
-                </a:solidFill>
-                <a:latin typeface="標楷體" panose="03000509000000000000" pitchFamily="65" charset="-120"/>
-                <a:ea typeface="標楷體" panose="03000509000000000000" pitchFamily="65" charset="-120"/>
-              </a:rPr>
-            </a:br>
-            <a:r>
-              <a:rPr lang="en-US" altLang="zh-TW" sz="2000" dirty="0">
-                <a:solidFill>
-                  <a:schemeClr val="tx1"/>
-                </a:solidFill>
-                <a:highlight>
-                  <a:srgbClr val="FFFF00"/>
-                </a:highlight>
-                <a:latin typeface="標楷體" panose="03000509000000000000" pitchFamily="65" charset="-120"/>
-                <a:ea typeface="標楷體" panose="03000509000000000000" pitchFamily="65" charset="-120"/>
-              </a:rPr>
-              <a:t>#</a:t>
-            </a:r>
-            <a:r>
-              <a:rPr lang="en-US" altLang="zh-TW" dirty="0">
-                <a:solidFill>
-                  <a:schemeClr val="tx1"/>
-                </a:solidFill>
-                <a:latin typeface="標楷體" panose="03000509000000000000" pitchFamily="65" charset="-120"/>
-                <a:ea typeface="標楷體" panose="03000509000000000000" pitchFamily="65" charset="-120"/>
-              </a:rPr>
-              <a:t> </a:t>
-            </a:r>
-            <a:r>
-              <a:rPr lang="zh-TW" altLang="en-US" dirty="0">
-                <a:solidFill>
-                  <a:schemeClr val="tx1"/>
-                </a:solidFill>
-                <a:latin typeface="標楷體" panose="03000509000000000000" pitchFamily="65" charset="-120"/>
-                <a:ea typeface="標楷體" panose="03000509000000000000" pitchFamily="65" charset="-120"/>
-              </a:rPr>
-              <a:t> </a:t>
-            </a:r>
-            <a:r>
-              <a:rPr lang="en-US" altLang="zh-TW" dirty="0">
-                <a:solidFill>
-                  <a:schemeClr val="tx1"/>
-                </a:solidFill>
-                <a:latin typeface="標楷體" panose="03000509000000000000" pitchFamily="65" charset="-120"/>
-                <a:ea typeface="標楷體" panose="03000509000000000000" pitchFamily="65" charset="-120"/>
-              </a:rPr>
-              <a:t>Protected, </a:t>
-            </a:r>
-            <a:r>
-              <a:rPr lang="zh-TW" altLang="en-US" dirty="0">
-                <a:solidFill>
-                  <a:schemeClr val="tx1"/>
-                </a:solidFill>
-                <a:latin typeface="標楷體" panose="03000509000000000000" pitchFamily="65" charset="-120"/>
-                <a:ea typeface="標楷體" panose="03000509000000000000" pitchFamily="65" charset="-120"/>
-              </a:rPr>
-              <a:t>保護（即對子類可見）</a:t>
-            </a:r>
-            <a:br>
-              <a:rPr lang="zh-TW" altLang="en-US" dirty="0">
-                <a:solidFill>
-                  <a:schemeClr val="tx1"/>
-                </a:solidFill>
-                <a:latin typeface="標楷體" panose="03000509000000000000" pitchFamily="65" charset="-120"/>
-                <a:ea typeface="標楷體" panose="03000509000000000000" pitchFamily="65" charset="-120"/>
-              </a:rPr>
-            </a:br>
-            <a:r>
-              <a:rPr lang="en-US" altLang="zh-TW" sz="2000" dirty="0">
-                <a:solidFill>
-                  <a:schemeClr val="tx1"/>
-                </a:solidFill>
-                <a:highlight>
-                  <a:srgbClr val="FFFF00"/>
-                </a:highlight>
-                <a:latin typeface="標楷體" panose="03000509000000000000" pitchFamily="65" charset="-120"/>
-                <a:ea typeface="標楷體" panose="03000509000000000000" pitchFamily="65" charset="-120"/>
-              </a:rPr>
-              <a:t>~</a:t>
-            </a:r>
-            <a:r>
-              <a:rPr lang="en-US" altLang="zh-TW" dirty="0">
-                <a:solidFill>
-                  <a:schemeClr val="tx1"/>
-                </a:solidFill>
-                <a:latin typeface="標楷體" panose="03000509000000000000" pitchFamily="65" charset="-120"/>
-                <a:ea typeface="標楷體" panose="03000509000000000000" pitchFamily="65" charset="-120"/>
-              </a:rPr>
-              <a:t> </a:t>
-            </a:r>
-            <a:r>
-              <a:rPr lang="zh-TW" altLang="en-US" dirty="0">
-                <a:solidFill>
-                  <a:schemeClr val="tx1"/>
-                </a:solidFill>
-                <a:latin typeface="標楷體" panose="03000509000000000000" pitchFamily="65" charset="-120"/>
-                <a:ea typeface="標楷體" panose="03000509000000000000" pitchFamily="65" charset="-120"/>
-              </a:rPr>
-              <a:t> </a:t>
-            </a:r>
-            <a:r>
-              <a:rPr lang="en-US" altLang="zh-TW" dirty="0">
-                <a:solidFill>
-                  <a:schemeClr val="tx1"/>
-                </a:solidFill>
-                <a:latin typeface="標楷體" panose="03000509000000000000" pitchFamily="65" charset="-120"/>
-                <a:ea typeface="標楷體" panose="03000509000000000000" pitchFamily="65" charset="-120"/>
-              </a:rPr>
-              <a:t>Package, </a:t>
-            </a:r>
-            <a:r>
-              <a:rPr lang="zh-TW" altLang="en-US" dirty="0">
-                <a:solidFill>
-                  <a:schemeClr val="tx1"/>
-                </a:solidFill>
-                <a:latin typeface="標楷體" panose="03000509000000000000" pitchFamily="65" charset="-120"/>
-                <a:ea typeface="標楷體" panose="03000509000000000000" pitchFamily="65" charset="-120"/>
-              </a:rPr>
-              <a:t>包（即對包內的其他成員可見）</a:t>
-            </a:r>
-            <a:br>
-              <a:rPr lang="zh-TW" altLang="en-US" dirty="0">
-                <a:solidFill>
-                  <a:schemeClr val="tx1"/>
-                </a:solidFill>
-                <a:latin typeface="標楷體" panose="03000509000000000000" pitchFamily="65" charset="-120"/>
-                <a:ea typeface="標楷體" panose="03000509000000000000" pitchFamily="65" charset="-120"/>
-              </a:rPr>
-            </a:br>
-            <a:r>
-              <a:rPr lang="en-US" altLang="zh-TW" sz="2000" dirty="0">
-                <a:solidFill>
-                  <a:schemeClr val="tx1"/>
-                </a:solidFill>
-                <a:highlight>
-                  <a:srgbClr val="FFFF00"/>
-                </a:highlight>
-                <a:latin typeface="標楷體" panose="03000509000000000000" pitchFamily="65" charset="-120"/>
-                <a:ea typeface="標楷體" panose="03000509000000000000" pitchFamily="65" charset="-120"/>
-              </a:rPr>
-              <a:t>/</a:t>
-            </a:r>
-            <a:r>
-              <a:rPr lang="en-US" altLang="zh-TW" dirty="0">
-                <a:solidFill>
-                  <a:schemeClr val="tx1"/>
-                </a:solidFill>
-                <a:latin typeface="標楷體" panose="03000509000000000000" pitchFamily="65" charset="-120"/>
-                <a:ea typeface="標楷體" panose="03000509000000000000" pitchFamily="65" charset="-120"/>
-              </a:rPr>
-              <a:t> </a:t>
-            </a:r>
-            <a:r>
-              <a:rPr lang="zh-TW" altLang="en-US" dirty="0">
-                <a:solidFill>
-                  <a:schemeClr val="tx1"/>
-                </a:solidFill>
-                <a:latin typeface="標楷體" panose="03000509000000000000" pitchFamily="65" charset="-120"/>
-                <a:ea typeface="標楷體" panose="03000509000000000000" pitchFamily="65" charset="-120"/>
-              </a:rPr>
-              <a:t> </a:t>
-            </a:r>
-            <a:r>
-              <a:rPr lang="en-US" altLang="zh-TW" dirty="0">
-                <a:solidFill>
-                  <a:schemeClr val="tx1"/>
-                </a:solidFill>
-                <a:latin typeface="標楷體" panose="03000509000000000000" pitchFamily="65" charset="-120"/>
-                <a:ea typeface="標楷體" panose="03000509000000000000" pitchFamily="65" charset="-120"/>
-              </a:rPr>
-              <a:t>Derived, </a:t>
-            </a:r>
-            <a:r>
-              <a:rPr lang="zh-TW" altLang="en-US" dirty="0">
-                <a:solidFill>
-                  <a:schemeClr val="tx1"/>
-                </a:solidFill>
-                <a:latin typeface="標楷體" panose="03000509000000000000" pitchFamily="65" charset="-120"/>
-                <a:ea typeface="標楷體" panose="03000509000000000000" pitchFamily="65" charset="-120"/>
-              </a:rPr>
-              <a:t>推導（即由其他屬性推導得出，不需要直接給定其值）</a:t>
-            </a:r>
-            <a:br>
-              <a:rPr lang="zh-TW" altLang="en-US" dirty="0">
-                <a:solidFill>
-                  <a:schemeClr val="tx1"/>
-                </a:solidFill>
-                <a:latin typeface="標楷體" panose="03000509000000000000" pitchFamily="65" charset="-120"/>
-                <a:ea typeface="標楷體" panose="03000509000000000000" pitchFamily="65" charset="-120"/>
-              </a:rPr>
-            </a:br>
-            <a:r>
-              <a:rPr lang="zh-TW" altLang="en-US" dirty="0">
-                <a:solidFill>
-                  <a:schemeClr val="tx1"/>
-                </a:solidFill>
-                <a:highlight>
-                  <a:srgbClr val="FFFF00"/>
-                </a:highlight>
-                <a:latin typeface="標楷體" panose="03000509000000000000" pitchFamily="65" charset="-120"/>
-                <a:ea typeface="標楷體" panose="03000509000000000000" pitchFamily="65" charset="-120"/>
-              </a:rPr>
-              <a:t>底線</a:t>
-            </a:r>
-            <a:r>
-              <a:rPr lang="zh-TW" altLang="en-US" dirty="0">
-                <a:solidFill>
-                  <a:schemeClr val="tx1"/>
-                </a:solidFill>
-                <a:latin typeface="標楷體" panose="03000509000000000000" pitchFamily="65" charset="-120"/>
-                <a:ea typeface="標楷體" panose="03000509000000000000" pitchFamily="65" charset="-120"/>
-              </a:rPr>
-              <a:t> </a:t>
-            </a:r>
-            <a:r>
-              <a:rPr lang="en-US" altLang="zh-TW" dirty="0">
-                <a:solidFill>
-                  <a:schemeClr val="tx1"/>
-                </a:solidFill>
-                <a:latin typeface="標楷體" panose="03000509000000000000" pitchFamily="65" charset="-120"/>
-                <a:ea typeface="標楷體" panose="03000509000000000000" pitchFamily="65" charset="-120"/>
-              </a:rPr>
-              <a:t>Static, </a:t>
-            </a:r>
-            <a:r>
-              <a:rPr lang="zh-TW" altLang="en-US" dirty="0">
-                <a:solidFill>
-                  <a:schemeClr val="tx1"/>
-                </a:solidFill>
-                <a:latin typeface="標楷體" panose="03000509000000000000" pitchFamily="65" charset="-120"/>
-                <a:ea typeface="標楷體" panose="03000509000000000000" pitchFamily="65" charset="-120"/>
-              </a:rPr>
-              <a:t>靜態（其屬性對任何實體來說都是相同的）</a:t>
-            </a:r>
-          </a:p>
-        </p:txBody>
-      </p:sp>
-      <p:sp>
-        <p:nvSpPr>
-          <p:cNvPr id="17" name="語音泡泡: 圓角矩形 16">
-            <a:extLst>
-              <a:ext uri="{FF2B5EF4-FFF2-40B4-BE49-F238E27FC236}">
-                <a16:creationId xmlns:a16="http://schemas.microsoft.com/office/drawing/2014/main" id="{2948A778-D381-4B19-B008-18A7956E38EC}"/>
-              </a:ext>
-            </a:extLst>
-          </p:cNvPr>
-          <p:cNvSpPr/>
-          <p:nvPr/>
-        </p:nvSpPr>
-        <p:spPr>
-          <a:xfrm>
-            <a:off x="502622" y="5485565"/>
-            <a:ext cx="4125869" cy="935783"/>
-          </a:xfrm>
-          <a:prstGeom prst="wedgeRoundRectCallout">
-            <a:avLst>
-              <a:gd name="adj1" fmla="val 46090"/>
-              <a:gd name="adj2" fmla="val -99826"/>
-              <a:gd name="adj3" fmla="val 16667"/>
-            </a:avLst>
-          </a:prstGeom>
-          <a:noFill/>
-        </p:spPr>
-        <p:style>
-          <a:lnRef idx="2">
-            <a:schemeClr val="accent1">
-              <a:shade val="50000"/>
-            </a:schemeClr>
-          </a:lnRef>
-          <a:fillRef idx="1">
-            <a:schemeClr val="accent1"/>
-          </a:fillRef>
-          <a:effectRef idx="0">
-            <a:schemeClr val="accent1"/>
-          </a:effectRef>
-          <a:fontRef idx="minor">
-            <a:schemeClr val="lt1"/>
-          </a:fontRef>
-        </p:style>
-        <p:txBody>
-          <a:bodyPr rtlCol="0" anchor="ctr"/>
-          <a:lstStyle/>
-          <a:p>
-            <a:pPr algn="ctr"/>
-            <a:r>
-              <a:rPr lang="en-US" altLang="zh-TW" b="1" dirty="0">
-                <a:solidFill>
-                  <a:schemeClr val="tx1"/>
-                </a:solidFill>
-                <a:latin typeface="標楷體" panose="03000509000000000000" pitchFamily="65" charset="-120"/>
-                <a:ea typeface="標楷體" panose="03000509000000000000" pitchFamily="65" charset="-120"/>
-              </a:rPr>
-              <a:t>Methods— </a:t>
-            </a:r>
-            <a:r>
-              <a:rPr lang="zh-TW" altLang="en-US" b="1" dirty="0">
-                <a:solidFill>
-                  <a:schemeClr val="tx1"/>
-                </a:solidFill>
-                <a:latin typeface="標楷體" panose="03000509000000000000" pitchFamily="65" charset="-120"/>
-                <a:ea typeface="標楷體" panose="03000509000000000000" pitchFamily="65" charset="-120"/>
-              </a:rPr>
-              <a:t>步驟方法</a:t>
-            </a:r>
-            <a:r>
-              <a:rPr lang="en-US" altLang="zh-TW" b="1" dirty="0">
-                <a:solidFill>
-                  <a:schemeClr val="tx1"/>
-                </a:solidFill>
-                <a:latin typeface="標楷體" panose="03000509000000000000" pitchFamily="65" charset="-120"/>
-                <a:ea typeface="標楷體" panose="03000509000000000000" pitchFamily="65" charset="-120"/>
-              </a:rPr>
-              <a:t>(</a:t>
-            </a:r>
-            <a:r>
-              <a:rPr lang="zh-TW" altLang="en-US" b="1" dirty="0">
-                <a:solidFill>
-                  <a:schemeClr val="tx1"/>
-                </a:solidFill>
-                <a:latin typeface="標楷體" panose="03000509000000000000" pitchFamily="65" charset="-120"/>
-                <a:ea typeface="標楷體" panose="03000509000000000000" pitchFamily="65" charset="-120"/>
-              </a:rPr>
-              <a:t>前端頁面</a:t>
-            </a:r>
-            <a:r>
-              <a:rPr lang="en-US" altLang="zh-TW" b="1" dirty="0">
-                <a:solidFill>
-                  <a:schemeClr val="tx1"/>
-                </a:solidFill>
-                <a:latin typeface="標楷體" panose="03000509000000000000" pitchFamily="65" charset="-120"/>
-                <a:ea typeface="標楷體" panose="03000509000000000000" pitchFamily="65" charset="-120"/>
-              </a:rPr>
-              <a:t>)</a:t>
-            </a:r>
-          </a:p>
-          <a:p>
-            <a:pPr algn="ctr"/>
-            <a:r>
-              <a:rPr lang="zh-TW" altLang="en-US" dirty="0">
-                <a:solidFill>
-                  <a:schemeClr val="tx1"/>
-                </a:solidFill>
-                <a:latin typeface="標楷體" panose="03000509000000000000" pitchFamily="65" charset="-120"/>
-                <a:ea typeface="標楷體" panose="03000509000000000000" pitchFamily="65" charset="-120"/>
-              </a:rPr>
-              <a:t>冒號後表示回傳值（置左且首字小寫）</a:t>
-            </a:r>
-          </a:p>
-        </p:txBody>
-      </p:sp>
-      <p:sp>
-        <p:nvSpPr>
-          <p:cNvPr id="13" name="矩形 12">
-            <a:extLst>
-              <a:ext uri="{FF2B5EF4-FFF2-40B4-BE49-F238E27FC236}">
-                <a16:creationId xmlns:a16="http://schemas.microsoft.com/office/drawing/2014/main" id="{B13C1B11-3E50-4B87-82FD-927799B3D633}"/>
-              </a:ext>
-            </a:extLst>
-          </p:cNvPr>
-          <p:cNvSpPr/>
-          <p:nvPr/>
-        </p:nvSpPr>
-        <p:spPr>
-          <a:xfrm>
-            <a:off x="808233" y="897346"/>
-            <a:ext cx="9813444" cy="369332"/>
-          </a:xfrm>
-          <a:prstGeom prst="rect">
-            <a:avLst/>
-          </a:prstGeom>
-        </p:spPr>
-        <p:txBody>
-          <a:bodyPr wrap="square">
-            <a:spAutoFit/>
-          </a:bodyPr>
-          <a:lstStyle/>
-          <a:p>
-            <a:pPr marL="285750" indent="-285750">
+              <a:rPr lang="zh-TW" altLang="en-US" sz="1600" u="sng" dirty="0">
+                <a:solidFill>
+                  <a:srgbClr val="000000"/>
+                </a:solidFill>
+                <a:latin typeface="標楷體" panose="03000509000000000000" pitchFamily="65" charset="-120"/>
+                <a:ea typeface="標楷體" panose="03000509000000000000" pitchFamily="65" charset="-120"/>
+                <a:cs typeface="Arial Unicode MS" panose="020B0604020202020204" pitchFamily="34" charset="-128"/>
+                <a:hlinkClick r:id="rId7">
+                  <a:extLst>
+                    <a:ext uri="{A12FA001-AC4F-418D-AE19-62706E023703}">
+                      <ahyp:hlinkClr xmlns:ahyp="http://schemas.microsoft.com/office/drawing/2018/hyperlinkcolor" val="tx"/>
+                    </a:ext>
+                  </a:extLst>
+                </a:hlinkClick>
+              </a:rPr>
+              <a:t>套件圖型</a:t>
+            </a:r>
+            <a:endParaRPr lang="en-US" altLang="zh-TW" sz="1600" u="sng" dirty="0">
+              <a:solidFill>
+                <a:srgbClr val="000000"/>
+              </a:solidFill>
+              <a:latin typeface="標楷體" panose="03000509000000000000" pitchFamily="65" charset="-120"/>
+              <a:ea typeface="標楷體" panose="03000509000000000000" pitchFamily="65" charset="-120"/>
+              <a:cs typeface="Arial Unicode MS" panose="020B0604020202020204" pitchFamily="34" charset="-128"/>
+              <a:hlinkClick r:id="rId7"/>
+            </a:endParaRPr>
+          </a:p>
+          <a:p>
+            <a:pPr>
+              <a:lnSpc>
+                <a:spcPct val="150000"/>
+              </a:lnSpc>
+            </a:pPr>
+            <a:r>
+              <a:rPr lang="en-US" altLang="zh-TW" sz="1600" dirty="0">
+                <a:solidFill>
+                  <a:srgbClr val="000000"/>
+                </a:solidFill>
+                <a:latin typeface="標楷體" panose="03000509000000000000" pitchFamily="65" charset="-120"/>
+                <a:ea typeface="標楷體" panose="03000509000000000000" pitchFamily="65" charset="-120"/>
+                <a:cs typeface="Arial Unicode MS" panose="020B0604020202020204" pitchFamily="34" charset="-128"/>
+                <a:hlinkClick r:id="rId7"/>
+              </a:rPr>
+              <a:t>https://terryjryeh.blogspot.com/2019/03/uml-package-diagrams-4.html</a:t>
+            </a:r>
+            <a:endParaRPr lang="en-US" altLang="zh-TW" sz="1600" dirty="0">
+              <a:solidFill>
+                <a:srgbClr val="000000"/>
+              </a:solidFill>
+              <a:latin typeface="標楷體" panose="03000509000000000000" pitchFamily="65" charset="-120"/>
+              <a:ea typeface="標楷體" panose="03000509000000000000" pitchFamily="65" charset="-120"/>
+              <a:cs typeface="Arial Unicode MS" panose="020B0604020202020204" pitchFamily="34" charset="-128"/>
+            </a:endParaRPr>
+          </a:p>
+          <a:p>
+            <a:pPr>
+              <a:lnSpc>
+                <a:spcPct val="150000"/>
+              </a:lnSpc>
+            </a:pPr>
+            <a:r>
+              <a:rPr lang="zh-TW" altLang="en-US" sz="1600" dirty="0">
+                <a:solidFill>
+                  <a:srgbClr val="000000"/>
+                </a:solidFill>
+                <a:latin typeface="標楷體" panose="03000509000000000000" pitchFamily="65" charset="-120"/>
+                <a:ea typeface="標楷體" panose="03000509000000000000" pitchFamily="65" charset="-120"/>
+                <a:cs typeface="Arial Unicode MS" panose="020B0604020202020204" pitchFamily="34" charset="-128"/>
+              </a:rPr>
+              <a:t>元件圖與部署圖 元件圖與部署圖</a:t>
+            </a:r>
+            <a:endParaRPr lang="en-US" altLang="zh-TW" sz="1600" dirty="0">
+              <a:solidFill>
+                <a:srgbClr val="000000"/>
+              </a:solidFill>
+              <a:latin typeface="標楷體" panose="03000509000000000000" pitchFamily="65" charset="-120"/>
+              <a:ea typeface="標楷體" panose="03000509000000000000" pitchFamily="65" charset="-120"/>
+              <a:cs typeface="Arial Unicode MS" panose="020B0604020202020204" pitchFamily="34" charset="-128"/>
+            </a:endParaRPr>
+          </a:p>
+          <a:p>
+            <a:pPr>
+              <a:lnSpc>
+                <a:spcPct val="150000"/>
+              </a:lnSpc>
+            </a:pPr>
+            <a:r>
+              <a:rPr lang="en-US" altLang="zh-TW" sz="1600" dirty="0">
+                <a:solidFill>
+                  <a:srgbClr val="000000"/>
+                </a:solidFill>
+                <a:latin typeface="標楷體" panose="03000509000000000000" pitchFamily="65" charset="-120"/>
+                <a:ea typeface="標楷體" panose="03000509000000000000" pitchFamily="65" charset="-120"/>
+                <a:cs typeface="Arial Unicode MS" panose="020B0604020202020204" pitchFamily="34" charset="-128"/>
+                <a:hlinkClick r:id="rId8"/>
+              </a:rPr>
+              <a:t>https://cc.cust.edu.tw/~ccchen/doc/pg30028-ch15.pdf</a:t>
+            </a:r>
+            <a:endParaRPr lang="en-US" altLang="zh-TW" sz="1600" dirty="0">
+              <a:solidFill>
+                <a:srgbClr val="000000"/>
+              </a:solidFill>
+              <a:latin typeface="標楷體" panose="03000509000000000000" pitchFamily="65" charset="-120"/>
+              <a:ea typeface="標楷體" panose="03000509000000000000" pitchFamily="65" charset="-120"/>
+              <a:cs typeface="Arial Unicode MS" panose="020B0604020202020204" pitchFamily="34" charset="-128"/>
+            </a:endParaRPr>
+          </a:p>
+          <a:p>
+            <a:pPr>
+              <a:lnSpc>
+                <a:spcPct val="150000"/>
+              </a:lnSpc>
+            </a:pPr>
+            <a:endParaRPr lang="en-US" altLang="zh-TW" sz="1600" dirty="0">
+              <a:solidFill>
+                <a:srgbClr val="000000"/>
+              </a:solidFill>
+              <a:latin typeface="標楷體" panose="03000509000000000000" pitchFamily="65" charset="-120"/>
+              <a:ea typeface="標楷體" panose="03000509000000000000" pitchFamily="65" charset="-120"/>
+              <a:cs typeface="Arial Unicode MS" panose="020B0604020202020204" pitchFamily="34" charset="-128"/>
+            </a:endParaRPr>
+          </a:p>
+          <a:p>
+            <a:pPr>
+              <a:lnSpc>
+                <a:spcPct val="150000"/>
+              </a:lnSpc>
+            </a:pPr>
+            <a:endParaRPr lang="en-US" altLang="zh-TW" sz="1600" dirty="0">
+              <a:solidFill>
+                <a:srgbClr val="000000"/>
+              </a:solidFill>
+              <a:latin typeface="標楷體" panose="03000509000000000000" pitchFamily="65" charset="-120"/>
+              <a:ea typeface="標楷體" panose="03000509000000000000" pitchFamily="65" charset="-120"/>
+              <a:cs typeface="Arial Unicode MS" panose="020B0604020202020204" pitchFamily="34" charset="-128"/>
+            </a:endParaRPr>
+          </a:p>
+          <a:p>
+            <a:pPr>
+              <a:lnSpc>
+                <a:spcPct val="150000"/>
+              </a:lnSpc>
               <a:buFont typeface="Arial" panose="020B0604020202020204" pitchFamily="34" charset="0"/>
               <a:buChar char="•"/>
             </a:pPr>
-            <a:r>
-              <a:rPr lang="zh-TW" altLang="en-US" b="1" dirty="0">
-                <a:latin typeface="標楷體" panose="03000509000000000000" pitchFamily="65" charset="-120"/>
-                <a:ea typeface="標楷體" panose="03000509000000000000" pitchFamily="65" charset="-120"/>
-              </a:rPr>
-              <a:t>類別圖</a:t>
-            </a:r>
-            <a:r>
-              <a:rPr lang="zh-TW" altLang="en-US" dirty="0">
-                <a:latin typeface="標楷體" panose="03000509000000000000" pitchFamily="65" charset="-120"/>
-                <a:ea typeface="標楷體" panose="03000509000000000000" pitchFamily="65" charset="-120"/>
-              </a:rPr>
-              <a:t>：描述系統中的類別、屬性、方法以及類別間的關係（繼承、關聯、聚合）。</a:t>
-            </a:r>
+            <a:endParaRPr lang="zh-TW" altLang="en-US" sz="1600" i="0" u="none" strike="noStrike" dirty="0">
+              <a:solidFill>
+                <a:srgbClr val="000000"/>
+              </a:solidFill>
+              <a:effectLst/>
+              <a:latin typeface="標楷體" panose="03000509000000000000" pitchFamily="65" charset="-120"/>
+              <a:ea typeface="標楷體" panose="03000509000000000000" pitchFamily="65" charset="-120"/>
+              <a:cs typeface="Arial Unicode MS" panose="020B0604020202020204" pitchFamily="34" charset="-128"/>
+            </a:endParaRPr>
           </a:p>
         </p:txBody>
       </p:sp>
     </p:spTree>
     <p:extLst>
       <p:ext uri="{BB962C8B-B14F-4D97-AF65-F5344CB8AC3E}">
-        <p14:creationId xmlns:p14="http://schemas.microsoft.com/office/powerpoint/2010/main" val="1141454917"/>
+        <p14:creationId xmlns:p14="http://schemas.microsoft.com/office/powerpoint/2010/main" val="4061110777"/>
       </p:ext>
     </p:extLst>
   </p:cSld>
@@ -8322,7 +7954,7 @@
 </p:sld>
 </file>
 
-<file path=ppt/slides/slide3.xml><?xml version="1.0" encoding="utf-8"?>
+<file path=ppt/slides/slide2.xml><?xml version="1.0" encoding="utf-8"?>
 <p:sld xmlns:a="http://schemas.openxmlformats.org/drawingml/2006/main" xmlns:r="http://schemas.openxmlformats.org/officeDocument/2006/relationships" xmlns:p="http://schemas.openxmlformats.org/presentationml/2006/main">
   <p:cSld>
     <p:spTree>
@@ -8330,7 +7962,7 @@
         <p:cNvPr id="1" name="">
           <a:extLst>
             <a:ext uri="{FF2B5EF4-FFF2-40B4-BE49-F238E27FC236}">
-              <a16:creationId xmlns:a16="http://schemas.microsoft.com/office/drawing/2014/main" id="{FC3E3613-DD9B-CC6A-EA3C-A7742561092E}"/>
+              <a16:creationId xmlns:a16="http://schemas.microsoft.com/office/drawing/2014/main" id="{C2F51515-E5AC-F32B-C13A-10A31B069E53}"/>
             </a:ext>
           </a:extLst>
         </p:cNvPr>
@@ -8350,7 +7982,7 @@
           <p:cNvPr id="6" name="矩形: 圆角 1">
             <a:extLst>
               <a:ext uri="{FF2B5EF4-FFF2-40B4-BE49-F238E27FC236}">
-                <a16:creationId xmlns:a16="http://schemas.microsoft.com/office/drawing/2014/main" id="{AB01D58A-45E3-BF12-2E5E-41C15D0BB585}"/>
+                <a16:creationId xmlns:a16="http://schemas.microsoft.com/office/drawing/2014/main" id="{75D22C0D-F2F0-8B35-B454-B90D1ABDE269}"/>
               </a:ext>
             </a:extLst>
           </p:cNvPr>
@@ -8400,20 +8032,20 @@
           <a:p>
             <a:pPr algn="ctr" defTabSz="914363"/>
             <a:r>
-              <a:rPr kumimoji="1" lang="zh-TW" altLang="en-US" sz="3667" dirty="0">
-                <a:solidFill>
-                  <a:schemeClr val="tx1"/>
+              <a:rPr kumimoji="1" lang="en-US" altLang="zh-CN" sz="3667" dirty="0">
+                <a:solidFill>
+                  <a:srgbClr val="002060"/>
                 </a:solidFill>
                 <a:latin typeface="標楷體" panose="03000509000000000000" pitchFamily="65" charset="-120"/>
                 <a:ea typeface="標楷體" panose="03000509000000000000" pitchFamily="65" charset="-120"/>
                 <a:cs typeface="Arial Black" panose="020B0604020202020204" pitchFamily="34" charset="0"/>
                 <a:sym typeface="+mn-lt"/>
               </a:rPr>
-              <a:t>設計類別圖</a:t>
+              <a:t>UML</a:t>
             </a:r>
             <a:endParaRPr kumimoji="1" lang="zh-CN" altLang="en-US" sz="3667" dirty="0">
               <a:solidFill>
-                <a:schemeClr val="tx1"/>
+                <a:srgbClr val="002060"/>
               </a:solidFill>
               <a:latin typeface="標楷體" panose="03000509000000000000" pitchFamily="65" charset="-120"/>
               <a:ea typeface="標楷體" panose="03000509000000000000" pitchFamily="65" charset="-120"/>
@@ -8428,7 +8060,7 @@
           <p:cNvPr id="25" name="半框架 24">
             <a:extLst>
               <a:ext uri="{FF2B5EF4-FFF2-40B4-BE49-F238E27FC236}">
-                <a16:creationId xmlns:a16="http://schemas.microsoft.com/office/drawing/2014/main" id="{2D38DF5A-7BFF-7931-E68B-582965D1CC11}"/>
+                <a16:creationId xmlns:a16="http://schemas.microsoft.com/office/drawing/2014/main" id="{A4A81733-7B04-340D-E470-4B4060A3DF8D}"/>
               </a:ext>
             </a:extLst>
           </p:cNvPr>
@@ -8493,7 +8125,7 @@
           <p:cNvPr id="27" name="半框架 26">
             <a:extLst>
               <a:ext uri="{FF2B5EF4-FFF2-40B4-BE49-F238E27FC236}">
-                <a16:creationId xmlns:a16="http://schemas.microsoft.com/office/drawing/2014/main" id="{91745545-CD6D-E10E-4F02-BE1BF90F9921}"/>
+                <a16:creationId xmlns:a16="http://schemas.microsoft.com/office/drawing/2014/main" id="{96B1C2F7-AC3C-D72C-1050-D4124D1B5D84}"/>
               </a:ext>
             </a:extLst>
           </p:cNvPr>
@@ -8555,10 +8187,10 @@
       </p:sp>
       <p:sp>
         <p:nvSpPr>
-          <p:cNvPr id="3" name="文字方塊 2">
-            <a:extLst>
-              <a:ext uri="{FF2B5EF4-FFF2-40B4-BE49-F238E27FC236}">
-                <a16:creationId xmlns:a16="http://schemas.microsoft.com/office/drawing/2014/main" id="{4CC5411B-1CF0-4DD3-F46B-6CE84C188AC4}"/>
+          <p:cNvPr id="26" name="文字方塊 25">
+            <a:extLst>
+              <a:ext uri="{FF2B5EF4-FFF2-40B4-BE49-F238E27FC236}">
+                <a16:creationId xmlns:a16="http://schemas.microsoft.com/office/drawing/2014/main" id="{88397508-E3EE-C391-1BD5-CE635B5CB48C}"/>
               </a:ext>
             </a:extLst>
           </p:cNvPr>
@@ -8567,8 +8199,8 @@
         </p:nvSpPr>
         <p:spPr>
           <a:xfrm>
-            <a:off x="11655706" y="1585732"/>
-            <a:ext cx="184731" cy="369332"/>
+            <a:off x="1143670" y="898014"/>
+            <a:ext cx="9904660" cy="6132192"/>
           </a:xfrm>
           <a:prstGeom prst="rect">
             <a:avLst/>
@@ -8576,719 +8208,380 @@
           <a:noFill/>
         </p:spPr>
         <p:txBody>
-          <a:bodyPr wrap="none" rtlCol="0">
+          <a:bodyPr wrap="square">
             <a:spAutoFit/>
           </a:bodyPr>
           <a:lstStyle/>
           <a:p>
-            <a:endParaRPr kumimoji="1" lang="zh-TW" altLang="en-US" dirty="0">
+            <a:pPr>
+              <a:lnSpc>
+                <a:spcPct val="150000"/>
+              </a:lnSpc>
+            </a:pPr>
+            <a:r>
+              <a:rPr lang="zh-TW" altLang="en-US" sz="2000" dirty="0">
+                <a:solidFill>
+                  <a:srgbClr val="000000"/>
+                </a:solidFill>
+                <a:latin typeface="標楷體" panose="03000509000000000000" pitchFamily="65" charset="-120"/>
+                <a:ea typeface="標楷體" panose="03000509000000000000" pitchFamily="65" charset="-120"/>
+                <a:cs typeface="Arial Unicode MS" panose="020B0604020202020204" pitchFamily="34" charset="-128"/>
+              </a:rPr>
+              <a:t>物件導向是把現實世界的「東西」轉換成程式中的「物件」。</a:t>
+            </a:r>
+            <a:endParaRPr lang="en-US" altLang="zh-TW" sz="2000" dirty="0">
+              <a:solidFill>
+                <a:srgbClr val="000000"/>
+              </a:solidFill>
+              <a:latin typeface="標楷體" panose="03000509000000000000" pitchFamily="65" charset="-120"/>
+              <a:ea typeface="標楷體" panose="03000509000000000000" pitchFamily="65" charset="-120"/>
+              <a:cs typeface="Arial Unicode MS" panose="020B0604020202020204" pitchFamily="34" charset="-128"/>
+            </a:endParaRPr>
+          </a:p>
+          <a:p>
+            <a:pPr>
+              <a:lnSpc>
+                <a:spcPct val="150000"/>
+              </a:lnSpc>
+            </a:pPr>
+            <a:endParaRPr lang="en-US" altLang="zh-TW" sz="2000" dirty="0">
+              <a:solidFill>
+                <a:srgbClr val="000000"/>
+              </a:solidFill>
+              <a:latin typeface="標楷體" panose="03000509000000000000" pitchFamily="65" charset="-120"/>
+              <a:ea typeface="標楷體" panose="03000509000000000000" pitchFamily="65" charset="-120"/>
+              <a:cs typeface="Arial Unicode MS" panose="020B0604020202020204" pitchFamily="34" charset="-128"/>
+            </a:endParaRPr>
+          </a:p>
+          <a:p>
+            <a:r>
+              <a:rPr lang="zh-TW" altLang="en-US" dirty="0">
+                <a:latin typeface="標楷體" panose="03000509000000000000" pitchFamily="65" charset="-120"/>
+                <a:ea typeface="標楷體" panose="03000509000000000000" pitchFamily="65" charset="-120"/>
+              </a:rPr>
+              <a:t>三個核心概念：</a:t>
+            </a:r>
+          </a:p>
+          <a:p>
+            <a:pPr>
+              <a:buFont typeface="+mj-lt"/>
+              <a:buAutoNum type="arabicPeriod"/>
+            </a:pPr>
+            <a:r>
+              <a:rPr lang="zh-TW" altLang="en-US" dirty="0">
+                <a:latin typeface="標楷體" panose="03000509000000000000" pitchFamily="65" charset="-120"/>
+                <a:ea typeface="標楷體" panose="03000509000000000000" pitchFamily="65" charset="-120"/>
+              </a:rPr>
+              <a:t>類別（</a:t>
+            </a:r>
+            <a:r>
+              <a:rPr lang="en-US" altLang="zh-TW" dirty="0">
+                <a:latin typeface="標楷體" panose="03000509000000000000" pitchFamily="65" charset="-120"/>
+                <a:ea typeface="標楷體" panose="03000509000000000000" pitchFamily="65" charset="-120"/>
+              </a:rPr>
+              <a:t>Class</a:t>
+            </a:r>
+            <a:r>
+              <a:rPr lang="zh-TW" altLang="en-US" dirty="0">
+                <a:latin typeface="標楷體" panose="03000509000000000000" pitchFamily="65" charset="-120"/>
+                <a:ea typeface="標楷體" panose="03000509000000000000" pitchFamily="65" charset="-120"/>
+              </a:rPr>
+              <a:t>）</a:t>
+            </a:r>
+            <a:br>
+              <a:rPr lang="zh-TW" altLang="en-US" dirty="0">
+                <a:latin typeface="標楷體" panose="03000509000000000000" pitchFamily="65" charset="-120"/>
+                <a:ea typeface="標楷體" panose="03000509000000000000" pitchFamily="65" charset="-120"/>
+              </a:rPr>
+            </a:br>
+            <a:r>
+              <a:rPr lang="zh-TW" altLang="en-US" dirty="0">
+                <a:latin typeface="標楷體" panose="03000509000000000000" pitchFamily="65" charset="-120"/>
+                <a:ea typeface="標楷體" panose="03000509000000000000" pitchFamily="65" charset="-120"/>
+              </a:rPr>
+              <a:t>類別就像是一個模板，定義了某一種物件的屬性和行為。</a:t>
+            </a:r>
+            <a:br>
+              <a:rPr lang="zh-TW" altLang="en-US" dirty="0">
+                <a:latin typeface="標楷體" panose="03000509000000000000" pitchFamily="65" charset="-120"/>
+                <a:ea typeface="標楷體" panose="03000509000000000000" pitchFamily="65" charset="-120"/>
+              </a:rPr>
+            </a:br>
+            <a:r>
+              <a:rPr lang="zh-TW" altLang="en-US" dirty="0">
+                <a:latin typeface="標楷體" panose="03000509000000000000" pitchFamily="65" charset="-120"/>
+                <a:ea typeface="標楷體" panose="03000509000000000000" pitchFamily="65" charset="-120"/>
+              </a:rPr>
+              <a:t>比方說：「人」是一個類別，它可能有姓名、年齡（屬性），以及走路、說話（行為）。</a:t>
+            </a:r>
+            <a:endParaRPr lang="en-US" altLang="zh-TW" dirty="0">
               <a:latin typeface="標楷體" panose="03000509000000000000" pitchFamily="65" charset="-120"/>
               <a:ea typeface="標楷體" panose="03000509000000000000" pitchFamily="65" charset="-120"/>
             </a:endParaRPr>
           </a:p>
-        </p:txBody>
-      </p:sp>
-      <p:pic>
-        <p:nvPicPr>
-          <p:cNvPr id="11" name="圖片 10">
-            <a:extLst>
-              <a:ext uri="{FF2B5EF4-FFF2-40B4-BE49-F238E27FC236}">
-                <a16:creationId xmlns:a16="http://schemas.microsoft.com/office/drawing/2014/main" id="{C32079C6-A515-443C-AE9E-448DAA84FB6D}"/>
-              </a:ext>
-            </a:extLst>
-          </p:cNvPr>
-          <p:cNvPicPr>
-            <a:picLocks noChangeAspect="1"/>
-          </p:cNvPicPr>
-          <p:nvPr/>
-        </p:nvPicPr>
-        <p:blipFill>
-          <a:blip r:embed="rId3"/>
-          <a:stretch>
-            <a:fillRect/>
-          </a:stretch>
-        </p:blipFill>
-        <p:spPr>
-          <a:xfrm>
-            <a:off x="372601" y="1821340"/>
-            <a:ext cx="4839128" cy="4262155"/>
-          </a:xfrm>
-          <a:prstGeom prst="rect">
-            <a:avLst/>
-          </a:prstGeom>
-        </p:spPr>
-      </p:pic>
-      <p:sp>
-        <p:nvSpPr>
-          <p:cNvPr id="2" name="矩形 1">
-            <a:extLst>
-              <a:ext uri="{FF2B5EF4-FFF2-40B4-BE49-F238E27FC236}">
-                <a16:creationId xmlns:a16="http://schemas.microsoft.com/office/drawing/2014/main" id="{DA859B8E-6E74-4E48-A12F-1376AF131784}"/>
-              </a:ext>
-            </a:extLst>
-          </p:cNvPr>
-          <p:cNvSpPr/>
-          <p:nvPr/>
-        </p:nvSpPr>
-        <p:spPr>
-          <a:xfrm>
-            <a:off x="417022" y="3001588"/>
-            <a:ext cx="1261884" cy="307777"/>
-          </a:xfrm>
-          <a:prstGeom prst="rect">
-            <a:avLst/>
-          </a:prstGeom>
-        </p:spPr>
-        <p:txBody>
-          <a:bodyPr wrap="none">
-            <a:spAutoFit/>
-          </a:bodyPr>
-          <a:lstStyle/>
-          <a:p>
-            <a:r>
-              <a:rPr lang="zh-TW" altLang="en-US" sz="1400" dirty="0">
-                <a:solidFill>
-                  <a:srgbClr val="242424"/>
-                </a:solidFill>
-                <a:latin typeface="標楷體" panose="03000509000000000000" pitchFamily="65" charset="-120"/>
-                <a:ea typeface="標楷體" panose="03000509000000000000" pitchFamily="65" charset="-120"/>
-              </a:rPr>
-              <a:t>類別間的關係</a:t>
-            </a:r>
-            <a:endParaRPr lang="zh-TW" altLang="en-US" sz="1400" dirty="0">
+          <a:p>
+            <a:pPr>
+              <a:buFont typeface="+mj-lt"/>
+              <a:buAutoNum type="arabicPeriod"/>
+            </a:pPr>
+            <a:endParaRPr lang="zh-TW" altLang="en-US" dirty="0">
               <a:latin typeface="標楷體" panose="03000509000000000000" pitchFamily="65" charset="-120"/>
               <a:ea typeface="標楷體" panose="03000509000000000000" pitchFamily="65" charset="-120"/>
             </a:endParaRPr>
           </a:p>
-        </p:txBody>
-      </p:sp>
-      <p:sp>
-        <p:nvSpPr>
-          <p:cNvPr id="4" name="矩形 3">
-            <a:extLst>
-              <a:ext uri="{FF2B5EF4-FFF2-40B4-BE49-F238E27FC236}">
-                <a16:creationId xmlns:a16="http://schemas.microsoft.com/office/drawing/2014/main" id="{A27FA73F-FA54-4BA8-85EB-AA132F59DD37}"/>
-              </a:ext>
-            </a:extLst>
-          </p:cNvPr>
-          <p:cNvSpPr/>
-          <p:nvPr/>
-        </p:nvSpPr>
-        <p:spPr>
-          <a:xfrm>
-            <a:off x="372601" y="4905775"/>
-            <a:ext cx="1261884" cy="307777"/>
-          </a:xfrm>
-          <a:prstGeom prst="rect">
-            <a:avLst/>
-          </a:prstGeom>
-        </p:spPr>
-        <p:txBody>
-          <a:bodyPr wrap="none">
-            <a:spAutoFit/>
-          </a:bodyPr>
-          <a:lstStyle/>
-          <a:p>
-            <a:r>
-              <a:rPr lang="zh-TW" altLang="en-US" sz="1400" dirty="0">
-                <a:solidFill>
-                  <a:srgbClr val="242424"/>
-                </a:solidFill>
-                <a:latin typeface="標楷體" panose="03000509000000000000" pitchFamily="65" charset="-120"/>
-                <a:ea typeface="標楷體" panose="03000509000000000000" pitchFamily="65" charset="-120"/>
-              </a:rPr>
-              <a:t>實體間的關係</a:t>
-            </a:r>
-            <a:endParaRPr lang="zh-TW" altLang="en-US" sz="1400" dirty="0">
+          <a:p>
+            <a:pPr>
+              <a:buFont typeface="+mj-lt"/>
+              <a:buAutoNum type="arabicPeriod"/>
+            </a:pPr>
+            <a:r>
+              <a:rPr lang="zh-TW" altLang="en-US" dirty="0">
+                <a:latin typeface="標楷體" panose="03000509000000000000" pitchFamily="65" charset="-120"/>
+                <a:ea typeface="標楷體" panose="03000509000000000000" pitchFamily="65" charset="-120"/>
+              </a:rPr>
+              <a:t>物件（</a:t>
+            </a:r>
+            <a:r>
+              <a:rPr lang="en-US" altLang="zh-TW" dirty="0">
+                <a:latin typeface="標楷體" panose="03000509000000000000" pitchFamily="65" charset="-120"/>
+                <a:ea typeface="標楷體" panose="03000509000000000000" pitchFamily="65" charset="-120"/>
+              </a:rPr>
+              <a:t>Object</a:t>
+            </a:r>
+            <a:r>
+              <a:rPr lang="zh-TW" altLang="en-US" dirty="0">
+                <a:latin typeface="標楷體" panose="03000509000000000000" pitchFamily="65" charset="-120"/>
+                <a:ea typeface="標楷體" panose="03000509000000000000" pitchFamily="65" charset="-120"/>
+              </a:rPr>
+              <a:t>）</a:t>
+            </a:r>
+            <a:br>
+              <a:rPr lang="zh-TW" altLang="en-US" dirty="0">
+                <a:latin typeface="標楷體" panose="03000509000000000000" pitchFamily="65" charset="-120"/>
+                <a:ea typeface="標楷體" panose="03000509000000000000" pitchFamily="65" charset="-120"/>
+              </a:rPr>
+            </a:br>
+            <a:r>
+              <a:rPr lang="zh-TW" altLang="en-US" dirty="0">
+                <a:latin typeface="標楷體" panose="03000509000000000000" pitchFamily="65" charset="-120"/>
+                <a:ea typeface="標楷體" panose="03000509000000000000" pitchFamily="65" charset="-120"/>
+              </a:rPr>
+              <a:t>物件是類別的實例。例如「小明」是一個「人」這個類別的實體。你可以創造很多個「人」物件。</a:t>
+            </a:r>
+            <a:endParaRPr lang="en-US" altLang="zh-TW" dirty="0">
               <a:latin typeface="標楷體" panose="03000509000000000000" pitchFamily="65" charset="-120"/>
               <a:ea typeface="標楷體" panose="03000509000000000000" pitchFamily="65" charset="-120"/>
             </a:endParaRPr>
           </a:p>
-        </p:txBody>
-      </p:sp>
-      <p:sp>
-        <p:nvSpPr>
-          <p:cNvPr id="5" name="矩形 4">
-            <a:extLst>
-              <a:ext uri="{FF2B5EF4-FFF2-40B4-BE49-F238E27FC236}">
-                <a16:creationId xmlns:a16="http://schemas.microsoft.com/office/drawing/2014/main" id="{182577F5-AC52-4508-890A-0F069E01F5CB}"/>
-              </a:ext>
-            </a:extLst>
-          </p:cNvPr>
-          <p:cNvSpPr/>
-          <p:nvPr/>
-        </p:nvSpPr>
-        <p:spPr>
-          <a:xfrm>
-            <a:off x="5443096" y="2435824"/>
-            <a:ext cx="6006146" cy="369332"/>
-          </a:xfrm>
-          <a:prstGeom prst="rect">
-            <a:avLst/>
-          </a:prstGeom>
-        </p:spPr>
-        <p:txBody>
-          <a:bodyPr wrap="square">
-            <a:spAutoFit/>
-          </a:bodyPr>
-          <a:lstStyle/>
-          <a:p>
-            <a:r>
-              <a:rPr lang="en-US" altLang="zh-TW" dirty="0">
-                <a:solidFill>
-                  <a:srgbClr val="242424"/>
-                </a:solidFill>
-                <a:ea typeface="標楷體" panose="03000509000000000000" pitchFamily="65" charset="-120"/>
-              </a:rPr>
-              <a:t>A </a:t>
-            </a:r>
-            <a:r>
-              <a:rPr lang="zh-TW" altLang="en-US" dirty="0">
-                <a:solidFill>
-                  <a:srgbClr val="242424"/>
-                </a:solidFill>
-                <a:ea typeface="標楷體" panose="03000509000000000000" pitchFamily="65" charset="-120"/>
-              </a:rPr>
-              <a:t>根據 </a:t>
-            </a:r>
-            <a:r>
-              <a:rPr lang="en-US" altLang="zh-TW" dirty="0">
-                <a:solidFill>
-                  <a:srgbClr val="242424"/>
-                </a:solidFill>
-                <a:ea typeface="標楷體" panose="03000509000000000000" pitchFamily="65" charset="-120"/>
-              </a:rPr>
-              <a:t>B </a:t>
-            </a:r>
-            <a:r>
-              <a:rPr lang="zh-TW" altLang="en-US" dirty="0">
-                <a:solidFill>
-                  <a:srgbClr val="242424"/>
-                </a:solidFill>
-                <a:ea typeface="標楷體" panose="03000509000000000000" pitchFamily="65" charset="-120"/>
-              </a:rPr>
-              <a:t>的特性再擴展，描述</a:t>
-            </a:r>
-            <a:r>
-              <a:rPr lang="zh-TW" altLang="en-US" dirty="0">
-                <a:solidFill>
-                  <a:srgbClr val="FF0000"/>
-                </a:solidFill>
-                <a:ea typeface="標楷體" panose="03000509000000000000" pitchFamily="65" charset="-120"/>
-              </a:rPr>
-              <a:t>額外擴充</a:t>
-            </a:r>
-            <a:r>
-              <a:rPr lang="zh-TW" altLang="en-US" dirty="0">
-                <a:solidFill>
-                  <a:srgbClr val="242424"/>
-                </a:solidFill>
-                <a:ea typeface="標楷體" panose="03000509000000000000" pitchFamily="65" charset="-120"/>
-              </a:rPr>
-              <a:t>了什麼功能。</a:t>
-            </a:r>
+          <a:p>
+            <a:pPr>
+              <a:buFont typeface="+mj-lt"/>
+              <a:buAutoNum type="arabicPeriod"/>
+            </a:pPr>
             <a:endParaRPr lang="zh-TW" altLang="en-US" dirty="0">
+              <a:latin typeface="標楷體" panose="03000509000000000000" pitchFamily="65" charset="-120"/>
               <a:ea typeface="標楷體" panose="03000509000000000000" pitchFamily="65" charset="-120"/>
             </a:endParaRPr>
           </a:p>
-        </p:txBody>
-      </p:sp>
-      <p:sp>
-        <p:nvSpPr>
-          <p:cNvPr id="8" name="矩形 7">
-            <a:extLst>
-              <a:ext uri="{FF2B5EF4-FFF2-40B4-BE49-F238E27FC236}">
-                <a16:creationId xmlns:a16="http://schemas.microsoft.com/office/drawing/2014/main" id="{CE6D73B5-5A81-471D-9944-D3C9982E71B6}"/>
-              </a:ext>
-            </a:extLst>
-          </p:cNvPr>
-          <p:cNvSpPr/>
-          <p:nvPr/>
-        </p:nvSpPr>
-        <p:spPr>
-          <a:xfrm>
-            <a:off x="5385717" y="2872688"/>
-            <a:ext cx="6096000" cy="369332"/>
-          </a:xfrm>
-          <a:prstGeom prst="rect">
-            <a:avLst/>
-          </a:prstGeom>
-        </p:spPr>
-        <p:txBody>
-          <a:bodyPr>
-            <a:spAutoFit/>
-          </a:bodyPr>
-          <a:lstStyle/>
-          <a:p>
+          <a:p>
+            <a:pPr>
+              <a:buFont typeface="+mj-lt"/>
+              <a:buAutoNum type="arabicPeriod"/>
+            </a:pPr>
             <a:r>
               <a:rPr lang="zh-TW" altLang="en-US" dirty="0">
-                <a:solidFill>
-                  <a:srgbClr val="242424"/>
-                </a:solidFill>
-                <a:ea typeface="標楷體" panose="03000509000000000000" pitchFamily="65" charset="-120"/>
-              </a:rPr>
-              <a:t> </a:t>
+                <a:latin typeface="標楷體" panose="03000509000000000000" pitchFamily="65" charset="-120"/>
+                <a:ea typeface="標楷體" panose="03000509000000000000" pitchFamily="65" charset="-120"/>
+              </a:rPr>
+              <a:t>封裝、繼承、多型（三大特性）</a:t>
+            </a:r>
+          </a:p>
+          <a:p>
+            <a:pPr marL="742950" lvl="1" indent="-285750">
+              <a:buFont typeface="+mj-lt"/>
+              <a:buAutoNum type="arabicPeriod"/>
+            </a:pPr>
+            <a:r>
+              <a:rPr lang="zh-TW" altLang="en-US" dirty="0">
+                <a:latin typeface="標楷體" panose="03000509000000000000" pitchFamily="65" charset="-120"/>
+                <a:ea typeface="標楷體" panose="03000509000000000000" pitchFamily="65" charset="-120"/>
+              </a:rPr>
+              <a:t>封裝（</a:t>
             </a:r>
             <a:r>
               <a:rPr lang="en-US" altLang="zh-TW" dirty="0">
-                <a:solidFill>
-                  <a:srgbClr val="242424"/>
-                </a:solidFill>
-                <a:ea typeface="標楷體" panose="03000509000000000000" pitchFamily="65" charset="-120"/>
-              </a:rPr>
-              <a:t>B </a:t>
+                <a:latin typeface="標楷體" panose="03000509000000000000" pitchFamily="65" charset="-120"/>
+                <a:ea typeface="標楷體" panose="03000509000000000000" pitchFamily="65" charset="-120"/>
+              </a:rPr>
+              <a:t>Encapsulation</a:t>
             </a:r>
             <a:r>
               <a:rPr lang="zh-TW" altLang="en-US" dirty="0">
-                <a:solidFill>
-                  <a:srgbClr val="242424"/>
-                </a:solidFill>
-                <a:ea typeface="標楷體" panose="03000509000000000000" pitchFamily="65" charset="-120"/>
-              </a:rPr>
-              <a:t>為介面，指示哪些類別會負責實作它。</a:t>
-            </a:r>
-            <a:endParaRPr lang="zh-TW" altLang="en-US" dirty="0">
+                <a:latin typeface="標楷體" panose="03000509000000000000" pitchFamily="65" charset="-120"/>
+                <a:ea typeface="標楷體" panose="03000509000000000000" pitchFamily="65" charset="-120"/>
+              </a:rPr>
+              <a:t>）：把資料和功能包在一起，不讓外部隨意修改內部狀態。</a:t>
+            </a:r>
+          </a:p>
+          <a:p>
+            <a:pPr marL="742950" lvl="1" indent="-285750">
+              <a:buFont typeface="+mj-lt"/>
+              <a:buAutoNum type="arabicPeriod"/>
+            </a:pPr>
+            <a:r>
+              <a:rPr lang="zh-TW" altLang="en-US" dirty="0">
+                <a:latin typeface="標楷體" panose="03000509000000000000" pitchFamily="65" charset="-120"/>
+                <a:ea typeface="標楷體" panose="03000509000000000000" pitchFamily="65" charset="-120"/>
+              </a:rPr>
+              <a:t>繼承（</a:t>
+            </a:r>
+            <a:r>
+              <a:rPr lang="en-US" altLang="zh-TW" dirty="0">
+                <a:latin typeface="標楷體" panose="03000509000000000000" pitchFamily="65" charset="-120"/>
+                <a:ea typeface="標楷體" panose="03000509000000000000" pitchFamily="65" charset="-120"/>
+              </a:rPr>
+              <a:t>Inheritance</a:t>
+            </a:r>
+            <a:r>
+              <a:rPr lang="zh-TW" altLang="en-US" dirty="0">
+                <a:latin typeface="標楷體" panose="03000509000000000000" pitchFamily="65" charset="-120"/>
+                <a:ea typeface="標楷體" panose="03000509000000000000" pitchFamily="65" charset="-120"/>
+              </a:rPr>
+              <a:t>）：子類別可以繼承父類別的屬性和方法，減少重複程式碼。</a:t>
+            </a:r>
+          </a:p>
+          <a:p>
+            <a:pPr marL="742950" lvl="1" indent="-285750">
+              <a:buFont typeface="+mj-lt"/>
+              <a:buAutoNum type="arabicPeriod"/>
+            </a:pPr>
+            <a:r>
+              <a:rPr lang="zh-TW" altLang="en-US" dirty="0">
+                <a:latin typeface="標楷體" panose="03000509000000000000" pitchFamily="65" charset="-120"/>
+                <a:ea typeface="標楷體" panose="03000509000000000000" pitchFamily="65" charset="-120"/>
+              </a:rPr>
+              <a:t>多型（</a:t>
+            </a:r>
+            <a:r>
+              <a:rPr lang="en-US" altLang="zh-TW" dirty="0">
+                <a:latin typeface="標楷體" panose="03000509000000000000" pitchFamily="65" charset="-120"/>
+                <a:ea typeface="標楷體" panose="03000509000000000000" pitchFamily="65" charset="-120"/>
+              </a:rPr>
+              <a:t>Polymorphism</a:t>
+            </a:r>
+            <a:r>
+              <a:rPr lang="zh-TW" altLang="en-US" dirty="0">
+                <a:latin typeface="標楷體" panose="03000509000000000000" pitchFamily="65" charset="-120"/>
+                <a:ea typeface="標楷體" panose="03000509000000000000" pitchFamily="65" charset="-120"/>
+              </a:rPr>
+              <a:t>）：同樣的方法名稱，在不同類別中可以有不同的實現方式。</a:t>
+            </a:r>
+          </a:p>
+          <a:p>
+            <a:pPr>
+              <a:lnSpc>
+                <a:spcPct val="150000"/>
+              </a:lnSpc>
+            </a:pPr>
+            <a:endParaRPr lang="en-US" altLang="zh-TW" sz="2000" i="0" u="none" strike="noStrike" dirty="0">
+              <a:solidFill>
+                <a:srgbClr val="000000"/>
+              </a:solidFill>
+              <a:effectLst/>
+              <a:latin typeface="標楷體" panose="03000509000000000000" pitchFamily="65" charset="-120"/>
               <a:ea typeface="標楷體" panose="03000509000000000000" pitchFamily="65" charset="-120"/>
+              <a:cs typeface="Arial Unicode MS" panose="020B0604020202020204" pitchFamily="34" charset="-128"/>
             </a:endParaRPr>
           </a:p>
-        </p:txBody>
-      </p:sp>
-      <p:sp>
-        <p:nvSpPr>
-          <p:cNvPr id="9" name="矩形 8">
-            <a:extLst>
-              <a:ext uri="{FF2B5EF4-FFF2-40B4-BE49-F238E27FC236}">
-                <a16:creationId xmlns:a16="http://schemas.microsoft.com/office/drawing/2014/main" id="{5616B157-81EE-410E-87AC-86324BDD98D0}"/>
-              </a:ext>
-            </a:extLst>
-          </p:cNvPr>
-          <p:cNvSpPr/>
-          <p:nvPr/>
-        </p:nvSpPr>
-        <p:spPr>
-          <a:xfrm>
-            <a:off x="5430498" y="3746417"/>
-            <a:ext cx="6096000" cy="369332"/>
-          </a:xfrm>
-          <a:prstGeom prst="rect">
-            <a:avLst/>
-          </a:prstGeom>
-        </p:spPr>
-        <p:txBody>
-          <a:bodyPr>
-            <a:spAutoFit/>
-          </a:bodyPr>
-          <a:lstStyle/>
-          <a:p>
-            <a:r>
-              <a:rPr lang="en-US" altLang="zh-TW" dirty="0">
-                <a:solidFill>
-                  <a:srgbClr val="242424"/>
-                </a:solidFill>
-                <a:ea typeface="標楷體" panose="03000509000000000000" pitchFamily="65" charset="-120"/>
-              </a:rPr>
-              <a:t>A </a:t>
-            </a:r>
-            <a:r>
-              <a:rPr lang="zh-TW" altLang="en-US" dirty="0">
-                <a:solidFill>
-                  <a:srgbClr val="242424"/>
-                </a:solidFill>
-                <a:ea typeface="標楷體" panose="03000509000000000000" pitchFamily="65" charset="-120"/>
-              </a:rPr>
-              <a:t>擁有 </a:t>
-            </a:r>
-            <a:r>
-              <a:rPr lang="en-US" altLang="zh-TW" dirty="0">
-                <a:solidFill>
-                  <a:srgbClr val="242424"/>
-                </a:solidFill>
-                <a:ea typeface="標楷體" panose="03000509000000000000" pitchFamily="65" charset="-120"/>
-              </a:rPr>
-              <a:t>B </a:t>
-            </a:r>
-            <a:r>
-              <a:rPr lang="zh-TW" altLang="en-US" dirty="0">
-                <a:solidFill>
-                  <a:srgbClr val="242424"/>
-                </a:solidFill>
-                <a:ea typeface="標楷體" panose="03000509000000000000" pitchFamily="65" charset="-120"/>
-              </a:rPr>
-              <a:t>的實體，彼此協作但又</a:t>
-            </a:r>
-            <a:r>
-              <a:rPr lang="zh-TW" altLang="en-US" dirty="0">
-                <a:solidFill>
-                  <a:srgbClr val="FF0000"/>
-                </a:solidFill>
-                <a:ea typeface="標楷體" panose="03000509000000000000" pitchFamily="65" charset="-120"/>
-              </a:rPr>
-              <a:t>可各自單獨</a:t>
-            </a:r>
-            <a:r>
-              <a:rPr lang="zh-TW" altLang="en-US" dirty="0">
-                <a:solidFill>
-                  <a:srgbClr val="242424"/>
-                </a:solidFill>
-                <a:ea typeface="標楷體" panose="03000509000000000000" pitchFamily="65" charset="-120"/>
-              </a:rPr>
-              <a:t>存在。</a:t>
-            </a:r>
-            <a:endParaRPr lang="zh-TW" altLang="en-US" dirty="0">
-              <a:ea typeface="標楷體" panose="03000509000000000000" pitchFamily="65" charset="-120"/>
-            </a:endParaRPr>
-          </a:p>
-        </p:txBody>
-      </p:sp>
-      <p:sp>
-        <p:nvSpPr>
-          <p:cNvPr id="10" name="矩形 9">
-            <a:extLst>
-              <a:ext uri="{FF2B5EF4-FFF2-40B4-BE49-F238E27FC236}">
-                <a16:creationId xmlns:a16="http://schemas.microsoft.com/office/drawing/2014/main" id="{E0EC2D52-BBE6-4B0E-9D55-9DAC8706CE07}"/>
-              </a:ext>
-            </a:extLst>
-          </p:cNvPr>
-          <p:cNvSpPr/>
-          <p:nvPr/>
-        </p:nvSpPr>
-        <p:spPr>
-          <a:xfrm>
-            <a:off x="5443096" y="4481606"/>
-            <a:ext cx="6096000" cy="369332"/>
-          </a:xfrm>
-          <a:prstGeom prst="rect">
-            <a:avLst/>
-          </a:prstGeom>
-        </p:spPr>
-        <p:txBody>
-          <a:bodyPr>
-            <a:spAutoFit/>
-          </a:bodyPr>
-          <a:lstStyle/>
-          <a:p>
-            <a:r>
-              <a:rPr lang="en-US" altLang="zh-TW" dirty="0">
-                <a:solidFill>
-                  <a:srgbClr val="242424"/>
-                </a:solidFill>
-                <a:ea typeface="標楷體" panose="03000509000000000000" pitchFamily="65" charset="-120"/>
-              </a:rPr>
-              <a:t>B </a:t>
-            </a:r>
-            <a:r>
-              <a:rPr lang="zh-TW" altLang="en-US" dirty="0">
-                <a:solidFill>
-                  <a:srgbClr val="242424"/>
-                </a:solidFill>
-                <a:ea typeface="標楷體" panose="03000509000000000000" pitchFamily="65" charset="-120"/>
-              </a:rPr>
-              <a:t>為 </a:t>
-            </a:r>
-            <a:r>
-              <a:rPr lang="en-US" altLang="zh-TW" dirty="0">
-                <a:solidFill>
-                  <a:srgbClr val="242424"/>
-                </a:solidFill>
-                <a:ea typeface="標楷體" panose="03000509000000000000" pitchFamily="65" charset="-120"/>
-              </a:rPr>
-              <a:t>A </a:t>
-            </a:r>
-            <a:r>
-              <a:rPr lang="zh-TW" altLang="en-US" dirty="0">
-                <a:solidFill>
-                  <a:srgbClr val="242424"/>
-                </a:solidFill>
-                <a:ea typeface="標楷體" panose="03000509000000000000" pitchFamily="65" charset="-120"/>
-              </a:rPr>
-              <a:t>的一部分，</a:t>
-            </a:r>
-            <a:r>
-              <a:rPr lang="zh-TW" altLang="en-US" dirty="0">
-                <a:solidFill>
-                  <a:srgbClr val="FF0000"/>
-                </a:solidFill>
-                <a:ea typeface="標楷體" panose="03000509000000000000" pitchFamily="65" charset="-120"/>
-              </a:rPr>
-              <a:t>若 </a:t>
-            </a:r>
-            <a:r>
-              <a:rPr lang="en-US" altLang="zh-TW" dirty="0">
-                <a:solidFill>
-                  <a:srgbClr val="FF0000"/>
-                </a:solidFill>
-                <a:ea typeface="標楷體" panose="03000509000000000000" pitchFamily="65" charset="-120"/>
-              </a:rPr>
-              <a:t>A </a:t>
-            </a:r>
-            <a:r>
-              <a:rPr lang="zh-TW" altLang="en-US" dirty="0">
-                <a:solidFill>
-                  <a:srgbClr val="FF0000"/>
-                </a:solidFill>
-                <a:ea typeface="標楷體" panose="03000509000000000000" pitchFamily="65" charset="-120"/>
-              </a:rPr>
-              <a:t>消失則 </a:t>
-            </a:r>
-            <a:r>
-              <a:rPr lang="en-US" altLang="zh-TW" dirty="0">
-                <a:solidFill>
-                  <a:srgbClr val="FF0000"/>
-                </a:solidFill>
-                <a:ea typeface="標楷體" panose="03000509000000000000" pitchFamily="65" charset="-120"/>
-              </a:rPr>
-              <a:t>B </a:t>
-            </a:r>
-            <a:r>
-              <a:rPr lang="zh-TW" altLang="en-US" dirty="0">
-                <a:solidFill>
-                  <a:srgbClr val="FF0000"/>
-                </a:solidFill>
-                <a:ea typeface="標楷體" panose="03000509000000000000" pitchFamily="65" charset="-120"/>
-              </a:rPr>
-              <a:t>也不會繼續存在</a:t>
-            </a:r>
-            <a:r>
-              <a:rPr lang="zh-TW" altLang="en-US" dirty="0">
-                <a:solidFill>
-                  <a:srgbClr val="242424"/>
-                </a:solidFill>
-                <a:ea typeface="標楷體" panose="03000509000000000000" pitchFamily="65" charset="-120"/>
-              </a:rPr>
-              <a:t>。</a:t>
-            </a:r>
-            <a:endParaRPr lang="zh-TW" altLang="en-US" dirty="0">
-              <a:ea typeface="標楷體" panose="03000509000000000000" pitchFamily="65" charset="-120"/>
-            </a:endParaRPr>
-          </a:p>
-        </p:txBody>
-      </p:sp>
-      <p:sp>
-        <p:nvSpPr>
-          <p:cNvPr id="13" name="矩形 12">
-            <a:extLst>
-              <a:ext uri="{FF2B5EF4-FFF2-40B4-BE49-F238E27FC236}">
-                <a16:creationId xmlns:a16="http://schemas.microsoft.com/office/drawing/2014/main" id="{6AFE3D89-2888-4412-9BAE-291543447F7D}"/>
-              </a:ext>
-            </a:extLst>
-          </p:cNvPr>
-          <p:cNvSpPr/>
-          <p:nvPr/>
-        </p:nvSpPr>
-        <p:spPr>
-          <a:xfrm>
-            <a:off x="5430498" y="5208693"/>
-            <a:ext cx="6096000" cy="369332"/>
-          </a:xfrm>
-          <a:prstGeom prst="rect">
-            <a:avLst/>
-          </a:prstGeom>
-        </p:spPr>
-        <p:txBody>
-          <a:bodyPr>
-            <a:spAutoFit/>
-          </a:bodyPr>
-          <a:lstStyle/>
-          <a:p>
-            <a:r>
-              <a:rPr lang="en-US" altLang="zh-TW" dirty="0">
-                <a:solidFill>
-                  <a:srgbClr val="242424"/>
-                </a:solidFill>
-                <a:ea typeface="標楷體" panose="03000509000000000000" pitchFamily="65" charset="-120"/>
-              </a:rPr>
-              <a:t>A </a:t>
-            </a:r>
-            <a:r>
-              <a:rPr lang="zh-TW" altLang="en-US" dirty="0">
-                <a:solidFill>
-                  <a:srgbClr val="242424"/>
-                </a:solidFill>
-                <a:ea typeface="標楷體" panose="03000509000000000000" pitchFamily="65" charset="-120"/>
-              </a:rPr>
-              <a:t>使用 </a:t>
-            </a:r>
-            <a:r>
-              <a:rPr lang="en-US" altLang="zh-TW" dirty="0">
-                <a:solidFill>
-                  <a:srgbClr val="242424"/>
-                </a:solidFill>
-                <a:ea typeface="標楷體" panose="03000509000000000000" pitchFamily="65" charset="-120"/>
-              </a:rPr>
-              <a:t>B</a:t>
-            </a:r>
-            <a:r>
-              <a:rPr lang="zh-TW" altLang="en-US" dirty="0">
-                <a:solidFill>
-                  <a:srgbClr val="242424"/>
-                </a:solidFill>
-                <a:ea typeface="標楷體" panose="03000509000000000000" pitchFamily="65" charset="-120"/>
-              </a:rPr>
-              <a:t>，</a:t>
-            </a:r>
-            <a:r>
-              <a:rPr lang="en-US" altLang="zh-TW" dirty="0">
-                <a:solidFill>
-                  <a:srgbClr val="242424"/>
-                </a:solidFill>
-                <a:ea typeface="標楷體" panose="03000509000000000000" pitchFamily="65" charset="-120"/>
-              </a:rPr>
-              <a:t>B </a:t>
-            </a:r>
-            <a:r>
-              <a:rPr lang="zh-TW" altLang="en-US" dirty="0">
-                <a:solidFill>
-                  <a:srgbClr val="242424"/>
-                </a:solidFill>
-                <a:ea typeface="標楷體" panose="03000509000000000000" pitchFamily="65" charset="-120"/>
-              </a:rPr>
-              <a:t>的變化有可能會影響到 </a:t>
-            </a:r>
-            <a:r>
-              <a:rPr lang="en-US" altLang="zh-TW" dirty="0">
-                <a:solidFill>
-                  <a:srgbClr val="242424"/>
-                </a:solidFill>
-                <a:ea typeface="標楷體" panose="03000509000000000000" pitchFamily="65" charset="-120"/>
-              </a:rPr>
-              <a:t>A</a:t>
-            </a:r>
-            <a:r>
-              <a:rPr lang="zh-TW" altLang="en-US" dirty="0">
-                <a:solidFill>
-                  <a:srgbClr val="242424"/>
-                </a:solidFill>
-                <a:ea typeface="標楷體" panose="03000509000000000000" pitchFamily="65" charset="-120"/>
-              </a:rPr>
-              <a:t>。</a:t>
-            </a:r>
-            <a:endParaRPr lang="zh-TW" altLang="en-US" dirty="0">
-              <a:ea typeface="標楷體" panose="03000509000000000000" pitchFamily="65" charset="-120"/>
-            </a:endParaRPr>
-          </a:p>
-        </p:txBody>
-      </p:sp>
-      <p:sp>
-        <p:nvSpPr>
-          <p:cNvPr id="14" name="矩形 13">
-            <a:extLst>
-              <a:ext uri="{FF2B5EF4-FFF2-40B4-BE49-F238E27FC236}">
-                <a16:creationId xmlns:a16="http://schemas.microsoft.com/office/drawing/2014/main" id="{65CB5DA7-4E8E-41DE-A726-1E80ADBF362D}"/>
-              </a:ext>
-            </a:extLst>
-          </p:cNvPr>
-          <p:cNvSpPr/>
-          <p:nvPr/>
-        </p:nvSpPr>
-        <p:spPr>
-          <a:xfrm>
-            <a:off x="5443096" y="5579567"/>
-            <a:ext cx="6096000" cy="369332"/>
-          </a:xfrm>
-          <a:prstGeom prst="rect">
-            <a:avLst/>
-          </a:prstGeom>
-        </p:spPr>
-        <p:txBody>
-          <a:bodyPr>
-            <a:spAutoFit/>
-          </a:bodyPr>
-          <a:lstStyle/>
-          <a:p>
-            <a:r>
-              <a:rPr lang="en-US" altLang="zh-TW" dirty="0">
-                <a:solidFill>
-                  <a:srgbClr val="242424"/>
-                </a:solidFill>
-                <a:ea typeface="標楷體" panose="03000509000000000000" pitchFamily="65" charset="-120"/>
-              </a:rPr>
-              <a:t>A </a:t>
-            </a:r>
-            <a:r>
-              <a:rPr lang="zh-TW" altLang="en-US" dirty="0">
-                <a:solidFill>
-                  <a:srgbClr val="242424"/>
-                </a:solidFill>
-                <a:ea typeface="標楷體" panose="03000509000000000000" pitchFamily="65" charset="-120"/>
-              </a:rPr>
-              <a:t>與 </a:t>
-            </a:r>
-            <a:r>
-              <a:rPr lang="en-US" altLang="zh-TW" dirty="0">
-                <a:solidFill>
-                  <a:srgbClr val="242424"/>
-                </a:solidFill>
-                <a:ea typeface="標楷體" panose="03000509000000000000" pitchFamily="65" charset="-120"/>
-              </a:rPr>
-              <a:t>B </a:t>
-            </a:r>
-            <a:r>
-              <a:rPr lang="zh-TW" altLang="en-US" dirty="0">
-                <a:solidFill>
-                  <a:srgbClr val="242424"/>
-                </a:solidFill>
-                <a:ea typeface="標楷體" panose="03000509000000000000" pitchFamily="65" charset="-120"/>
-              </a:rPr>
-              <a:t>有直接關聯，是個通用定義。</a:t>
-            </a:r>
-            <a:endParaRPr lang="zh-TW" altLang="en-US" dirty="0">
-              <a:ea typeface="標楷體" panose="03000509000000000000" pitchFamily="65" charset="-120"/>
-            </a:endParaRPr>
-          </a:p>
-        </p:txBody>
-      </p:sp>
-      <p:sp>
-        <p:nvSpPr>
-          <p:cNvPr id="20" name="矩形 19">
-            <a:extLst>
-              <a:ext uri="{FF2B5EF4-FFF2-40B4-BE49-F238E27FC236}">
-                <a16:creationId xmlns:a16="http://schemas.microsoft.com/office/drawing/2014/main" id="{838ABD02-C7B4-483A-BB42-16A6C81298FE}"/>
-              </a:ext>
-            </a:extLst>
-          </p:cNvPr>
-          <p:cNvSpPr/>
-          <p:nvPr/>
-        </p:nvSpPr>
-        <p:spPr>
-          <a:xfrm>
-            <a:off x="808233" y="897346"/>
-            <a:ext cx="9813444" cy="369332"/>
-          </a:xfrm>
-          <a:prstGeom prst="rect">
-            <a:avLst/>
-          </a:prstGeom>
-        </p:spPr>
-        <p:txBody>
-          <a:bodyPr wrap="square">
-            <a:spAutoFit/>
-          </a:bodyPr>
-          <a:lstStyle/>
-          <a:p>
-            <a:pPr marL="285750" indent="-285750">
+          <a:p>
+            <a:pPr>
               <a:buFont typeface="Arial" panose="020B0604020202020204" pitchFamily="34" charset="0"/>
               <a:buChar char="•"/>
             </a:pPr>
             <a:r>
-              <a:rPr lang="zh-TW" altLang="en-US" b="1" dirty="0">
-                <a:latin typeface="標楷體" panose="03000509000000000000" pitchFamily="65" charset="-120"/>
-                <a:ea typeface="標楷體" panose="03000509000000000000" pitchFamily="65" charset="-120"/>
-              </a:rPr>
-              <a:t>類別圖</a:t>
-            </a:r>
-            <a:r>
-              <a:rPr lang="zh-TW" altLang="en-US" dirty="0">
-                <a:latin typeface="標楷體" panose="03000509000000000000" pitchFamily="65" charset="-120"/>
-                <a:ea typeface="標楷體" panose="03000509000000000000" pitchFamily="65" charset="-120"/>
-              </a:rPr>
-              <a:t>：描述系統中的類別、屬性、方法以及類別間的關係（繼承、關聯、聚合）。</a:t>
-            </a:r>
+              <a:rPr lang="zh-TW" altLang="en-US" sz="2000" dirty="0">
+                <a:latin typeface="標楷體" panose="03000509000000000000" pitchFamily="65" charset="-120"/>
+                <a:ea typeface="標楷體" panose="03000509000000000000" pitchFamily="65" charset="-120"/>
+              </a:rPr>
+              <a:t>類別（</a:t>
+            </a:r>
+            <a:r>
+              <a:rPr lang="en-US" altLang="zh-TW" sz="2000" dirty="0">
+                <a:latin typeface="標楷體" panose="03000509000000000000" pitchFamily="65" charset="-120"/>
+                <a:ea typeface="標楷體" panose="03000509000000000000" pitchFamily="65" charset="-120"/>
+              </a:rPr>
+              <a:t>Class</a:t>
+            </a:r>
+            <a:r>
+              <a:rPr lang="zh-TW" altLang="en-US" sz="2000" dirty="0">
+                <a:latin typeface="標楷體" panose="03000509000000000000" pitchFamily="65" charset="-120"/>
+                <a:ea typeface="標楷體" panose="03000509000000000000" pitchFamily="65" charset="-120"/>
+              </a:rPr>
+              <a:t>）：一種模版或藍圖，描述一群物件的共同特性。</a:t>
+            </a:r>
+          </a:p>
+          <a:p>
+            <a:pPr>
+              <a:buFont typeface="Arial" panose="020B0604020202020204" pitchFamily="34" charset="0"/>
+              <a:buChar char="•"/>
+            </a:pPr>
+            <a:r>
+              <a:rPr lang="zh-TW" altLang="en-US" sz="2000" dirty="0">
+                <a:latin typeface="標楷體" panose="03000509000000000000" pitchFamily="65" charset="-120"/>
+                <a:ea typeface="標楷體" panose="03000509000000000000" pitchFamily="65" charset="-120"/>
+              </a:rPr>
+              <a:t>屬性（</a:t>
+            </a:r>
+            <a:r>
+              <a:rPr lang="en-US" altLang="zh-TW" sz="2000" dirty="0">
+                <a:latin typeface="標楷體" panose="03000509000000000000" pitchFamily="65" charset="-120"/>
+                <a:ea typeface="標楷體" panose="03000509000000000000" pitchFamily="65" charset="-120"/>
+              </a:rPr>
+              <a:t>Attribute</a:t>
+            </a:r>
+            <a:r>
+              <a:rPr lang="zh-TW" altLang="en-US" sz="2000" dirty="0">
+                <a:latin typeface="標楷體" panose="03000509000000000000" pitchFamily="65" charset="-120"/>
+                <a:ea typeface="標楷體" panose="03000509000000000000" pitchFamily="65" charset="-120"/>
+              </a:rPr>
+              <a:t>）：類別中的資料欄位，用來描述物件的狀態或特徵。</a:t>
+            </a:r>
+          </a:p>
+          <a:p>
+            <a:pPr>
+              <a:buFont typeface="Arial" panose="020B0604020202020204" pitchFamily="34" charset="0"/>
+              <a:buChar char="•"/>
+            </a:pPr>
+            <a:r>
+              <a:rPr lang="zh-TW" altLang="en-US" sz="2000" dirty="0">
+                <a:latin typeface="標楷體" panose="03000509000000000000" pitchFamily="65" charset="-120"/>
+                <a:ea typeface="標楷體" panose="03000509000000000000" pitchFamily="65" charset="-120"/>
+              </a:rPr>
+              <a:t>屬性類別 ≒ 類別的屬性（可能是你看到的名詞翻譯差異）</a:t>
+            </a:r>
+          </a:p>
+          <a:p>
+            <a:pPr>
+              <a:lnSpc>
+                <a:spcPct val="150000"/>
+              </a:lnSpc>
+            </a:pPr>
+            <a:endParaRPr lang="en-US" altLang="zh-TW" sz="2000" b="0" i="0" u="none" strike="noStrike" dirty="0">
+              <a:solidFill>
+                <a:srgbClr val="000000"/>
+              </a:solidFill>
+              <a:effectLst/>
+              <a:latin typeface="標楷體" panose="03000509000000000000" pitchFamily="65" charset="-120"/>
+              <a:ea typeface="標楷體" panose="03000509000000000000" pitchFamily="65" charset="-120"/>
+              <a:cs typeface="Arial Unicode MS" panose="020B0604020202020204" pitchFamily="34" charset="-128"/>
+            </a:endParaRPr>
           </a:p>
         </p:txBody>
       </p:sp>
     </p:spTree>
     <p:extLst>
       <p:ext uri="{BB962C8B-B14F-4D97-AF65-F5344CB8AC3E}">
-        <p14:creationId xmlns:p14="http://schemas.microsoft.com/office/powerpoint/2010/main" val="944948126"/>
+        <p14:creationId xmlns:p14="http://schemas.microsoft.com/office/powerpoint/2010/main" val="58751316"/>
       </p:ext>
     </p:extLst>
   </p:cSld>
@@ -9301,7 +8594,7 @@
 </p:sld>
 </file>
 
-<file path=ppt/slides/slide4.xml><?xml version="1.0" encoding="utf-8"?>
+<file path=ppt/slides/slide3.xml><?xml version="1.0" encoding="utf-8"?>
 <p:sld xmlns:a="http://schemas.openxmlformats.org/drawingml/2006/main" xmlns:r="http://schemas.openxmlformats.org/officeDocument/2006/relationships" xmlns:p="http://schemas.openxmlformats.org/presentationml/2006/main">
   <p:cSld>
     <p:spTree>
@@ -9324,6 +8617,36 @@
           <a:chExt cx="0" cy="0"/>
         </a:xfrm>
       </p:grpSpPr>
+      <p:pic>
+        <p:nvPicPr>
+          <p:cNvPr id="4" name="圖片 3">
+            <a:extLst>
+              <a:ext uri="{FF2B5EF4-FFF2-40B4-BE49-F238E27FC236}">
+                <a16:creationId xmlns:a16="http://schemas.microsoft.com/office/drawing/2014/main" id="{97D18386-6472-42E5-8359-5E627A969CB0}"/>
+              </a:ext>
+            </a:extLst>
+          </p:cNvPr>
+          <p:cNvPicPr>
+            <a:picLocks noChangeAspect="1"/>
+          </p:cNvPicPr>
+          <p:nvPr/>
+        </p:nvPicPr>
+        <p:blipFill>
+          <a:blip r:embed="rId3"/>
+          <a:stretch>
+            <a:fillRect/>
+          </a:stretch>
+        </p:blipFill>
+        <p:spPr>
+          <a:xfrm>
+            <a:off x="4628491" y="3156956"/>
+            <a:ext cx="2034147" cy="2565454"/>
+          </a:xfrm>
+          <a:prstGeom prst="rect">
+            <a:avLst/>
+          </a:prstGeom>
+        </p:spPr>
+      </p:pic>
       <p:sp>
         <p:nvSpPr>
           <p:cNvPr id="6" name="矩形: 圆角 1">
@@ -9532,40 +8855,1047 @@
           </a:p>
         </p:txBody>
       </p:sp>
-      <p:pic>
-        <p:nvPicPr>
-          <p:cNvPr id="4" name="圖片 3">
-            <a:extLst>
-              <a:ext uri="{FF2B5EF4-FFF2-40B4-BE49-F238E27FC236}">
-                <a16:creationId xmlns:a16="http://schemas.microsoft.com/office/drawing/2014/main" id="{F528984E-4D8A-40D2-A8C5-084C64153C70}"/>
-              </a:ext>
-            </a:extLst>
-          </p:cNvPr>
-          <p:cNvPicPr>
-            <a:picLocks noChangeAspect="1"/>
-          </p:cNvPicPr>
+      <p:sp>
+        <p:nvSpPr>
+          <p:cNvPr id="3" name="文字方塊 2">
+            <a:extLst>
+              <a:ext uri="{FF2B5EF4-FFF2-40B4-BE49-F238E27FC236}">
+                <a16:creationId xmlns:a16="http://schemas.microsoft.com/office/drawing/2014/main" id="{4CC5411B-1CF0-4DD3-F46B-6CE84C188AC4}"/>
+              </a:ext>
+            </a:extLst>
+          </p:cNvPr>
+          <p:cNvSpPr txBox="1"/>
           <p:nvPr/>
-        </p:nvPicPr>
-        <p:blipFill>
-          <a:blip r:embed="rId3"/>
-          <a:stretch>
-            <a:fillRect/>
-          </a:stretch>
-        </p:blipFill>
+        </p:nvSpPr>
         <p:spPr>
           <a:xfrm>
-            <a:off x="1395663" y="976307"/>
-            <a:ext cx="9859751" cy="5449060"/>
+            <a:off x="11655706" y="1585732"/>
+            <a:ext cx="184731" cy="369332"/>
+          </a:xfrm>
+          <a:prstGeom prst="rect">
+            <a:avLst/>
+          </a:prstGeom>
+          <a:noFill/>
+        </p:spPr>
+        <p:txBody>
+          <a:bodyPr wrap="none" rtlCol="0">
+            <a:spAutoFit/>
+          </a:bodyPr>
+          <a:lstStyle/>
+          <a:p>
+            <a:endParaRPr kumimoji="1" lang="zh-TW" altLang="en-US" dirty="0">
+              <a:latin typeface="標楷體" panose="03000509000000000000" pitchFamily="65" charset="-120"/>
+              <a:ea typeface="標楷體" panose="03000509000000000000" pitchFamily="65" charset="-120"/>
+            </a:endParaRPr>
+          </a:p>
+        </p:txBody>
+      </p:sp>
+      <p:sp>
+        <p:nvSpPr>
+          <p:cNvPr id="12" name="語音泡泡: 圓角矩形 11">
+            <a:extLst>
+              <a:ext uri="{FF2B5EF4-FFF2-40B4-BE49-F238E27FC236}">
+                <a16:creationId xmlns:a16="http://schemas.microsoft.com/office/drawing/2014/main" id="{2717ED7A-F64E-4C59-9364-84F48AF0FB4B}"/>
+              </a:ext>
+            </a:extLst>
+          </p:cNvPr>
+          <p:cNvSpPr/>
+          <p:nvPr/>
+        </p:nvSpPr>
+        <p:spPr>
+          <a:xfrm>
+            <a:off x="578646" y="1403474"/>
+            <a:ext cx="4049845" cy="1162639"/>
+          </a:xfrm>
+          <a:prstGeom prst="wedgeRoundRectCallout">
+            <a:avLst>
+              <a:gd name="adj1" fmla="val 49939"/>
+              <a:gd name="adj2" fmla="val 84615"/>
+              <a:gd name="adj3" fmla="val 16667"/>
+            </a:avLst>
+          </a:prstGeom>
+          <a:noFill/>
+        </p:spPr>
+        <p:style>
+          <a:lnRef idx="2">
+            <a:schemeClr val="accent1">
+              <a:shade val="50000"/>
+            </a:schemeClr>
+          </a:lnRef>
+          <a:fillRef idx="1">
+            <a:schemeClr val="accent1"/>
+          </a:fillRef>
+          <a:effectRef idx="0">
+            <a:schemeClr val="accent1"/>
+          </a:effectRef>
+          <a:fontRef idx="minor">
+            <a:schemeClr val="lt1"/>
+          </a:fontRef>
+        </p:style>
+        <p:txBody>
+          <a:bodyPr rtlCol="0" anchor="ctr"/>
+          <a:lstStyle/>
+          <a:p>
+            <a:pPr algn="ctr"/>
+            <a:r>
+              <a:rPr lang="en-US" altLang="zh-TW" b="1" dirty="0">
+                <a:solidFill>
+                  <a:schemeClr val="tx1"/>
+                </a:solidFill>
+                <a:latin typeface="標楷體" panose="03000509000000000000" pitchFamily="65" charset="-120"/>
+                <a:ea typeface="標楷體" panose="03000509000000000000" pitchFamily="65" charset="-120"/>
+              </a:rPr>
+              <a:t>Name — </a:t>
+            </a:r>
+            <a:r>
+              <a:rPr lang="zh-TW" altLang="en-US" b="1" dirty="0">
+                <a:solidFill>
+                  <a:schemeClr val="tx1"/>
+                </a:solidFill>
+                <a:latin typeface="標楷體" panose="03000509000000000000" pitchFamily="65" charset="-120"/>
+                <a:ea typeface="標楷體" panose="03000509000000000000" pitchFamily="65" charset="-120"/>
+              </a:rPr>
+              <a:t>必填的名稱</a:t>
+            </a:r>
+            <a:endParaRPr lang="en-US" altLang="zh-TW" b="1" dirty="0">
+              <a:solidFill>
+                <a:schemeClr val="tx1"/>
+              </a:solidFill>
+              <a:latin typeface="標楷體" panose="03000509000000000000" pitchFamily="65" charset="-120"/>
+              <a:ea typeface="標楷體" panose="03000509000000000000" pitchFamily="65" charset="-120"/>
+            </a:endParaRPr>
+          </a:p>
+          <a:p>
+            <a:pPr algn="ctr"/>
+            <a:r>
+              <a:rPr lang="zh-TW" altLang="en-US" dirty="0">
+                <a:solidFill>
+                  <a:schemeClr val="tx1"/>
+                </a:solidFill>
+                <a:latin typeface="標楷體" panose="03000509000000000000" pitchFamily="65" charset="-120"/>
+                <a:ea typeface="標楷體" panose="03000509000000000000" pitchFamily="65" charset="-120"/>
+              </a:rPr>
+              <a:t>（粗體置中且首字大寫，若表示抽象類別則使用斜體）</a:t>
+            </a:r>
+          </a:p>
+        </p:txBody>
+      </p:sp>
+      <p:sp>
+        <p:nvSpPr>
+          <p:cNvPr id="16" name="語音泡泡: 圓角矩形 15">
+            <a:extLst>
+              <a:ext uri="{FF2B5EF4-FFF2-40B4-BE49-F238E27FC236}">
+                <a16:creationId xmlns:a16="http://schemas.microsoft.com/office/drawing/2014/main" id="{7FEDF35E-67D7-4550-AFFD-DDD6B91947C8}"/>
+              </a:ext>
+            </a:extLst>
+          </p:cNvPr>
+          <p:cNvSpPr/>
+          <p:nvPr/>
+        </p:nvSpPr>
+        <p:spPr>
+          <a:xfrm>
+            <a:off x="7102980" y="1955064"/>
+            <a:ext cx="4875680" cy="4371496"/>
+          </a:xfrm>
+          <a:prstGeom prst="wedgeRoundRectCallout">
+            <a:avLst>
+              <a:gd name="adj1" fmla="val -56407"/>
+              <a:gd name="adj2" fmla="val 2299"/>
+              <a:gd name="adj3" fmla="val 16667"/>
+            </a:avLst>
+          </a:prstGeom>
+          <a:noFill/>
+        </p:spPr>
+        <p:style>
+          <a:lnRef idx="2">
+            <a:schemeClr val="accent1">
+              <a:shade val="50000"/>
+            </a:schemeClr>
+          </a:lnRef>
+          <a:fillRef idx="1">
+            <a:schemeClr val="accent1"/>
+          </a:fillRef>
+          <a:effectRef idx="0">
+            <a:schemeClr val="accent1"/>
+          </a:effectRef>
+          <a:fontRef idx="minor">
+            <a:schemeClr val="lt1"/>
+          </a:fontRef>
+        </p:style>
+        <p:txBody>
+          <a:bodyPr rtlCol="0" anchor="ctr"/>
+          <a:lstStyle/>
+          <a:p>
+            <a:pPr algn="ctr"/>
+            <a:r>
+              <a:rPr lang="en-US" altLang="zh-TW" b="1" dirty="0">
+                <a:solidFill>
+                  <a:schemeClr val="tx1"/>
+                </a:solidFill>
+                <a:latin typeface="標楷體" panose="03000509000000000000" pitchFamily="65" charset="-120"/>
+                <a:ea typeface="標楷體" panose="03000509000000000000" pitchFamily="65" charset="-120"/>
+              </a:rPr>
+              <a:t>Attributes — </a:t>
+            </a:r>
+            <a:r>
+              <a:rPr lang="zh-TW" altLang="en-US" b="1" dirty="0">
+                <a:solidFill>
+                  <a:schemeClr val="tx1"/>
+                </a:solidFill>
+                <a:latin typeface="標楷體" panose="03000509000000000000" pitchFamily="65" charset="-120"/>
+                <a:ea typeface="標楷體" panose="03000509000000000000" pitchFamily="65" charset="-120"/>
+              </a:rPr>
+              <a:t>屬性</a:t>
+            </a:r>
+            <a:endParaRPr lang="en-US" altLang="zh-TW" b="1" dirty="0">
+              <a:solidFill>
+                <a:schemeClr val="tx1"/>
+              </a:solidFill>
+              <a:latin typeface="標楷體" panose="03000509000000000000" pitchFamily="65" charset="-120"/>
+              <a:ea typeface="標楷體" panose="03000509000000000000" pitchFamily="65" charset="-120"/>
+            </a:endParaRPr>
+          </a:p>
+          <a:p>
+            <a:pPr algn="ctr"/>
+            <a:r>
+              <a:rPr lang="zh-TW" altLang="en-US" dirty="0">
+                <a:solidFill>
+                  <a:schemeClr val="tx1"/>
+                </a:solidFill>
+                <a:latin typeface="標楷體" panose="03000509000000000000" pitchFamily="65" charset="-120"/>
+                <a:ea typeface="標楷體" panose="03000509000000000000" pitchFamily="65" charset="-120"/>
+              </a:rPr>
+              <a:t>冒號後表示型別（置左且首字小寫）</a:t>
+            </a:r>
+          </a:p>
+          <a:p>
+            <a:pPr algn="ctr"/>
+            <a:endParaRPr lang="en-US" altLang="zh-TW" dirty="0">
+              <a:solidFill>
+                <a:schemeClr val="tx1"/>
+              </a:solidFill>
+              <a:latin typeface="標楷體" panose="03000509000000000000" pitchFamily="65" charset="-120"/>
+              <a:ea typeface="標楷體" panose="03000509000000000000" pitchFamily="65" charset="-120"/>
+            </a:endParaRPr>
+          </a:p>
+          <a:p>
+            <a:r>
+              <a:rPr lang="en-US" altLang="zh-TW" sz="2000" dirty="0">
+                <a:solidFill>
+                  <a:schemeClr val="tx1"/>
+                </a:solidFill>
+                <a:highlight>
+                  <a:srgbClr val="FFFF00"/>
+                </a:highlight>
+                <a:latin typeface="標楷體" panose="03000509000000000000" pitchFamily="65" charset="-120"/>
+                <a:ea typeface="標楷體" panose="03000509000000000000" pitchFamily="65" charset="-120"/>
+              </a:rPr>
+              <a:t>+</a:t>
+            </a:r>
+            <a:r>
+              <a:rPr lang="en-US" altLang="zh-TW" dirty="0">
+                <a:solidFill>
+                  <a:schemeClr val="tx1"/>
+                </a:solidFill>
+                <a:latin typeface="標楷體" panose="03000509000000000000" pitchFamily="65" charset="-120"/>
+                <a:ea typeface="標楷體" panose="03000509000000000000" pitchFamily="65" charset="-120"/>
+              </a:rPr>
+              <a:t> </a:t>
+            </a:r>
+            <a:r>
+              <a:rPr lang="zh-TW" altLang="en-US" dirty="0">
+                <a:solidFill>
+                  <a:schemeClr val="tx1"/>
+                </a:solidFill>
+                <a:latin typeface="標楷體" panose="03000509000000000000" pitchFamily="65" charset="-120"/>
+                <a:ea typeface="標楷體" panose="03000509000000000000" pitchFamily="65" charset="-120"/>
+              </a:rPr>
+              <a:t> </a:t>
+            </a:r>
+            <a:r>
+              <a:rPr lang="en-US" altLang="zh-TW" dirty="0">
+                <a:solidFill>
+                  <a:schemeClr val="tx1"/>
+                </a:solidFill>
+                <a:latin typeface="標楷體" panose="03000509000000000000" pitchFamily="65" charset="-120"/>
+                <a:ea typeface="標楷體" panose="03000509000000000000" pitchFamily="65" charset="-120"/>
+              </a:rPr>
+              <a:t>Public, </a:t>
+            </a:r>
+            <a:r>
+              <a:rPr lang="zh-TW" altLang="en-US" dirty="0">
+                <a:solidFill>
+                  <a:schemeClr val="tx1"/>
+                </a:solidFill>
+                <a:latin typeface="標楷體" panose="03000509000000000000" pitchFamily="65" charset="-120"/>
+                <a:ea typeface="標楷體" panose="03000509000000000000" pitchFamily="65" charset="-120"/>
+              </a:rPr>
+              <a:t>公共</a:t>
+            </a:r>
+            <a:r>
+              <a:rPr lang="en-US" altLang="zh-TW" dirty="0">
+                <a:solidFill>
+                  <a:schemeClr val="tx1"/>
+                </a:solidFill>
+                <a:latin typeface="標楷體" panose="03000509000000000000" pitchFamily="65" charset="-120"/>
+                <a:ea typeface="標楷體" panose="03000509000000000000" pitchFamily="65" charset="-120"/>
+              </a:rPr>
+              <a:t>(</a:t>
+            </a:r>
+            <a:r>
+              <a:rPr lang="zh-TW" altLang="en-US" dirty="0">
+                <a:solidFill>
+                  <a:schemeClr val="tx1"/>
+                </a:solidFill>
+                <a:latin typeface="標楷體" panose="03000509000000000000" pitchFamily="65" charset="-120"/>
+                <a:ea typeface="標楷體" panose="03000509000000000000" pitchFamily="65" charset="-120"/>
+              </a:rPr>
+              <a:t>任何物件都可以使用</a:t>
+            </a:r>
+            <a:r>
+              <a:rPr lang="en-US" altLang="zh-TW" dirty="0">
+                <a:solidFill>
+                  <a:schemeClr val="tx1"/>
+                </a:solidFill>
+                <a:latin typeface="標楷體" panose="03000509000000000000" pitchFamily="65" charset="-120"/>
+                <a:ea typeface="標楷體" panose="03000509000000000000" pitchFamily="65" charset="-120"/>
+              </a:rPr>
+              <a:t>)</a:t>
+            </a:r>
+            <a:br>
+              <a:rPr lang="zh-TW" altLang="en-US" dirty="0">
+                <a:solidFill>
+                  <a:schemeClr val="tx1"/>
+                </a:solidFill>
+                <a:latin typeface="標楷體" panose="03000509000000000000" pitchFamily="65" charset="-120"/>
+                <a:ea typeface="標楷體" panose="03000509000000000000" pitchFamily="65" charset="-120"/>
+              </a:rPr>
+            </a:br>
+            <a:r>
+              <a:rPr lang="en-US" altLang="zh-TW" sz="2000" dirty="0">
+                <a:solidFill>
+                  <a:schemeClr val="tx1"/>
+                </a:solidFill>
+                <a:highlight>
+                  <a:srgbClr val="FFFF00"/>
+                </a:highlight>
+                <a:latin typeface="標楷體" panose="03000509000000000000" pitchFamily="65" charset="-120"/>
+                <a:ea typeface="標楷體" panose="03000509000000000000" pitchFamily="65" charset="-120"/>
+              </a:rPr>
+              <a:t>-</a:t>
+            </a:r>
+            <a:r>
+              <a:rPr lang="zh-TW" altLang="en-US" dirty="0">
+                <a:solidFill>
+                  <a:schemeClr val="tx1"/>
+                </a:solidFill>
+                <a:latin typeface="標楷體" panose="03000509000000000000" pitchFamily="65" charset="-120"/>
+                <a:ea typeface="標楷體" panose="03000509000000000000" pitchFamily="65" charset="-120"/>
+              </a:rPr>
+              <a:t>  </a:t>
+            </a:r>
+            <a:r>
+              <a:rPr lang="en-US" altLang="zh-TW" dirty="0">
+                <a:solidFill>
+                  <a:schemeClr val="tx1"/>
+                </a:solidFill>
+                <a:latin typeface="標楷體" panose="03000509000000000000" pitchFamily="65" charset="-120"/>
+                <a:ea typeface="標楷體" panose="03000509000000000000" pitchFamily="65" charset="-120"/>
+              </a:rPr>
+              <a:t>Private, </a:t>
+            </a:r>
+            <a:r>
+              <a:rPr lang="zh-TW" altLang="en-US" dirty="0">
+                <a:solidFill>
+                  <a:schemeClr val="tx1"/>
+                </a:solidFill>
+                <a:latin typeface="標楷體" panose="03000509000000000000" pitchFamily="65" charset="-120"/>
+                <a:ea typeface="標楷體" panose="03000509000000000000" pitchFamily="65" charset="-120"/>
+              </a:rPr>
+              <a:t>私有</a:t>
+            </a:r>
+            <a:r>
+              <a:rPr lang="en-US" altLang="zh-TW" dirty="0">
+                <a:solidFill>
+                  <a:schemeClr val="tx1"/>
+                </a:solidFill>
+                <a:latin typeface="標楷體" panose="03000509000000000000" pitchFamily="65" charset="-120"/>
+                <a:ea typeface="標楷體" panose="03000509000000000000" pitchFamily="65" charset="-120"/>
+              </a:rPr>
+              <a:t>(</a:t>
+            </a:r>
+            <a:r>
+              <a:rPr lang="zh-TW" altLang="en-US" dirty="0">
+                <a:solidFill>
+                  <a:schemeClr val="tx1"/>
+                </a:solidFill>
+                <a:latin typeface="標楷體" panose="03000509000000000000" pitchFamily="65" charset="-120"/>
+                <a:ea typeface="標楷體" panose="03000509000000000000" pitchFamily="65" charset="-120"/>
+              </a:rPr>
+              <a:t>只有該物件內部可以存</a:t>
+            </a:r>
+            <a:r>
+              <a:rPr lang="en-US" altLang="zh-TW" dirty="0">
+                <a:solidFill>
+                  <a:schemeClr val="tx1"/>
+                </a:solidFill>
+                <a:latin typeface="標楷體" panose="03000509000000000000" pitchFamily="65" charset="-120"/>
+                <a:ea typeface="標楷體" panose="03000509000000000000" pitchFamily="65" charset="-120"/>
+              </a:rPr>
+              <a:t>	</a:t>
+            </a:r>
+            <a:r>
+              <a:rPr lang="zh-TW" altLang="en-US" dirty="0">
+                <a:solidFill>
+                  <a:schemeClr val="tx1"/>
+                </a:solidFill>
+                <a:latin typeface="標楷體" panose="03000509000000000000" pitchFamily="65" charset="-120"/>
+                <a:ea typeface="標楷體" panose="03000509000000000000" pitchFamily="65" charset="-120"/>
+              </a:rPr>
+              <a:t>取使用</a:t>
+            </a:r>
+            <a:r>
+              <a:rPr lang="en-US" altLang="zh-TW" dirty="0">
+                <a:solidFill>
+                  <a:schemeClr val="tx1"/>
+                </a:solidFill>
+                <a:latin typeface="標楷體" panose="03000509000000000000" pitchFamily="65" charset="-120"/>
+                <a:ea typeface="標楷體" panose="03000509000000000000" pitchFamily="65" charset="-120"/>
+              </a:rPr>
+              <a:t>)</a:t>
+            </a:r>
+            <a:br>
+              <a:rPr lang="zh-TW" altLang="en-US" dirty="0">
+                <a:solidFill>
+                  <a:schemeClr val="tx1"/>
+                </a:solidFill>
+                <a:latin typeface="標楷體" panose="03000509000000000000" pitchFamily="65" charset="-120"/>
+                <a:ea typeface="標楷體" panose="03000509000000000000" pitchFamily="65" charset="-120"/>
+              </a:rPr>
+            </a:br>
+            <a:r>
+              <a:rPr lang="en-US" altLang="zh-TW" sz="2000" dirty="0">
+                <a:solidFill>
+                  <a:schemeClr val="tx1"/>
+                </a:solidFill>
+                <a:highlight>
+                  <a:srgbClr val="FFFF00"/>
+                </a:highlight>
+                <a:latin typeface="標楷體" panose="03000509000000000000" pitchFamily="65" charset="-120"/>
+                <a:ea typeface="標楷體" panose="03000509000000000000" pitchFamily="65" charset="-120"/>
+              </a:rPr>
+              <a:t>#</a:t>
+            </a:r>
+            <a:r>
+              <a:rPr lang="en-US" altLang="zh-TW" dirty="0">
+                <a:solidFill>
+                  <a:schemeClr val="tx1"/>
+                </a:solidFill>
+                <a:latin typeface="標楷體" panose="03000509000000000000" pitchFamily="65" charset="-120"/>
+                <a:ea typeface="標楷體" panose="03000509000000000000" pitchFamily="65" charset="-120"/>
+              </a:rPr>
+              <a:t> </a:t>
+            </a:r>
+            <a:r>
+              <a:rPr lang="zh-TW" altLang="en-US" dirty="0">
+                <a:solidFill>
+                  <a:schemeClr val="tx1"/>
+                </a:solidFill>
+                <a:latin typeface="標楷體" panose="03000509000000000000" pitchFamily="65" charset="-120"/>
+                <a:ea typeface="標楷體" panose="03000509000000000000" pitchFamily="65" charset="-120"/>
+              </a:rPr>
+              <a:t> </a:t>
+            </a:r>
+            <a:r>
+              <a:rPr lang="en-US" altLang="zh-TW" dirty="0">
+                <a:solidFill>
+                  <a:schemeClr val="tx1"/>
+                </a:solidFill>
+                <a:latin typeface="標楷體" panose="03000509000000000000" pitchFamily="65" charset="-120"/>
+                <a:ea typeface="標楷體" panose="03000509000000000000" pitchFamily="65" charset="-120"/>
+              </a:rPr>
+              <a:t>Protected, </a:t>
+            </a:r>
+            <a:r>
+              <a:rPr lang="zh-TW" altLang="en-US" dirty="0">
+                <a:solidFill>
+                  <a:schemeClr val="tx1"/>
+                </a:solidFill>
+                <a:latin typeface="標楷體" panose="03000509000000000000" pitchFamily="65" charset="-120"/>
+                <a:ea typeface="標楷體" panose="03000509000000000000" pitchFamily="65" charset="-120"/>
+              </a:rPr>
+              <a:t>保護</a:t>
+            </a:r>
+            <a:r>
+              <a:rPr lang="en-US" altLang="zh-TW" dirty="0">
+                <a:solidFill>
+                  <a:schemeClr val="tx1"/>
+                </a:solidFill>
+                <a:latin typeface="標楷體" panose="03000509000000000000" pitchFamily="65" charset="-120"/>
+                <a:ea typeface="標楷體" panose="03000509000000000000" pitchFamily="65" charset="-120"/>
+              </a:rPr>
+              <a:t>(</a:t>
+            </a:r>
+            <a:r>
+              <a:rPr lang="zh-TW" altLang="en-US" dirty="0">
+                <a:solidFill>
+                  <a:schemeClr val="tx1"/>
+                </a:solidFill>
+                <a:latin typeface="標楷體" panose="03000509000000000000" pitchFamily="65" charset="-120"/>
+                <a:ea typeface="標楷體" panose="03000509000000000000" pitchFamily="65" charset="-120"/>
+              </a:rPr>
+              <a:t>只有該物件和該物件繼承的子物件可以存取使用</a:t>
+            </a:r>
+            <a:r>
+              <a:rPr lang="en-US" altLang="zh-TW" dirty="0">
+                <a:solidFill>
+                  <a:schemeClr val="tx1"/>
+                </a:solidFill>
+                <a:latin typeface="標楷體" panose="03000509000000000000" pitchFamily="65" charset="-120"/>
+                <a:ea typeface="標楷體" panose="03000509000000000000" pitchFamily="65" charset="-120"/>
+              </a:rPr>
+              <a:t>)</a:t>
+            </a:r>
+          </a:p>
+          <a:p>
+            <a:r>
+              <a:rPr lang="en-US" altLang="zh-TW" dirty="0">
+                <a:solidFill>
+                  <a:schemeClr val="tx1"/>
+                </a:solidFill>
+                <a:latin typeface="標楷體" panose="03000509000000000000" pitchFamily="65" charset="-120"/>
+                <a:ea typeface="標楷體" panose="03000509000000000000" pitchFamily="65" charset="-120"/>
+              </a:rPr>
+              <a:t> </a:t>
+            </a:r>
+          </a:p>
+          <a:p>
+            <a:r>
+              <a:rPr lang="zh-TW" altLang="en-US" dirty="0">
+                <a:solidFill>
+                  <a:schemeClr val="tx1"/>
+                </a:solidFill>
+                <a:latin typeface="標楷體" panose="03000509000000000000" pitchFamily="65" charset="-120"/>
+                <a:ea typeface="標楷體" panose="03000509000000000000" pitchFamily="65" charset="-120"/>
+              </a:rPr>
+              <a:t>手機有什麼屬性？（特徵、資料）</a:t>
+            </a:r>
+          </a:p>
+          <a:p>
+            <a:r>
+              <a:rPr lang="zh-TW" altLang="en-US" dirty="0">
+                <a:solidFill>
+                  <a:schemeClr val="tx1"/>
+                </a:solidFill>
+                <a:latin typeface="標楷體" panose="03000509000000000000" pitchFamily="65" charset="-120"/>
+                <a:ea typeface="標楷體" panose="03000509000000000000" pitchFamily="65" charset="-120"/>
+              </a:rPr>
+              <a:t>品牌：例如 </a:t>
+            </a:r>
+            <a:r>
+              <a:rPr lang="en-US" altLang="zh-TW" dirty="0">
+                <a:solidFill>
+                  <a:schemeClr val="tx1"/>
+                </a:solidFill>
+                <a:latin typeface="標楷體" panose="03000509000000000000" pitchFamily="65" charset="-120"/>
+                <a:ea typeface="標楷體" panose="03000509000000000000" pitchFamily="65" charset="-120"/>
+              </a:rPr>
+              <a:t>Apple</a:t>
+            </a:r>
+            <a:r>
+              <a:rPr lang="zh-TW" altLang="en-US" dirty="0">
+                <a:solidFill>
+                  <a:schemeClr val="tx1"/>
+                </a:solidFill>
+                <a:latin typeface="標楷體" panose="03000509000000000000" pitchFamily="65" charset="-120"/>
+                <a:ea typeface="標楷體" panose="03000509000000000000" pitchFamily="65" charset="-120"/>
+              </a:rPr>
+              <a:t>、</a:t>
+            </a:r>
+            <a:r>
+              <a:rPr lang="en-US" altLang="zh-TW" dirty="0">
+                <a:solidFill>
+                  <a:schemeClr val="tx1"/>
+                </a:solidFill>
+                <a:latin typeface="標楷體" panose="03000509000000000000" pitchFamily="65" charset="-120"/>
+                <a:ea typeface="標楷體" panose="03000509000000000000" pitchFamily="65" charset="-120"/>
+              </a:rPr>
+              <a:t>Samsung(</a:t>
+            </a:r>
+            <a:r>
+              <a:rPr lang="zh-TW" altLang="en-US" dirty="0">
+                <a:solidFill>
+                  <a:schemeClr val="tx1"/>
+                </a:solidFill>
+                <a:latin typeface="標楷體" panose="03000509000000000000" pitchFamily="65" charset="-120"/>
+                <a:ea typeface="標楷體" panose="03000509000000000000" pitchFamily="65" charset="-120"/>
+              </a:rPr>
+              <a:t>私有</a:t>
+            </a:r>
+            <a:r>
+              <a:rPr lang="en-US" altLang="zh-TW" dirty="0">
+                <a:solidFill>
+                  <a:schemeClr val="tx1"/>
+                </a:solidFill>
+                <a:latin typeface="標楷體" panose="03000509000000000000" pitchFamily="65" charset="-120"/>
+                <a:ea typeface="標楷體" panose="03000509000000000000" pitchFamily="65" charset="-120"/>
+              </a:rPr>
+              <a:t>-</a:t>
+            </a:r>
+            <a:r>
+              <a:rPr lang="zh-TW" altLang="en-US" dirty="0">
+                <a:solidFill>
+                  <a:schemeClr val="tx1"/>
+                </a:solidFill>
+                <a:latin typeface="標楷體" panose="03000509000000000000" pitchFamily="65" charset="-120"/>
+                <a:ea typeface="標楷體" panose="03000509000000000000" pitchFamily="65" charset="-120"/>
+              </a:rPr>
+              <a:t>不改變</a:t>
+            </a:r>
+            <a:r>
+              <a:rPr lang="en-US" altLang="zh-TW" dirty="0">
+                <a:solidFill>
+                  <a:schemeClr val="tx1"/>
+                </a:solidFill>
+                <a:latin typeface="標楷體" panose="03000509000000000000" pitchFamily="65" charset="-120"/>
+                <a:ea typeface="標楷體" panose="03000509000000000000" pitchFamily="65" charset="-120"/>
+              </a:rPr>
+              <a:t>)</a:t>
+            </a:r>
+          </a:p>
+          <a:p>
+            <a:r>
+              <a:rPr lang="zh-TW" altLang="en-US" dirty="0">
+                <a:solidFill>
+                  <a:schemeClr val="tx1"/>
+                </a:solidFill>
+                <a:latin typeface="標楷體" panose="03000509000000000000" pitchFamily="65" charset="-120"/>
+                <a:ea typeface="標楷體" panose="03000509000000000000" pitchFamily="65" charset="-120"/>
+              </a:rPr>
+              <a:t>型號：例如 </a:t>
+            </a:r>
+            <a:r>
+              <a:rPr lang="en-US" altLang="zh-TW" dirty="0">
+                <a:solidFill>
+                  <a:schemeClr val="tx1"/>
+                </a:solidFill>
+                <a:latin typeface="標楷體" panose="03000509000000000000" pitchFamily="65" charset="-120"/>
+                <a:ea typeface="標楷體" panose="03000509000000000000" pitchFamily="65" charset="-120"/>
+              </a:rPr>
+              <a:t>iPhone 15</a:t>
+            </a:r>
+            <a:r>
+              <a:rPr lang="zh-TW" altLang="en-US" dirty="0">
+                <a:solidFill>
+                  <a:schemeClr val="tx1"/>
+                </a:solidFill>
+                <a:latin typeface="標楷體" panose="03000509000000000000" pitchFamily="65" charset="-120"/>
+                <a:ea typeface="標楷體" panose="03000509000000000000" pitchFamily="65" charset="-120"/>
+              </a:rPr>
+              <a:t>、</a:t>
+            </a:r>
+            <a:r>
+              <a:rPr lang="en-US" altLang="zh-TW" dirty="0">
+                <a:solidFill>
+                  <a:schemeClr val="tx1"/>
+                </a:solidFill>
+                <a:latin typeface="標楷體" panose="03000509000000000000" pitchFamily="65" charset="-120"/>
+                <a:ea typeface="標楷體" panose="03000509000000000000" pitchFamily="65" charset="-120"/>
+              </a:rPr>
+              <a:t>Galaxy S23</a:t>
+            </a:r>
+          </a:p>
+          <a:p>
+            <a:r>
+              <a:rPr lang="en-US" altLang="zh-TW" dirty="0">
+                <a:solidFill>
+                  <a:schemeClr val="tx1"/>
+                </a:solidFill>
+                <a:latin typeface="標楷體" panose="03000509000000000000" pitchFamily="65" charset="-120"/>
+                <a:ea typeface="標楷體" panose="03000509000000000000" pitchFamily="65" charset="-120"/>
+              </a:rPr>
+              <a:t>	(</a:t>
+            </a:r>
+            <a:r>
+              <a:rPr lang="zh-TW" altLang="en-US" dirty="0">
+                <a:solidFill>
+                  <a:schemeClr val="tx1"/>
+                </a:solidFill>
+                <a:latin typeface="標楷體" panose="03000509000000000000" pitchFamily="65" charset="-120"/>
+                <a:ea typeface="標楷體" panose="03000509000000000000" pitchFamily="65" charset="-120"/>
+              </a:rPr>
+              <a:t>私有固定不變</a:t>
+            </a:r>
+            <a:r>
+              <a:rPr lang="en-US" altLang="zh-TW" dirty="0">
+                <a:solidFill>
+                  <a:schemeClr val="tx1"/>
+                </a:solidFill>
+                <a:latin typeface="標楷體" panose="03000509000000000000" pitchFamily="65" charset="-120"/>
+                <a:ea typeface="標楷體" panose="03000509000000000000" pitchFamily="65" charset="-120"/>
+              </a:rPr>
+              <a:t>)</a:t>
+            </a:r>
+          </a:p>
+          <a:p>
+            <a:r>
+              <a:rPr lang="zh-TW" altLang="en-US" dirty="0">
+                <a:solidFill>
+                  <a:schemeClr val="tx1"/>
+                </a:solidFill>
+                <a:latin typeface="標楷體" panose="03000509000000000000" pitchFamily="65" charset="-120"/>
+                <a:ea typeface="標楷體" panose="03000509000000000000" pitchFamily="65" charset="-120"/>
+              </a:rPr>
+              <a:t>顏色：例如 黑色、白色</a:t>
+            </a:r>
+            <a:r>
+              <a:rPr lang="en-US" altLang="zh-TW" dirty="0">
+                <a:solidFill>
+                  <a:schemeClr val="tx1"/>
+                </a:solidFill>
+                <a:latin typeface="標楷體" panose="03000509000000000000" pitchFamily="65" charset="-120"/>
+                <a:ea typeface="標楷體" panose="03000509000000000000" pitchFamily="65" charset="-120"/>
+              </a:rPr>
+              <a:t>(</a:t>
+            </a:r>
+            <a:r>
+              <a:rPr lang="zh-TW" altLang="en-US" dirty="0">
+                <a:solidFill>
+                  <a:schemeClr val="tx1"/>
+                </a:solidFill>
+                <a:latin typeface="標楷體" panose="03000509000000000000" pitchFamily="65" charset="-120"/>
+                <a:ea typeface="標楷體" panose="03000509000000000000" pitchFamily="65" charset="-120"/>
+              </a:rPr>
+              <a:t>保護</a:t>
+            </a:r>
+            <a:r>
+              <a:rPr lang="en-US" altLang="zh-TW" dirty="0">
+                <a:solidFill>
+                  <a:schemeClr val="tx1"/>
+                </a:solidFill>
+                <a:latin typeface="標楷體" panose="03000509000000000000" pitchFamily="65" charset="-120"/>
+                <a:ea typeface="標楷體" panose="03000509000000000000" pitchFamily="65" charset="-120"/>
+              </a:rPr>
+              <a:t>-</a:t>
+            </a:r>
+            <a:r>
+              <a:rPr lang="zh-TW" altLang="en-US" dirty="0">
+                <a:solidFill>
+                  <a:schemeClr val="tx1"/>
+                </a:solidFill>
+                <a:latin typeface="標楷體" panose="03000509000000000000" pitchFamily="65" charset="-120"/>
+                <a:ea typeface="標楷體" panose="03000509000000000000" pitchFamily="65" charset="-120"/>
+              </a:rPr>
+              <a:t>讓子類別改</a:t>
+            </a:r>
+            <a:r>
+              <a:rPr lang="en-US" altLang="zh-TW" dirty="0">
+                <a:solidFill>
+                  <a:schemeClr val="tx1"/>
+                </a:solidFill>
+                <a:latin typeface="標楷體" panose="03000509000000000000" pitchFamily="65" charset="-120"/>
+                <a:ea typeface="標楷體" panose="03000509000000000000" pitchFamily="65" charset="-120"/>
+              </a:rPr>
+              <a:t>)</a:t>
+            </a:r>
+            <a:endParaRPr lang="zh-TW" altLang="en-US" dirty="0">
+              <a:solidFill>
+                <a:schemeClr val="tx1"/>
+              </a:solidFill>
+              <a:latin typeface="標楷體" panose="03000509000000000000" pitchFamily="65" charset="-120"/>
+              <a:ea typeface="標楷體" panose="03000509000000000000" pitchFamily="65" charset="-120"/>
+            </a:endParaRPr>
+          </a:p>
+          <a:p>
+            <a:r>
+              <a:rPr lang="zh-TW" altLang="en-US" dirty="0">
+                <a:solidFill>
+                  <a:schemeClr val="tx1"/>
+                </a:solidFill>
+                <a:latin typeface="標楷體" panose="03000509000000000000" pitchFamily="65" charset="-120"/>
+                <a:ea typeface="標楷體" panose="03000509000000000000" pitchFamily="65" charset="-120"/>
+              </a:rPr>
+              <a:t>電量：</a:t>
+            </a:r>
+            <a:r>
+              <a:rPr lang="en-US" altLang="zh-TW" dirty="0">
+                <a:solidFill>
+                  <a:schemeClr val="tx1"/>
+                </a:solidFill>
+                <a:latin typeface="標楷體" panose="03000509000000000000" pitchFamily="65" charset="-120"/>
+                <a:ea typeface="標楷體" panose="03000509000000000000" pitchFamily="65" charset="-120"/>
+              </a:rPr>
+              <a:t>0% </a:t>
+            </a:r>
+            <a:r>
+              <a:rPr lang="zh-TW" altLang="en-US" dirty="0">
+                <a:solidFill>
+                  <a:schemeClr val="tx1"/>
+                </a:solidFill>
+                <a:latin typeface="標楷體" panose="03000509000000000000" pitchFamily="65" charset="-120"/>
+                <a:ea typeface="標楷體" panose="03000509000000000000" pitchFamily="65" charset="-120"/>
+              </a:rPr>
+              <a:t>到 </a:t>
+            </a:r>
+            <a:r>
+              <a:rPr lang="en-US" altLang="zh-TW" dirty="0">
+                <a:solidFill>
+                  <a:schemeClr val="tx1"/>
+                </a:solidFill>
+                <a:latin typeface="標楷體" panose="03000509000000000000" pitchFamily="65" charset="-120"/>
+                <a:ea typeface="標楷體" panose="03000509000000000000" pitchFamily="65" charset="-120"/>
+              </a:rPr>
+              <a:t>100%(</a:t>
+            </a:r>
+            <a:r>
+              <a:rPr lang="zh-TW" altLang="en-US" dirty="0">
+                <a:solidFill>
+                  <a:schemeClr val="tx1"/>
+                </a:solidFill>
+                <a:latin typeface="標楷體" panose="03000509000000000000" pitchFamily="65" charset="-120"/>
+                <a:ea typeface="標楷體" panose="03000509000000000000" pitchFamily="65" charset="-120"/>
+              </a:rPr>
+              <a:t>私有</a:t>
+            </a:r>
+            <a:r>
+              <a:rPr lang="en-US" altLang="zh-TW" dirty="0">
+                <a:solidFill>
+                  <a:schemeClr val="tx1"/>
+                </a:solidFill>
+                <a:latin typeface="標楷體" panose="03000509000000000000" pitchFamily="65" charset="-120"/>
+                <a:ea typeface="標楷體" panose="03000509000000000000" pitchFamily="65" charset="-120"/>
+              </a:rPr>
+              <a:t>-</a:t>
+            </a:r>
+            <a:r>
+              <a:rPr lang="zh-TW" altLang="en-US" dirty="0">
+                <a:solidFill>
+                  <a:schemeClr val="tx1"/>
+                </a:solidFill>
+                <a:latin typeface="標楷體" panose="03000509000000000000" pitchFamily="65" charset="-120"/>
+                <a:ea typeface="標楷體" panose="03000509000000000000" pitchFamily="65" charset="-120"/>
+              </a:rPr>
+              <a:t>不應直接修改</a:t>
+            </a:r>
+            <a:r>
+              <a:rPr lang="en-US" altLang="zh-TW" dirty="0">
+                <a:solidFill>
+                  <a:schemeClr val="tx1"/>
+                </a:solidFill>
+                <a:latin typeface="標楷體" panose="03000509000000000000" pitchFamily="65" charset="-120"/>
+                <a:ea typeface="標楷體" panose="03000509000000000000" pitchFamily="65" charset="-120"/>
+              </a:rPr>
+              <a:t>)</a:t>
+            </a:r>
+          </a:p>
+        </p:txBody>
+      </p:sp>
+      <p:sp>
+        <p:nvSpPr>
+          <p:cNvPr id="17" name="語音泡泡: 圓角矩形 16">
+            <a:extLst>
+              <a:ext uri="{FF2B5EF4-FFF2-40B4-BE49-F238E27FC236}">
+                <a16:creationId xmlns:a16="http://schemas.microsoft.com/office/drawing/2014/main" id="{2948A778-D381-4B19-B008-18A7956E38EC}"/>
+              </a:ext>
+            </a:extLst>
+          </p:cNvPr>
+          <p:cNvSpPr/>
+          <p:nvPr/>
+        </p:nvSpPr>
+        <p:spPr>
+          <a:xfrm>
+            <a:off x="365305" y="4944140"/>
+            <a:ext cx="4049845" cy="1556540"/>
+          </a:xfrm>
+          <a:prstGeom prst="wedgeRoundRectCallout">
+            <a:avLst>
+              <a:gd name="adj1" fmla="val 56034"/>
+              <a:gd name="adj2" fmla="val 2642"/>
+              <a:gd name="adj3" fmla="val 16667"/>
+            </a:avLst>
+          </a:prstGeom>
+          <a:noFill/>
+        </p:spPr>
+        <p:style>
+          <a:lnRef idx="2">
+            <a:schemeClr val="accent1">
+              <a:shade val="50000"/>
+            </a:schemeClr>
+          </a:lnRef>
+          <a:fillRef idx="1">
+            <a:schemeClr val="accent1"/>
+          </a:fillRef>
+          <a:effectRef idx="0">
+            <a:schemeClr val="accent1"/>
+          </a:effectRef>
+          <a:fontRef idx="minor">
+            <a:schemeClr val="lt1"/>
+          </a:fontRef>
+        </p:style>
+        <p:txBody>
+          <a:bodyPr rtlCol="0" anchor="ctr"/>
+          <a:lstStyle/>
+          <a:p>
+            <a:pPr algn="ctr"/>
+            <a:r>
+              <a:rPr lang="en-US" altLang="zh-TW" b="1" dirty="0">
+                <a:solidFill>
+                  <a:schemeClr val="tx1"/>
+                </a:solidFill>
+                <a:latin typeface="標楷體" panose="03000509000000000000" pitchFamily="65" charset="-120"/>
+                <a:ea typeface="標楷體" panose="03000509000000000000" pitchFamily="65" charset="-120"/>
+              </a:rPr>
+              <a:t>Methods— </a:t>
+            </a:r>
+            <a:r>
+              <a:rPr lang="zh-TW" altLang="en-US" b="1" dirty="0">
+                <a:solidFill>
+                  <a:schemeClr val="tx1"/>
+                </a:solidFill>
+                <a:latin typeface="標楷體" panose="03000509000000000000" pitchFamily="65" charset="-120"/>
+                <a:ea typeface="標楷體" panose="03000509000000000000" pitchFamily="65" charset="-120"/>
+              </a:rPr>
+              <a:t>步驟方法</a:t>
+            </a:r>
+            <a:r>
+              <a:rPr lang="en-US" altLang="zh-TW" b="1" dirty="0">
+                <a:solidFill>
+                  <a:schemeClr val="tx1"/>
+                </a:solidFill>
+                <a:latin typeface="標楷體" panose="03000509000000000000" pitchFamily="65" charset="-120"/>
+                <a:ea typeface="標楷體" panose="03000509000000000000" pitchFamily="65" charset="-120"/>
+              </a:rPr>
+              <a:t>(</a:t>
+            </a:r>
+            <a:r>
+              <a:rPr lang="zh-TW" altLang="en-US" b="1" dirty="0">
+                <a:solidFill>
+                  <a:schemeClr val="tx1"/>
+                </a:solidFill>
+                <a:latin typeface="標楷體" panose="03000509000000000000" pitchFamily="65" charset="-120"/>
+                <a:ea typeface="標楷體" panose="03000509000000000000" pitchFamily="65" charset="-120"/>
+              </a:rPr>
+              <a:t>前端頁面</a:t>
+            </a:r>
+            <a:r>
+              <a:rPr lang="en-US" altLang="zh-TW" b="1" dirty="0">
+                <a:solidFill>
+                  <a:schemeClr val="tx1"/>
+                </a:solidFill>
+                <a:latin typeface="標楷體" panose="03000509000000000000" pitchFamily="65" charset="-120"/>
+                <a:ea typeface="標楷體" panose="03000509000000000000" pitchFamily="65" charset="-120"/>
+              </a:rPr>
+              <a:t>)</a:t>
+            </a:r>
+          </a:p>
+          <a:p>
+            <a:pPr algn="ctr"/>
+            <a:r>
+              <a:rPr lang="zh-TW" altLang="en-US" dirty="0">
+                <a:solidFill>
+                  <a:schemeClr val="tx1"/>
+                </a:solidFill>
+                <a:latin typeface="標楷體" panose="03000509000000000000" pitchFamily="65" charset="-120"/>
+                <a:ea typeface="標楷體" panose="03000509000000000000" pitchFamily="65" charset="-120"/>
+              </a:rPr>
+              <a:t>冒號後表示回傳值（置左且首字小寫）</a:t>
+            </a:r>
+            <a:endParaRPr lang="en-US" altLang="zh-TW" dirty="0">
+              <a:solidFill>
+                <a:schemeClr val="tx1"/>
+              </a:solidFill>
+              <a:latin typeface="標楷體" panose="03000509000000000000" pitchFamily="65" charset="-120"/>
+              <a:ea typeface="標楷體" panose="03000509000000000000" pitchFamily="65" charset="-120"/>
+            </a:endParaRPr>
+          </a:p>
+          <a:p>
+            <a:pPr algn="ctr"/>
+            <a:endParaRPr lang="en-US" altLang="zh-TW" dirty="0">
+              <a:solidFill>
+                <a:schemeClr val="tx1"/>
+              </a:solidFill>
+              <a:latin typeface="標楷體" panose="03000509000000000000" pitchFamily="65" charset="-120"/>
+              <a:ea typeface="標楷體" panose="03000509000000000000" pitchFamily="65" charset="-120"/>
+            </a:endParaRPr>
+          </a:p>
+          <a:p>
+            <a:r>
+              <a:rPr lang="zh-TW" altLang="en-US" dirty="0">
+                <a:solidFill>
+                  <a:schemeClr val="tx1"/>
+                </a:solidFill>
+                <a:latin typeface="標楷體" panose="03000509000000000000" pitchFamily="65" charset="-120"/>
+                <a:ea typeface="標楷體" panose="03000509000000000000" pitchFamily="65" charset="-120"/>
+              </a:rPr>
+              <a:t>手機可以做什麼？（方法、功能）</a:t>
+            </a:r>
+          </a:p>
+          <a:p>
+            <a:r>
+              <a:rPr lang="zh-TW" altLang="en-US" dirty="0">
+                <a:solidFill>
+                  <a:schemeClr val="tx1"/>
+                </a:solidFill>
+                <a:latin typeface="標楷體" panose="03000509000000000000" pitchFamily="65" charset="-120"/>
+                <a:ea typeface="標楷體" panose="03000509000000000000" pitchFamily="65" charset="-120"/>
+              </a:rPr>
+              <a:t>打電話、充電、拍照、關機</a:t>
+            </a:r>
+          </a:p>
+        </p:txBody>
+      </p:sp>
+      <p:sp>
+        <p:nvSpPr>
+          <p:cNvPr id="13" name="矩形 12">
+            <a:extLst>
+              <a:ext uri="{FF2B5EF4-FFF2-40B4-BE49-F238E27FC236}">
+                <a16:creationId xmlns:a16="http://schemas.microsoft.com/office/drawing/2014/main" id="{B13C1B11-3E50-4B87-82FD-927799B3D633}"/>
+              </a:ext>
+            </a:extLst>
+          </p:cNvPr>
+          <p:cNvSpPr/>
+          <p:nvPr/>
+        </p:nvSpPr>
+        <p:spPr>
+          <a:xfrm>
+            <a:off x="808233" y="897346"/>
+            <a:ext cx="9813444" cy="369332"/>
           </a:xfrm>
           <a:prstGeom prst="rect">
             <a:avLst/>
           </a:prstGeom>
         </p:spPr>
-      </p:pic>
+        <p:txBody>
+          <a:bodyPr wrap="square">
+            <a:spAutoFit/>
+          </a:bodyPr>
+          <a:lstStyle/>
+          <a:p>
+            <a:pPr marL="285750" indent="-285750">
+              <a:buFont typeface="Arial" panose="020B0604020202020204" pitchFamily="34" charset="0"/>
+              <a:buChar char="•"/>
+            </a:pPr>
+            <a:r>
+              <a:rPr lang="zh-TW" altLang="en-US" b="1" dirty="0">
+                <a:latin typeface="標楷體" panose="03000509000000000000" pitchFamily="65" charset="-120"/>
+                <a:ea typeface="標楷體" panose="03000509000000000000" pitchFamily="65" charset="-120"/>
+              </a:rPr>
+              <a:t>類別圖</a:t>
+            </a:r>
+            <a:r>
+              <a:rPr lang="zh-TW" altLang="en-US" dirty="0">
+                <a:latin typeface="標楷體" panose="03000509000000000000" pitchFamily="65" charset="-120"/>
+                <a:ea typeface="標楷體" panose="03000509000000000000" pitchFamily="65" charset="-120"/>
+              </a:rPr>
+              <a:t>：描述系統中的類別、屬性、方法以及類別間的關係（繼承、關聯、聚合）。</a:t>
+            </a:r>
+          </a:p>
+        </p:txBody>
+      </p:sp>
     </p:spTree>
     <p:extLst>
       <p:ext uri="{BB962C8B-B14F-4D97-AF65-F5344CB8AC3E}">
-        <p14:creationId xmlns:p14="http://schemas.microsoft.com/office/powerpoint/2010/main" val="2872744095"/>
+        <p14:creationId xmlns:p14="http://schemas.microsoft.com/office/powerpoint/2010/main" val="1141454917"/>
       </p:ext>
     </p:extLst>
   </p:cSld>
@@ -9578,12 +9908,18 @@
 </p:sld>
 </file>
 
-<file path=ppt/slides/slide5.xml><?xml version="1.0" encoding="utf-8"?>
+<file path=ppt/slides/slide4.xml><?xml version="1.0" encoding="utf-8"?>
 <p:sld xmlns:a="http://schemas.openxmlformats.org/drawingml/2006/main" xmlns:r="http://schemas.openxmlformats.org/officeDocument/2006/relationships" xmlns:p="http://schemas.openxmlformats.org/presentationml/2006/main">
   <p:cSld>
     <p:spTree>
       <p:nvGrpSpPr>
-        <p:cNvPr id="1" name=""/>
+        <p:cNvPr id="1" name="">
+          <a:extLst>
+            <a:ext uri="{FF2B5EF4-FFF2-40B4-BE49-F238E27FC236}">
+              <a16:creationId xmlns:a16="http://schemas.microsoft.com/office/drawing/2014/main" id="{FC3E3613-DD9B-CC6A-EA3C-A7742561092E}"/>
+            </a:ext>
+          </a:extLst>
+        </p:cNvPr>
         <p:cNvGrpSpPr/>
         <p:nvPr/>
       </p:nvGrpSpPr>
@@ -9600,7 +9936,7 @@
           <p:cNvPr id="6" name="矩形: 圆角 1">
             <a:extLst>
               <a:ext uri="{FF2B5EF4-FFF2-40B4-BE49-F238E27FC236}">
-                <a16:creationId xmlns:a16="http://schemas.microsoft.com/office/drawing/2014/main" id="{A494D061-2076-F150-B75C-4CCE5DFBB08F}"/>
+                <a16:creationId xmlns:a16="http://schemas.microsoft.com/office/drawing/2014/main" id="{AB01D58A-45E3-BF12-2E5E-41C15D0BB585}"/>
               </a:ext>
             </a:extLst>
           </p:cNvPr>
@@ -9652,18 +9988,18 @@
             <a:r>
               <a:rPr kumimoji="1" lang="zh-TW" altLang="en-US" sz="3667" dirty="0">
                 <a:solidFill>
-                  <a:srgbClr val="002060"/>
+                  <a:schemeClr val="tx1"/>
                 </a:solidFill>
                 <a:latin typeface="標楷體" panose="03000509000000000000" pitchFamily="65" charset="-120"/>
                 <a:ea typeface="標楷體" panose="03000509000000000000" pitchFamily="65" charset="-120"/>
                 <a:cs typeface="Arial Black" panose="020B0604020202020204" pitchFamily="34" charset="0"/>
                 <a:sym typeface="+mn-lt"/>
               </a:rPr>
-              <a:t>部署圖</a:t>
+              <a:t>設計類別圖</a:t>
             </a:r>
             <a:endParaRPr kumimoji="1" lang="zh-CN" altLang="en-US" sz="3667" dirty="0">
               <a:solidFill>
-                <a:srgbClr val="002060"/>
+                <a:schemeClr val="tx1"/>
               </a:solidFill>
               <a:latin typeface="標楷體" panose="03000509000000000000" pitchFamily="65" charset="-120"/>
               <a:ea typeface="標楷體" panose="03000509000000000000" pitchFamily="65" charset="-120"/>
@@ -9678,7 +10014,7 @@
           <p:cNvPr id="25" name="半框架 24">
             <a:extLst>
               <a:ext uri="{FF2B5EF4-FFF2-40B4-BE49-F238E27FC236}">
-                <a16:creationId xmlns:a16="http://schemas.microsoft.com/office/drawing/2014/main" id="{608795FC-6806-5A96-CD16-3CFDB3BA1241}"/>
+                <a16:creationId xmlns:a16="http://schemas.microsoft.com/office/drawing/2014/main" id="{2D38DF5A-7BFF-7931-E68B-582965D1CC11}"/>
               </a:ext>
             </a:extLst>
           </p:cNvPr>
@@ -9743,7 +10079,7 @@
           <p:cNvPr id="27" name="半框架 26">
             <a:extLst>
               <a:ext uri="{FF2B5EF4-FFF2-40B4-BE49-F238E27FC236}">
-                <a16:creationId xmlns:a16="http://schemas.microsoft.com/office/drawing/2014/main" id="{416C6711-6D38-FD11-A5F9-C2DC6AE3106F}"/>
+                <a16:creationId xmlns:a16="http://schemas.microsoft.com/office/drawing/2014/main" id="{91745545-CD6D-E10E-4F02-BE1BF90F9921}"/>
               </a:ext>
             </a:extLst>
           </p:cNvPr>
@@ -9805,10 +10141,10 @@
       </p:sp>
       <p:sp>
         <p:nvSpPr>
-          <p:cNvPr id="26" name="文字方塊 25">
-            <a:extLst>
-              <a:ext uri="{FF2B5EF4-FFF2-40B4-BE49-F238E27FC236}">
-                <a16:creationId xmlns:a16="http://schemas.microsoft.com/office/drawing/2014/main" id="{95126ADC-BADF-8AE0-4502-9668363B9787}"/>
+          <p:cNvPr id="3" name="文字方塊 2">
+            <a:extLst>
+              <a:ext uri="{FF2B5EF4-FFF2-40B4-BE49-F238E27FC236}">
+                <a16:creationId xmlns:a16="http://schemas.microsoft.com/office/drawing/2014/main" id="{4CC5411B-1CF0-4DD3-F46B-6CE84C188AC4}"/>
               </a:ext>
             </a:extLst>
           </p:cNvPr>
@@ -9817,8 +10153,8 @@
         </p:nvSpPr>
         <p:spPr>
           <a:xfrm>
-            <a:off x="697831" y="916415"/>
-            <a:ext cx="9809139" cy="497380"/>
+            <a:off x="11655706" y="1585732"/>
+            <a:ext cx="184731" cy="369332"/>
           </a:xfrm>
           <a:prstGeom prst="rect">
             <a:avLst/>
@@ -9826,62 +10162,24 @@
           <a:noFill/>
         </p:spPr>
         <p:txBody>
-          <a:bodyPr wrap="square">
+          <a:bodyPr wrap="none" rtlCol="0">
             <a:spAutoFit/>
           </a:bodyPr>
           <a:lstStyle/>
           <a:p>
-            <a:pPr>
-              <a:lnSpc>
-                <a:spcPct val="150000"/>
-              </a:lnSpc>
-              <a:buFont typeface="Arial" panose="020B0604020202020204" pitchFamily="34" charset="0"/>
-              <a:buChar char="•"/>
-            </a:pPr>
-            <a:r>
-              <a:rPr lang="zh-TW" altLang="en-US" b="1" dirty="0">
-                <a:latin typeface="標楷體" panose="03000509000000000000" pitchFamily="65" charset="-120"/>
-                <a:ea typeface="標楷體" panose="03000509000000000000" pitchFamily="65" charset="-120"/>
-              </a:rPr>
-              <a:t>部署圖</a:t>
-            </a:r>
-            <a:r>
-              <a:rPr lang="zh-TW" altLang="en" sz="2000" b="0" i="0" u="none" strike="noStrike" dirty="0">
-                <a:solidFill>
-                  <a:srgbClr val="000000"/>
-                </a:solidFill>
-                <a:effectLst/>
-                <a:latin typeface="標楷體" panose="03000509000000000000" pitchFamily="65" charset="-120"/>
-                <a:ea typeface="標楷體" panose="03000509000000000000" pitchFamily="65" charset="-120"/>
-                <a:cs typeface="Arial Unicode MS" panose="020B0604020202020204" pitchFamily="34" charset="-128"/>
-              </a:rPr>
-              <a:t>：</a:t>
-            </a:r>
-            <a:r>
-              <a:rPr lang="zh-TW" altLang="en-US" dirty="0">
-                <a:latin typeface="標楷體" panose="03000509000000000000" pitchFamily="65" charset="-120"/>
-                <a:ea typeface="標楷體" panose="03000509000000000000" pitchFamily="65" charset="-120"/>
-              </a:rPr>
-              <a:t>也稱為實作圖，它和元件圖一樣，是物件導向系統的物理方面建模的兩種圖之一。</a:t>
-            </a:r>
-            <a:endParaRPr lang="zh-TW" altLang="en-US" sz="2000" b="0" i="0" u="none" strike="noStrike" dirty="0">
-              <a:solidFill>
-                <a:srgbClr val="000000"/>
-              </a:solidFill>
-              <a:effectLst/>
+            <a:endParaRPr kumimoji="1" lang="zh-TW" altLang="en-US" dirty="0">
               <a:latin typeface="標楷體" panose="03000509000000000000" pitchFamily="65" charset="-120"/>
               <a:ea typeface="標楷體" panose="03000509000000000000" pitchFamily="65" charset="-120"/>
-              <a:cs typeface="Arial Unicode MS" panose="020B0604020202020204" pitchFamily="34" charset="-128"/>
             </a:endParaRPr>
           </a:p>
         </p:txBody>
       </p:sp>
       <p:pic>
         <p:nvPicPr>
-          <p:cNvPr id="3" name="圖片 2">
-            <a:extLst>
-              <a:ext uri="{FF2B5EF4-FFF2-40B4-BE49-F238E27FC236}">
-                <a16:creationId xmlns:a16="http://schemas.microsoft.com/office/drawing/2014/main" id="{B7E9B346-C37F-47BA-99FD-37D031AD0FD7}"/>
+          <p:cNvPr id="11" name="圖片 10">
+            <a:extLst>
+              <a:ext uri="{FF2B5EF4-FFF2-40B4-BE49-F238E27FC236}">
+                <a16:creationId xmlns:a16="http://schemas.microsoft.com/office/drawing/2014/main" id="{C32079C6-A515-443C-AE9E-448DAA84FB6D}"/>
               </a:ext>
             </a:extLst>
           </p:cNvPr>
@@ -9898,8 +10196,8 @@
         </p:blipFill>
         <p:spPr>
           <a:xfrm>
-            <a:off x="2137649" y="1569660"/>
-            <a:ext cx="7916702" cy="4672406"/>
+            <a:off x="372601" y="1821340"/>
+            <a:ext cx="4839128" cy="4262155"/>
           </a:xfrm>
           <a:prstGeom prst="rect">
             <a:avLst/>
@@ -9908,57 +10206,667 @@
       </p:pic>
       <p:sp>
         <p:nvSpPr>
-          <p:cNvPr id="7" name="文字方塊 6">
-            <a:extLst>
-              <a:ext uri="{FF2B5EF4-FFF2-40B4-BE49-F238E27FC236}">
-                <a16:creationId xmlns:a16="http://schemas.microsoft.com/office/drawing/2014/main" id="{157894E8-04E8-4A0B-9D2B-2DB410B6CB17}"/>
-              </a:ext>
-            </a:extLst>
-          </p:cNvPr>
-          <p:cNvSpPr txBox="1"/>
+          <p:cNvPr id="2" name="矩形 1">
+            <a:extLst>
+              <a:ext uri="{FF2B5EF4-FFF2-40B4-BE49-F238E27FC236}">
+                <a16:creationId xmlns:a16="http://schemas.microsoft.com/office/drawing/2014/main" id="{DA859B8E-6E74-4E48-A12F-1376AF131784}"/>
+              </a:ext>
+            </a:extLst>
+          </p:cNvPr>
+          <p:cNvSpPr/>
           <p:nvPr/>
         </p:nvSpPr>
         <p:spPr>
           <a:xfrm>
-            <a:off x="10506970" y="2558265"/>
-            <a:ext cx="2685048" cy="1200329"/>
+            <a:off x="417022" y="3001588"/>
+            <a:ext cx="1261884" cy="307777"/>
           </a:xfrm>
           <a:prstGeom prst="rect">
             <a:avLst/>
           </a:prstGeom>
-          <a:noFill/>
         </p:spPr>
         <p:txBody>
-          <a:bodyPr wrap="square" rtlCol="0">
+          <a:bodyPr wrap="none">
             <a:spAutoFit/>
           </a:bodyPr>
           <a:lstStyle/>
           <a:p>
             <a:r>
-              <a:rPr lang="zh-TW" altLang="en-US" dirty="0">
-                <a:latin typeface="標楷體" panose="03000509000000000000" pitchFamily="65" charset="-120"/>
-                <a:ea typeface="標楷體" panose="03000509000000000000" pitchFamily="65" charset="-120"/>
-              </a:rPr>
-              <a:t>正方體代表每個單獨機器設備</a:t>
-            </a:r>
-            <a:endParaRPr lang="en-US" altLang="zh-TW" dirty="0">
+              <a:rPr lang="zh-TW" altLang="en-US" sz="1400" dirty="0">
+                <a:solidFill>
+                  <a:srgbClr val="242424"/>
+                </a:solidFill>
+                <a:latin typeface="標楷體" panose="03000509000000000000" pitchFamily="65" charset="-120"/>
+                <a:ea typeface="標楷體" panose="03000509000000000000" pitchFamily="65" charset="-120"/>
+              </a:rPr>
+              <a:t>類別間的關係</a:t>
+            </a:r>
+            <a:endParaRPr lang="zh-TW" altLang="en-US" sz="1400" dirty="0">
               <a:latin typeface="標楷體" panose="03000509000000000000" pitchFamily="65" charset="-120"/>
               <a:ea typeface="標楷體" panose="03000509000000000000" pitchFamily="65" charset="-120"/>
             </a:endParaRPr>
           </a:p>
-          <a:p>
-            <a:endParaRPr lang="en-US" altLang="zh-TW" dirty="0">
+        </p:txBody>
+      </p:sp>
+      <p:sp>
+        <p:nvSpPr>
+          <p:cNvPr id="4" name="矩形 3">
+            <a:extLst>
+              <a:ext uri="{FF2B5EF4-FFF2-40B4-BE49-F238E27FC236}">
+                <a16:creationId xmlns:a16="http://schemas.microsoft.com/office/drawing/2014/main" id="{A27FA73F-FA54-4BA8-85EB-AA132F59DD37}"/>
+              </a:ext>
+            </a:extLst>
+          </p:cNvPr>
+          <p:cNvSpPr/>
+          <p:nvPr/>
+        </p:nvSpPr>
+        <p:spPr>
+          <a:xfrm>
+            <a:off x="372601" y="4905775"/>
+            <a:ext cx="1261884" cy="307777"/>
+          </a:xfrm>
+          <a:prstGeom prst="rect">
+            <a:avLst/>
+          </a:prstGeom>
+        </p:spPr>
+        <p:txBody>
+          <a:bodyPr wrap="none">
+            <a:spAutoFit/>
+          </a:bodyPr>
+          <a:lstStyle/>
+          <a:p>
+            <a:r>
+              <a:rPr lang="zh-TW" altLang="en-US" sz="1400" dirty="0">
+                <a:solidFill>
+                  <a:srgbClr val="242424"/>
+                </a:solidFill>
+                <a:latin typeface="標楷體" panose="03000509000000000000" pitchFamily="65" charset="-120"/>
+                <a:ea typeface="標楷體" panose="03000509000000000000" pitchFamily="65" charset="-120"/>
+              </a:rPr>
+              <a:t>實體間的關係</a:t>
+            </a:r>
+            <a:endParaRPr lang="zh-TW" altLang="en-US" sz="1400" dirty="0">
               <a:latin typeface="標楷體" panose="03000509000000000000" pitchFamily="65" charset="-120"/>
               <a:ea typeface="標楷體" panose="03000509000000000000" pitchFamily="65" charset="-120"/>
             </a:endParaRPr>
           </a:p>
-          <a:p>
+        </p:txBody>
+      </p:sp>
+      <p:sp>
+        <p:nvSpPr>
+          <p:cNvPr id="5" name="矩形 4">
+            <a:extLst>
+              <a:ext uri="{FF2B5EF4-FFF2-40B4-BE49-F238E27FC236}">
+                <a16:creationId xmlns:a16="http://schemas.microsoft.com/office/drawing/2014/main" id="{182577F5-AC52-4508-890A-0F069E01F5CB}"/>
+              </a:ext>
+            </a:extLst>
+          </p:cNvPr>
+          <p:cNvSpPr/>
+          <p:nvPr/>
+        </p:nvSpPr>
+        <p:spPr>
+          <a:xfrm>
+            <a:off x="5443096" y="2435824"/>
+            <a:ext cx="6006146" cy="369332"/>
+          </a:xfrm>
+          <a:prstGeom prst="rect">
+            <a:avLst/>
+          </a:prstGeom>
+        </p:spPr>
+        <p:txBody>
+          <a:bodyPr wrap="square">
+            <a:spAutoFit/>
+          </a:bodyPr>
+          <a:lstStyle/>
+          <a:p>
+            <a:r>
+              <a:rPr lang="en-US" altLang="zh-TW" dirty="0">
+                <a:solidFill>
+                  <a:srgbClr val="242424"/>
+                </a:solidFill>
+                <a:ea typeface="標楷體" panose="03000509000000000000" pitchFamily="65" charset="-120"/>
+              </a:rPr>
+              <a:t>A </a:t>
+            </a:r>
             <a:r>
               <a:rPr lang="zh-TW" altLang="en-US" dirty="0">
-                <a:latin typeface="標楷體" panose="03000509000000000000" pitchFamily="65" charset="-120"/>
-                <a:ea typeface="標楷體" panose="03000509000000000000" pitchFamily="65" charset="-120"/>
-              </a:rPr>
-              <a:t>裡面是可使用的功能</a:t>
+                <a:solidFill>
+                  <a:srgbClr val="242424"/>
+                </a:solidFill>
+                <a:ea typeface="標楷體" panose="03000509000000000000" pitchFamily="65" charset="-120"/>
+              </a:rPr>
+              <a:t>根據 </a:t>
+            </a:r>
+            <a:r>
+              <a:rPr lang="en-US" altLang="zh-TW" dirty="0">
+                <a:solidFill>
+                  <a:srgbClr val="242424"/>
+                </a:solidFill>
+                <a:ea typeface="標楷體" panose="03000509000000000000" pitchFamily="65" charset="-120"/>
+              </a:rPr>
+              <a:t>B </a:t>
+            </a:r>
+            <a:r>
+              <a:rPr lang="zh-TW" altLang="en-US" dirty="0">
+                <a:solidFill>
+                  <a:srgbClr val="242424"/>
+                </a:solidFill>
+                <a:ea typeface="標楷體" panose="03000509000000000000" pitchFamily="65" charset="-120"/>
+              </a:rPr>
+              <a:t>的特性再擴展，描述</a:t>
+            </a:r>
+            <a:r>
+              <a:rPr lang="zh-TW" altLang="en-US" dirty="0">
+                <a:solidFill>
+                  <a:srgbClr val="FF0000"/>
+                </a:solidFill>
+                <a:ea typeface="標楷體" panose="03000509000000000000" pitchFamily="65" charset="-120"/>
+              </a:rPr>
+              <a:t>額外擴充</a:t>
+            </a:r>
+            <a:r>
+              <a:rPr lang="zh-TW" altLang="en-US" dirty="0">
+                <a:solidFill>
+                  <a:srgbClr val="242424"/>
+                </a:solidFill>
+                <a:ea typeface="標楷體" panose="03000509000000000000" pitchFamily="65" charset="-120"/>
+              </a:rPr>
+              <a:t>了什麼功能。</a:t>
+            </a:r>
+            <a:endParaRPr lang="zh-TW" altLang="en-US" dirty="0">
+              <a:ea typeface="標楷體" panose="03000509000000000000" pitchFamily="65" charset="-120"/>
+            </a:endParaRPr>
+          </a:p>
+        </p:txBody>
+      </p:sp>
+      <p:sp>
+        <p:nvSpPr>
+          <p:cNvPr id="8" name="矩形 7">
+            <a:extLst>
+              <a:ext uri="{FF2B5EF4-FFF2-40B4-BE49-F238E27FC236}">
+                <a16:creationId xmlns:a16="http://schemas.microsoft.com/office/drawing/2014/main" id="{CE6D73B5-5A81-471D-9944-D3C9982E71B6}"/>
+              </a:ext>
+            </a:extLst>
+          </p:cNvPr>
+          <p:cNvSpPr/>
+          <p:nvPr/>
+        </p:nvSpPr>
+        <p:spPr>
+          <a:xfrm>
+            <a:off x="5385717" y="2872688"/>
+            <a:ext cx="6096000" cy="369332"/>
+          </a:xfrm>
+          <a:prstGeom prst="rect">
+            <a:avLst/>
+          </a:prstGeom>
+        </p:spPr>
+        <p:txBody>
+          <a:bodyPr>
+            <a:spAutoFit/>
+          </a:bodyPr>
+          <a:lstStyle/>
+          <a:p>
+            <a:r>
+              <a:rPr lang="zh-TW" altLang="en-US" dirty="0">
+                <a:solidFill>
+                  <a:srgbClr val="242424"/>
+                </a:solidFill>
+                <a:ea typeface="標楷體" panose="03000509000000000000" pitchFamily="65" charset="-120"/>
+              </a:rPr>
+              <a:t> </a:t>
+            </a:r>
+            <a:r>
+              <a:rPr lang="en-US" altLang="zh-TW" dirty="0">
+                <a:solidFill>
+                  <a:srgbClr val="242424"/>
+                </a:solidFill>
+                <a:ea typeface="標楷體" panose="03000509000000000000" pitchFamily="65" charset="-120"/>
+              </a:rPr>
+              <a:t>B </a:t>
+            </a:r>
+            <a:r>
+              <a:rPr lang="zh-TW" altLang="en-US" dirty="0">
+                <a:solidFill>
+                  <a:srgbClr val="242424"/>
+                </a:solidFill>
+                <a:ea typeface="標楷體" panose="03000509000000000000" pitchFamily="65" charset="-120"/>
+              </a:rPr>
+              <a:t>為介面，指示哪些類別會負責實作它。</a:t>
+            </a:r>
+            <a:endParaRPr lang="zh-TW" altLang="en-US" dirty="0">
+              <a:ea typeface="標楷體" panose="03000509000000000000" pitchFamily="65" charset="-120"/>
+            </a:endParaRPr>
+          </a:p>
+        </p:txBody>
+      </p:sp>
+      <p:sp>
+        <p:nvSpPr>
+          <p:cNvPr id="9" name="矩形 8">
+            <a:extLst>
+              <a:ext uri="{FF2B5EF4-FFF2-40B4-BE49-F238E27FC236}">
+                <a16:creationId xmlns:a16="http://schemas.microsoft.com/office/drawing/2014/main" id="{5616B157-81EE-410E-87AC-86324BDD98D0}"/>
+              </a:ext>
+            </a:extLst>
+          </p:cNvPr>
+          <p:cNvSpPr/>
+          <p:nvPr/>
+        </p:nvSpPr>
+        <p:spPr>
+          <a:xfrm>
+            <a:off x="5430498" y="3746417"/>
+            <a:ext cx="6096000" cy="369332"/>
+          </a:xfrm>
+          <a:prstGeom prst="rect">
+            <a:avLst/>
+          </a:prstGeom>
+        </p:spPr>
+        <p:txBody>
+          <a:bodyPr>
+            <a:spAutoFit/>
+          </a:bodyPr>
+          <a:lstStyle/>
+          <a:p>
+            <a:r>
+              <a:rPr lang="en-US" altLang="zh-TW" dirty="0">
+                <a:solidFill>
+                  <a:srgbClr val="242424"/>
+                </a:solidFill>
+                <a:ea typeface="標楷體" panose="03000509000000000000" pitchFamily="65" charset="-120"/>
+              </a:rPr>
+              <a:t>A </a:t>
+            </a:r>
+            <a:r>
+              <a:rPr lang="zh-TW" altLang="en-US" dirty="0">
+                <a:solidFill>
+                  <a:srgbClr val="242424"/>
+                </a:solidFill>
+                <a:ea typeface="標楷體" panose="03000509000000000000" pitchFamily="65" charset="-120"/>
+              </a:rPr>
+              <a:t>擁有 </a:t>
+            </a:r>
+            <a:r>
+              <a:rPr lang="en-US" altLang="zh-TW" dirty="0">
+                <a:solidFill>
+                  <a:srgbClr val="242424"/>
+                </a:solidFill>
+                <a:ea typeface="標楷體" panose="03000509000000000000" pitchFamily="65" charset="-120"/>
+              </a:rPr>
+              <a:t>B </a:t>
+            </a:r>
+            <a:r>
+              <a:rPr lang="zh-TW" altLang="en-US" dirty="0">
+                <a:solidFill>
+                  <a:srgbClr val="242424"/>
+                </a:solidFill>
+                <a:ea typeface="標楷體" panose="03000509000000000000" pitchFamily="65" charset="-120"/>
+              </a:rPr>
+              <a:t>的實體，彼此協作但又</a:t>
+            </a:r>
+            <a:r>
+              <a:rPr lang="zh-TW" altLang="en-US" dirty="0">
+                <a:solidFill>
+                  <a:srgbClr val="FF0000"/>
+                </a:solidFill>
+                <a:ea typeface="標楷體" panose="03000509000000000000" pitchFamily="65" charset="-120"/>
+              </a:rPr>
+              <a:t>可各自單獨</a:t>
+            </a:r>
+            <a:r>
+              <a:rPr lang="zh-TW" altLang="en-US" dirty="0">
+                <a:solidFill>
+                  <a:srgbClr val="242424"/>
+                </a:solidFill>
+                <a:ea typeface="標楷體" panose="03000509000000000000" pitchFamily="65" charset="-120"/>
+              </a:rPr>
+              <a:t>存在。</a:t>
+            </a:r>
+            <a:endParaRPr lang="zh-TW" altLang="en-US" dirty="0">
+              <a:ea typeface="標楷體" panose="03000509000000000000" pitchFamily="65" charset="-120"/>
+            </a:endParaRPr>
+          </a:p>
+        </p:txBody>
+      </p:sp>
+      <p:sp>
+        <p:nvSpPr>
+          <p:cNvPr id="10" name="矩形 9">
+            <a:extLst>
+              <a:ext uri="{FF2B5EF4-FFF2-40B4-BE49-F238E27FC236}">
+                <a16:creationId xmlns:a16="http://schemas.microsoft.com/office/drawing/2014/main" id="{E0EC2D52-BBE6-4B0E-9D55-9DAC8706CE07}"/>
+              </a:ext>
+            </a:extLst>
+          </p:cNvPr>
+          <p:cNvSpPr/>
+          <p:nvPr/>
+        </p:nvSpPr>
+        <p:spPr>
+          <a:xfrm>
+            <a:off x="5443096" y="4481606"/>
+            <a:ext cx="6096000" cy="369332"/>
+          </a:xfrm>
+          <a:prstGeom prst="rect">
+            <a:avLst/>
+          </a:prstGeom>
+        </p:spPr>
+        <p:txBody>
+          <a:bodyPr>
+            <a:spAutoFit/>
+          </a:bodyPr>
+          <a:lstStyle/>
+          <a:p>
+            <a:r>
+              <a:rPr lang="en-US" altLang="zh-TW" dirty="0">
+                <a:solidFill>
+                  <a:srgbClr val="242424"/>
+                </a:solidFill>
+                <a:ea typeface="標楷體" panose="03000509000000000000" pitchFamily="65" charset="-120"/>
+              </a:rPr>
+              <a:t>B </a:t>
+            </a:r>
+            <a:r>
+              <a:rPr lang="zh-TW" altLang="en-US" dirty="0">
+                <a:solidFill>
+                  <a:srgbClr val="242424"/>
+                </a:solidFill>
+                <a:ea typeface="標楷體" panose="03000509000000000000" pitchFamily="65" charset="-120"/>
+              </a:rPr>
+              <a:t>為 </a:t>
+            </a:r>
+            <a:r>
+              <a:rPr lang="en-US" altLang="zh-TW" dirty="0">
+                <a:solidFill>
+                  <a:srgbClr val="242424"/>
+                </a:solidFill>
+                <a:ea typeface="標楷體" panose="03000509000000000000" pitchFamily="65" charset="-120"/>
+              </a:rPr>
+              <a:t>A </a:t>
+            </a:r>
+            <a:r>
+              <a:rPr lang="zh-TW" altLang="en-US" dirty="0">
+                <a:solidFill>
+                  <a:srgbClr val="242424"/>
+                </a:solidFill>
+                <a:ea typeface="標楷體" panose="03000509000000000000" pitchFamily="65" charset="-120"/>
+              </a:rPr>
+              <a:t>的一部分，</a:t>
+            </a:r>
+            <a:r>
+              <a:rPr lang="zh-TW" altLang="en-US" dirty="0">
+                <a:solidFill>
+                  <a:srgbClr val="FF0000"/>
+                </a:solidFill>
+                <a:ea typeface="標楷體" panose="03000509000000000000" pitchFamily="65" charset="-120"/>
+              </a:rPr>
+              <a:t>若 </a:t>
+            </a:r>
+            <a:r>
+              <a:rPr lang="en-US" altLang="zh-TW" dirty="0">
+                <a:solidFill>
+                  <a:srgbClr val="FF0000"/>
+                </a:solidFill>
+                <a:ea typeface="標楷體" panose="03000509000000000000" pitchFamily="65" charset="-120"/>
+              </a:rPr>
+              <a:t>A </a:t>
+            </a:r>
+            <a:r>
+              <a:rPr lang="zh-TW" altLang="en-US" dirty="0">
+                <a:solidFill>
+                  <a:srgbClr val="FF0000"/>
+                </a:solidFill>
+                <a:ea typeface="標楷體" panose="03000509000000000000" pitchFamily="65" charset="-120"/>
+              </a:rPr>
+              <a:t>消失則 </a:t>
+            </a:r>
+            <a:r>
+              <a:rPr lang="en-US" altLang="zh-TW" dirty="0">
+                <a:solidFill>
+                  <a:srgbClr val="FF0000"/>
+                </a:solidFill>
+                <a:ea typeface="標楷體" panose="03000509000000000000" pitchFamily="65" charset="-120"/>
+              </a:rPr>
+              <a:t>B </a:t>
+            </a:r>
+            <a:r>
+              <a:rPr lang="zh-TW" altLang="en-US" dirty="0">
+                <a:solidFill>
+                  <a:srgbClr val="FF0000"/>
+                </a:solidFill>
+                <a:ea typeface="標楷體" panose="03000509000000000000" pitchFamily="65" charset="-120"/>
+              </a:rPr>
+              <a:t>也不會繼續存在</a:t>
+            </a:r>
+            <a:r>
+              <a:rPr lang="zh-TW" altLang="en-US" dirty="0">
+                <a:solidFill>
+                  <a:srgbClr val="242424"/>
+                </a:solidFill>
+                <a:ea typeface="標楷體" panose="03000509000000000000" pitchFamily="65" charset="-120"/>
+              </a:rPr>
+              <a:t>。</a:t>
+            </a:r>
+            <a:endParaRPr lang="zh-TW" altLang="en-US" dirty="0">
+              <a:ea typeface="標楷體" panose="03000509000000000000" pitchFamily="65" charset="-120"/>
+            </a:endParaRPr>
+          </a:p>
+        </p:txBody>
+      </p:sp>
+      <p:sp>
+        <p:nvSpPr>
+          <p:cNvPr id="13" name="矩形 12">
+            <a:extLst>
+              <a:ext uri="{FF2B5EF4-FFF2-40B4-BE49-F238E27FC236}">
+                <a16:creationId xmlns:a16="http://schemas.microsoft.com/office/drawing/2014/main" id="{6AFE3D89-2888-4412-9BAE-291543447F7D}"/>
+              </a:ext>
+            </a:extLst>
+          </p:cNvPr>
+          <p:cNvSpPr/>
+          <p:nvPr/>
+        </p:nvSpPr>
+        <p:spPr>
+          <a:xfrm>
+            <a:off x="5430498" y="5208693"/>
+            <a:ext cx="6096000" cy="369332"/>
+          </a:xfrm>
+          <a:prstGeom prst="rect">
+            <a:avLst/>
+          </a:prstGeom>
+        </p:spPr>
+        <p:txBody>
+          <a:bodyPr>
+            <a:spAutoFit/>
+          </a:bodyPr>
+          <a:lstStyle/>
+          <a:p>
+            <a:r>
+              <a:rPr lang="en-US" altLang="zh-TW" dirty="0">
+                <a:solidFill>
+                  <a:srgbClr val="242424"/>
+                </a:solidFill>
+                <a:ea typeface="標楷體" panose="03000509000000000000" pitchFamily="65" charset="-120"/>
+              </a:rPr>
+              <a:t>A </a:t>
+            </a:r>
+            <a:r>
+              <a:rPr lang="zh-TW" altLang="en-US" dirty="0">
+                <a:solidFill>
+                  <a:srgbClr val="242424"/>
+                </a:solidFill>
+                <a:ea typeface="標楷體" panose="03000509000000000000" pitchFamily="65" charset="-120"/>
+              </a:rPr>
+              <a:t>使用 </a:t>
+            </a:r>
+            <a:r>
+              <a:rPr lang="en-US" altLang="zh-TW" dirty="0">
+                <a:solidFill>
+                  <a:srgbClr val="242424"/>
+                </a:solidFill>
+                <a:ea typeface="標楷體" panose="03000509000000000000" pitchFamily="65" charset="-120"/>
+              </a:rPr>
+              <a:t>B</a:t>
+            </a:r>
+            <a:r>
+              <a:rPr lang="zh-TW" altLang="en-US" dirty="0">
+                <a:solidFill>
+                  <a:srgbClr val="242424"/>
+                </a:solidFill>
+                <a:ea typeface="標楷體" panose="03000509000000000000" pitchFamily="65" charset="-120"/>
+              </a:rPr>
+              <a:t>，</a:t>
+            </a:r>
+            <a:r>
+              <a:rPr lang="en-US" altLang="zh-TW" dirty="0">
+                <a:solidFill>
+                  <a:srgbClr val="FF0000"/>
+                </a:solidFill>
+                <a:ea typeface="標楷體" panose="03000509000000000000" pitchFamily="65" charset="-120"/>
+              </a:rPr>
+              <a:t>B </a:t>
+            </a:r>
+            <a:r>
+              <a:rPr lang="zh-TW" altLang="en-US" dirty="0">
+                <a:solidFill>
+                  <a:srgbClr val="FF0000"/>
+                </a:solidFill>
+                <a:ea typeface="標楷體" panose="03000509000000000000" pitchFamily="65" charset="-120"/>
+              </a:rPr>
+              <a:t>的變化有可能會影響到 </a:t>
+            </a:r>
+            <a:r>
+              <a:rPr lang="en-US" altLang="zh-TW" dirty="0">
+                <a:solidFill>
+                  <a:srgbClr val="FF0000"/>
+                </a:solidFill>
+                <a:ea typeface="標楷體" panose="03000509000000000000" pitchFamily="65" charset="-120"/>
+              </a:rPr>
+              <a:t>A</a:t>
+            </a:r>
+            <a:r>
+              <a:rPr lang="zh-TW" altLang="en-US" dirty="0">
+                <a:solidFill>
+                  <a:srgbClr val="242424"/>
+                </a:solidFill>
+                <a:ea typeface="標楷體" panose="03000509000000000000" pitchFamily="65" charset="-120"/>
+              </a:rPr>
+              <a:t>。</a:t>
+            </a:r>
+            <a:endParaRPr lang="zh-TW" altLang="en-US" dirty="0">
+              <a:ea typeface="標楷體" panose="03000509000000000000" pitchFamily="65" charset="-120"/>
+            </a:endParaRPr>
+          </a:p>
+        </p:txBody>
+      </p:sp>
+      <p:sp>
+        <p:nvSpPr>
+          <p:cNvPr id="14" name="矩形 13">
+            <a:extLst>
+              <a:ext uri="{FF2B5EF4-FFF2-40B4-BE49-F238E27FC236}">
+                <a16:creationId xmlns:a16="http://schemas.microsoft.com/office/drawing/2014/main" id="{65CB5DA7-4E8E-41DE-A726-1E80ADBF362D}"/>
+              </a:ext>
+            </a:extLst>
+          </p:cNvPr>
+          <p:cNvSpPr/>
+          <p:nvPr/>
+        </p:nvSpPr>
+        <p:spPr>
+          <a:xfrm>
+            <a:off x="5443096" y="5579567"/>
+            <a:ext cx="6096000" cy="369332"/>
+          </a:xfrm>
+          <a:prstGeom prst="rect">
+            <a:avLst/>
+          </a:prstGeom>
+        </p:spPr>
+        <p:txBody>
+          <a:bodyPr>
+            <a:spAutoFit/>
+          </a:bodyPr>
+          <a:lstStyle/>
+          <a:p>
+            <a:r>
+              <a:rPr lang="en-US" altLang="zh-TW" dirty="0">
+                <a:solidFill>
+                  <a:srgbClr val="242424"/>
+                </a:solidFill>
+                <a:ea typeface="標楷體" panose="03000509000000000000" pitchFamily="65" charset="-120"/>
+              </a:rPr>
+              <a:t>A </a:t>
+            </a:r>
+            <a:r>
+              <a:rPr lang="zh-TW" altLang="en-US" dirty="0">
+                <a:solidFill>
+                  <a:srgbClr val="242424"/>
+                </a:solidFill>
+                <a:ea typeface="標楷體" panose="03000509000000000000" pitchFamily="65" charset="-120"/>
+              </a:rPr>
+              <a:t>與 </a:t>
+            </a:r>
+            <a:r>
+              <a:rPr lang="en-US" altLang="zh-TW" dirty="0">
+                <a:solidFill>
+                  <a:srgbClr val="242424"/>
+                </a:solidFill>
+                <a:ea typeface="標楷體" panose="03000509000000000000" pitchFamily="65" charset="-120"/>
+              </a:rPr>
+              <a:t>B </a:t>
+            </a:r>
+            <a:r>
+              <a:rPr lang="zh-TW" altLang="en-US" dirty="0">
+                <a:solidFill>
+                  <a:srgbClr val="242424"/>
+                </a:solidFill>
+                <a:ea typeface="標楷體" panose="03000509000000000000" pitchFamily="65" charset="-120"/>
+              </a:rPr>
+              <a:t>有直接關聯，是個通用定義。</a:t>
+            </a:r>
+            <a:endParaRPr lang="zh-TW" altLang="en-US" dirty="0">
+              <a:ea typeface="標楷體" panose="03000509000000000000" pitchFamily="65" charset="-120"/>
+            </a:endParaRPr>
+          </a:p>
+        </p:txBody>
+      </p:sp>
+      <p:sp>
+        <p:nvSpPr>
+          <p:cNvPr id="20" name="矩形 19">
+            <a:extLst>
+              <a:ext uri="{FF2B5EF4-FFF2-40B4-BE49-F238E27FC236}">
+                <a16:creationId xmlns:a16="http://schemas.microsoft.com/office/drawing/2014/main" id="{838ABD02-C7B4-483A-BB42-16A6C81298FE}"/>
+              </a:ext>
+            </a:extLst>
+          </p:cNvPr>
+          <p:cNvSpPr/>
+          <p:nvPr/>
+        </p:nvSpPr>
+        <p:spPr>
+          <a:xfrm>
+            <a:off x="808233" y="897346"/>
+            <a:ext cx="9813444" cy="369332"/>
+          </a:xfrm>
+          <a:prstGeom prst="rect">
+            <a:avLst/>
+          </a:prstGeom>
+        </p:spPr>
+        <p:txBody>
+          <a:bodyPr wrap="square">
+            <a:spAutoFit/>
+          </a:bodyPr>
+          <a:lstStyle/>
+          <a:p>
+            <a:pPr marL="285750" indent="-285750">
+              <a:buFont typeface="Arial" panose="020B0604020202020204" pitchFamily="34" charset="0"/>
+              <a:buChar char="•"/>
+            </a:pPr>
+            <a:r>
+              <a:rPr lang="zh-TW" altLang="en-US" b="1" dirty="0">
+                <a:latin typeface="標楷體" panose="03000509000000000000" pitchFamily="65" charset="-120"/>
+                <a:ea typeface="標楷體" panose="03000509000000000000" pitchFamily="65" charset="-120"/>
+              </a:rPr>
+              <a:t>類別圖</a:t>
+            </a:r>
+            <a:r>
+              <a:rPr lang="zh-TW" altLang="en-US" dirty="0">
+                <a:latin typeface="標楷體" panose="03000509000000000000" pitchFamily="65" charset="-120"/>
+                <a:ea typeface="標楷體" panose="03000509000000000000" pitchFamily="65" charset="-120"/>
+              </a:rPr>
+              <a:t>：描述系統中的類別、屬性、方法以及類別間的關係（繼承、關聯、聚合）。</a:t>
             </a:r>
           </a:p>
         </p:txBody>
@@ -9966,7 +10874,7 @@
     </p:spTree>
     <p:extLst>
       <p:ext uri="{BB962C8B-B14F-4D97-AF65-F5344CB8AC3E}">
-        <p14:creationId xmlns:p14="http://schemas.microsoft.com/office/powerpoint/2010/main" val="2978825672"/>
+        <p14:creationId xmlns:p14="http://schemas.microsoft.com/office/powerpoint/2010/main" val="944948126"/>
       </p:ext>
     </p:extLst>
   </p:cSld>
@@ -9979,12 +10887,18 @@
 </p:sld>
 </file>
 
-<file path=ppt/slides/slide6.xml><?xml version="1.0" encoding="utf-8"?>
+<file path=ppt/slides/slide5.xml><?xml version="1.0" encoding="utf-8"?>
 <p:sld xmlns:a="http://schemas.openxmlformats.org/drawingml/2006/main" xmlns:r="http://schemas.openxmlformats.org/officeDocument/2006/relationships" xmlns:p="http://schemas.openxmlformats.org/presentationml/2006/main">
   <p:cSld>
     <p:spTree>
       <p:nvGrpSpPr>
-        <p:cNvPr id="1" name=""/>
+        <p:cNvPr id="1" name="">
+          <a:extLst>
+            <a:ext uri="{FF2B5EF4-FFF2-40B4-BE49-F238E27FC236}">
+              <a16:creationId xmlns:a16="http://schemas.microsoft.com/office/drawing/2014/main" id="{FC3E3613-DD9B-CC6A-EA3C-A7742561092E}"/>
+            </a:ext>
+          </a:extLst>
+        </p:cNvPr>
         <p:cNvGrpSpPr/>
         <p:nvPr/>
       </p:nvGrpSpPr>
@@ -10001,7 +10915,7 @@
           <p:cNvPr id="6" name="矩形: 圆角 1">
             <a:extLst>
               <a:ext uri="{FF2B5EF4-FFF2-40B4-BE49-F238E27FC236}">
-                <a16:creationId xmlns:a16="http://schemas.microsoft.com/office/drawing/2014/main" id="{A494D061-2076-F150-B75C-4CCE5DFBB08F}"/>
+                <a16:creationId xmlns:a16="http://schemas.microsoft.com/office/drawing/2014/main" id="{AB01D58A-45E3-BF12-2E5E-41C15D0BB585}"/>
               </a:ext>
             </a:extLst>
           </p:cNvPr>
@@ -10053,18 +10967,18 @@
             <a:r>
               <a:rPr kumimoji="1" lang="zh-TW" altLang="en-US" sz="3667" dirty="0">
                 <a:solidFill>
-                  <a:srgbClr val="002060"/>
+                  <a:schemeClr val="tx1"/>
                 </a:solidFill>
                 <a:latin typeface="標楷體" panose="03000509000000000000" pitchFamily="65" charset="-120"/>
                 <a:ea typeface="標楷體" panose="03000509000000000000" pitchFamily="65" charset="-120"/>
                 <a:cs typeface="Arial Black" panose="020B0604020202020204" pitchFamily="34" charset="0"/>
                 <a:sym typeface="+mn-lt"/>
               </a:rPr>
-              <a:t>部署圖</a:t>
+              <a:t>設計類別圖</a:t>
             </a:r>
             <a:endParaRPr kumimoji="1" lang="zh-CN" altLang="en-US" sz="3667" dirty="0">
               <a:solidFill>
-                <a:srgbClr val="002060"/>
+                <a:schemeClr val="tx1"/>
               </a:solidFill>
               <a:latin typeface="標楷體" panose="03000509000000000000" pitchFamily="65" charset="-120"/>
               <a:ea typeface="標楷體" panose="03000509000000000000" pitchFamily="65" charset="-120"/>
@@ -10079,7 +10993,7 @@
           <p:cNvPr id="25" name="半框架 24">
             <a:extLst>
               <a:ext uri="{FF2B5EF4-FFF2-40B4-BE49-F238E27FC236}">
-                <a16:creationId xmlns:a16="http://schemas.microsoft.com/office/drawing/2014/main" id="{608795FC-6806-5A96-CD16-3CFDB3BA1241}"/>
+                <a16:creationId xmlns:a16="http://schemas.microsoft.com/office/drawing/2014/main" id="{2D38DF5A-7BFF-7931-E68B-582965D1CC11}"/>
               </a:ext>
             </a:extLst>
           </p:cNvPr>
@@ -10144,7 +11058,7 @@
           <p:cNvPr id="27" name="半框架 26">
             <a:extLst>
               <a:ext uri="{FF2B5EF4-FFF2-40B4-BE49-F238E27FC236}">
-                <a16:creationId xmlns:a16="http://schemas.microsoft.com/office/drawing/2014/main" id="{416C6711-6D38-FD11-A5F9-C2DC6AE3106F}"/>
+                <a16:creationId xmlns:a16="http://schemas.microsoft.com/office/drawing/2014/main" id="{91745545-CD6D-E10E-4F02-BE1BF90F9921}"/>
               </a:ext>
             </a:extLst>
           </p:cNvPr>
@@ -10204,85 +11118,12 @@
           </a:p>
         </p:txBody>
       </p:sp>
-      <p:sp>
-        <p:nvSpPr>
-          <p:cNvPr id="26" name="文字方塊 25">
-            <a:extLst>
-              <a:ext uri="{FF2B5EF4-FFF2-40B4-BE49-F238E27FC236}">
-                <a16:creationId xmlns:a16="http://schemas.microsoft.com/office/drawing/2014/main" id="{95126ADC-BADF-8AE0-4502-9668363B9787}"/>
-              </a:ext>
-            </a:extLst>
-          </p:cNvPr>
-          <p:cNvSpPr txBox="1"/>
-          <p:nvPr/>
-        </p:nvSpPr>
-        <p:spPr>
-          <a:xfrm>
-            <a:off x="697831" y="916415"/>
-            <a:ext cx="9809139" cy="497380"/>
-          </a:xfrm>
-          <a:prstGeom prst="rect">
-            <a:avLst/>
-          </a:prstGeom>
-          <a:noFill/>
-        </p:spPr>
-        <p:txBody>
-          <a:bodyPr wrap="square">
-            <a:spAutoFit/>
-          </a:bodyPr>
-          <a:lstStyle/>
-          <a:p>
-            <a:pPr>
-              <a:lnSpc>
-                <a:spcPct val="150000"/>
-              </a:lnSpc>
-              <a:buFont typeface="Arial" panose="020B0604020202020204" pitchFamily="34" charset="0"/>
-              <a:buChar char="•"/>
-            </a:pPr>
-            <a:r>
-              <a:rPr lang="zh-TW" altLang="en-US" b="1" dirty="0">
-                <a:latin typeface="標楷體" panose="03000509000000000000" pitchFamily="65" charset="-120"/>
-                <a:ea typeface="標楷體" panose="03000509000000000000" pitchFamily="65" charset="-120"/>
-              </a:rPr>
-              <a:t>部署圖</a:t>
-            </a:r>
-            <a:r>
-              <a:rPr lang="zh-TW" altLang="en" sz="2000" b="0" i="0" u="none" strike="noStrike" dirty="0">
-                <a:solidFill>
-                  <a:srgbClr val="000000"/>
-                </a:solidFill>
-                <a:effectLst/>
-                <a:latin typeface="標楷體" panose="03000509000000000000" pitchFamily="65" charset="-120"/>
-                <a:ea typeface="標楷體" panose="03000509000000000000" pitchFamily="65" charset="-120"/>
-                <a:cs typeface="Arial Unicode MS" panose="020B0604020202020204" pitchFamily="34" charset="-128"/>
-              </a:rPr>
-              <a:t>：</a:t>
-            </a:r>
-            <a:r>
-              <a:rPr lang="zh-TW" altLang="en-US" dirty="0">
-                <a:latin typeface="標楷體" panose="03000509000000000000" pitchFamily="65" charset="-120"/>
-                <a:ea typeface="標楷體" panose="03000509000000000000" pitchFamily="65" charset="-120"/>
-              </a:rPr>
-              <a:t>也稱為實作圖，它和元件圖一樣，是物件導向系統的物理方面建模的兩種圖之一。</a:t>
-            </a:r>
-            <a:endParaRPr lang="zh-TW" altLang="en-US" sz="2000" b="0" i="0" u="none" strike="noStrike" dirty="0">
-              <a:solidFill>
-                <a:srgbClr val="000000"/>
-              </a:solidFill>
-              <a:effectLst/>
-              <a:latin typeface="標楷體" panose="03000509000000000000" pitchFamily="65" charset="-120"/>
-              <a:ea typeface="標楷體" panose="03000509000000000000" pitchFamily="65" charset="-120"/>
-              <a:cs typeface="Arial Unicode MS" panose="020B0604020202020204" pitchFamily="34" charset="-128"/>
-            </a:endParaRPr>
-          </a:p>
-        </p:txBody>
-      </p:sp>
       <p:pic>
         <p:nvPicPr>
-          <p:cNvPr id="5" name="圖片 4">
-            <a:extLst>
-              <a:ext uri="{FF2B5EF4-FFF2-40B4-BE49-F238E27FC236}">
-                <a16:creationId xmlns:a16="http://schemas.microsoft.com/office/drawing/2014/main" id="{4C978833-FA5C-4030-854B-9514AA49A179}"/>
+          <p:cNvPr id="4" name="圖片 3">
+            <a:extLst>
+              <a:ext uri="{FF2B5EF4-FFF2-40B4-BE49-F238E27FC236}">
+                <a16:creationId xmlns:a16="http://schemas.microsoft.com/office/drawing/2014/main" id="{F528984E-4D8A-40D2-A8C5-084C64153C70}"/>
               </a:ext>
             </a:extLst>
           </p:cNvPr>
@@ -10299,298 +11140,18 @@
         </p:blipFill>
         <p:spPr>
           <a:xfrm>
-            <a:off x="1317640" y="4177389"/>
-            <a:ext cx="9478698" cy="2543530"/>
+            <a:off x="1395663" y="976307"/>
+            <a:ext cx="9859751" cy="5449060"/>
           </a:xfrm>
           <a:prstGeom prst="rect">
             <a:avLst/>
           </a:prstGeom>
         </p:spPr>
       </p:pic>
-      <p:sp>
-        <p:nvSpPr>
-          <p:cNvPr id="8" name="矩形 7">
-            <a:extLst>
-              <a:ext uri="{FF2B5EF4-FFF2-40B4-BE49-F238E27FC236}">
-                <a16:creationId xmlns:a16="http://schemas.microsoft.com/office/drawing/2014/main" id="{EE15F768-8700-40CF-9AD0-E2FD05C0F020}"/>
-              </a:ext>
-            </a:extLst>
-          </p:cNvPr>
-          <p:cNvSpPr/>
-          <p:nvPr/>
-        </p:nvSpPr>
-        <p:spPr>
-          <a:xfrm>
-            <a:off x="697831" y="1532428"/>
-            <a:ext cx="10860596" cy="2677656"/>
-          </a:xfrm>
-          <a:prstGeom prst="rect">
-            <a:avLst/>
-          </a:prstGeom>
-        </p:spPr>
-        <p:txBody>
-          <a:bodyPr wrap="square">
-            <a:spAutoFit/>
-          </a:bodyPr>
-          <a:lstStyle/>
-          <a:p>
-            <a:pPr indent="0" algn="just"/>
-            <a:r>
-              <a:rPr lang="en-US" altLang="zh-TW" sz="2000" b="1" dirty="0">
-                <a:solidFill>
-                  <a:srgbClr val="212930"/>
-                </a:solidFill>
-                <a:latin typeface="標楷體" panose="03000509000000000000" pitchFamily="65" charset="-120"/>
-                <a:ea typeface="標楷體" panose="03000509000000000000" pitchFamily="65" charset="-120"/>
-              </a:rPr>
-              <a:t>1. </a:t>
-            </a:r>
-            <a:r>
-              <a:rPr lang="zh-TW" altLang="en-US" sz="2000" b="1" dirty="0">
-                <a:solidFill>
-                  <a:srgbClr val="212930"/>
-                </a:solidFill>
-                <a:latin typeface="標楷體" panose="03000509000000000000" pitchFamily="65" charset="-120"/>
-                <a:ea typeface="標楷體" panose="03000509000000000000" pitchFamily="65" charset="-120"/>
-              </a:rPr>
-              <a:t>節點</a:t>
-            </a:r>
-            <a:r>
-              <a:rPr lang="en-US" altLang="zh-TW" sz="2000" b="1" dirty="0">
-                <a:solidFill>
-                  <a:srgbClr val="212930"/>
-                </a:solidFill>
-                <a:latin typeface="標楷體" panose="03000509000000000000" pitchFamily="65" charset="-120"/>
-                <a:ea typeface="標楷體" panose="03000509000000000000" pitchFamily="65" charset="-120"/>
-              </a:rPr>
-              <a:t>&amp;</a:t>
-            </a:r>
-            <a:r>
-              <a:rPr lang="zh-TW" altLang="en-US" sz="2000" b="1" dirty="0">
-                <a:solidFill>
-                  <a:srgbClr val="212930"/>
-                </a:solidFill>
-                <a:latin typeface="標楷體" panose="03000509000000000000" pitchFamily="65" charset="-120"/>
-                <a:ea typeface="標楷體" panose="03000509000000000000" pitchFamily="65" charset="-120"/>
-              </a:rPr>
-              <a:t>節點實例</a:t>
-            </a:r>
-          </a:p>
-          <a:p>
-            <a:pPr lvl="1" algn="just"/>
-            <a:r>
-              <a:rPr lang="zh-TW" altLang="en-US" dirty="0">
-                <a:solidFill>
-                  <a:srgbClr val="FF0000"/>
-                </a:solidFill>
-                <a:latin typeface="標楷體" panose="03000509000000000000" pitchFamily="65" charset="-120"/>
-                <a:ea typeface="標楷體" panose="03000509000000000000" pitchFamily="65" charset="-120"/>
-              </a:rPr>
-              <a:t>節點</a:t>
-            </a:r>
-            <a:r>
-              <a:rPr lang="zh-TW" altLang="en-US" dirty="0">
-                <a:solidFill>
-                  <a:srgbClr val="212930"/>
-                </a:solidFill>
-                <a:latin typeface="標楷體" panose="03000509000000000000" pitchFamily="65" charset="-120"/>
-                <a:ea typeface="標楷體" panose="03000509000000000000" pitchFamily="65" charset="-120"/>
-              </a:rPr>
-              <a:t>是存在與運行時的代表</a:t>
-            </a:r>
-            <a:r>
-              <a:rPr lang="zh-TW" altLang="en-US" dirty="0">
-                <a:solidFill>
-                  <a:srgbClr val="212930"/>
-                </a:solidFill>
-                <a:highlight>
-                  <a:srgbClr val="FFFF00"/>
-                </a:highlight>
-                <a:latin typeface="標楷體" panose="03000509000000000000" pitchFamily="65" charset="-120"/>
-                <a:ea typeface="標楷體" panose="03000509000000000000" pitchFamily="65" charset="-120"/>
-              </a:rPr>
-              <a:t>電腦資源的實體元素</a:t>
-            </a:r>
-            <a:r>
-              <a:rPr lang="zh-TW" altLang="en-US" dirty="0">
-                <a:solidFill>
-                  <a:srgbClr val="212930"/>
-                </a:solidFill>
-                <a:latin typeface="標楷體" panose="03000509000000000000" pitchFamily="65" charset="-120"/>
-                <a:ea typeface="標楷體" panose="03000509000000000000" pitchFamily="65" charset="-120"/>
-              </a:rPr>
-              <a:t>，可以是硬體也可以是運行其上的軟體系統。它一般用立方體表示。</a:t>
-            </a:r>
-            <a:r>
-              <a:rPr lang="en-US" altLang="zh-TW" dirty="0">
-                <a:solidFill>
-                  <a:srgbClr val="212930"/>
-                </a:solidFill>
-                <a:latin typeface="標楷體" panose="03000509000000000000" pitchFamily="65" charset="-120"/>
-                <a:ea typeface="標楷體" panose="03000509000000000000" pitchFamily="65" charset="-120"/>
-              </a:rPr>
-              <a:t>(</a:t>
-            </a:r>
-            <a:r>
-              <a:rPr lang="zh-TW" altLang="en-US" dirty="0">
-                <a:solidFill>
-                  <a:srgbClr val="212930"/>
-                </a:solidFill>
-                <a:latin typeface="標楷體" panose="03000509000000000000" pitchFamily="65" charset="-120"/>
-                <a:ea typeface="標楷體" panose="03000509000000000000" pitchFamily="65" charset="-120"/>
-              </a:rPr>
-              <a:t>處理器是帶有陰影的立方體，設備是不含陰影的立方體</a:t>
-            </a:r>
-            <a:r>
-              <a:rPr lang="en-US" altLang="zh-TW" dirty="0">
-                <a:solidFill>
-                  <a:srgbClr val="212930"/>
-                </a:solidFill>
-                <a:latin typeface="標楷體" panose="03000509000000000000" pitchFamily="65" charset="-120"/>
-                <a:ea typeface="標楷體" panose="03000509000000000000" pitchFamily="65" charset="-120"/>
-              </a:rPr>
-              <a:t>)</a:t>
-            </a:r>
-            <a:endParaRPr lang="zh-TW" altLang="en-US" dirty="0">
-              <a:solidFill>
-                <a:srgbClr val="212930"/>
-              </a:solidFill>
-              <a:latin typeface="標楷體" panose="03000509000000000000" pitchFamily="65" charset="-120"/>
-              <a:ea typeface="標楷體" panose="03000509000000000000" pitchFamily="65" charset="-120"/>
-            </a:endParaRPr>
-          </a:p>
-          <a:p>
-            <a:pPr lvl="1" algn="just"/>
-            <a:r>
-              <a:rPr lang="zh-TW" altLang="en-US" dirty="0">
-                <a:solidFill>
-                  <a:srgbClr val="FF0000"/>
-                </a:solidFill>
-                <a:latin typeface="標楷體" panose="03000509000000000000" pitchFamily="65" charset="-120"/>
-                <a:ea typeface="標楷體" panose="03000509000000000000" pitchFamily="65" charset="-120"/>
-              </a:rPr>
-              <a:t>節點實例</a:t>
-            </a:r>
-            <a:r>
-              <a:rPr lang="zh-TW" altLang="en-US" dirty="0">
-                <a:solidFill>
-                  <a:srgbClr val="212930"/>
-                </a:solidFill>
-                <a:latin typeface="標楷體" panose="03000509000000000000" pitchFamily="65" charset="-120"/>
-                <a:ea typeface="標楷體" panose="03000509000000000000" pitchFamily="65" charset="-120"/>
-              </a:rPr>
-              <a:t>的名稱會有下劃線，節點類型前會有冒號（冒號前面可以有範例名稱也可以沒有範例名稱）</a:t>
-            </a:r>
-          </a:p>
-          <a:p>
-            <a:pPr indent="0" algn="just"/>
-            <a:r>
-              <a:rPr lang="en-US" altLang="zh-TW" sz="2000" b="1" dirty="0">
-                <a:solidFill>
-                  <a:srgbClr val="212930"/>
-                </a:solidFill>
-                <a:latin typeface="標楷體" panose="03000509000000000000" pitchFamily="65" charset="-120"/>
-                <a:ea typeface="標楷體" panose="03000509000000000000" pitchFamily="65" charset="-120"/>
-              </a:rPr>
-              <a:t>2. </a:t>
-            </a:r>
-            <a:r>
-              <a:rPr lang="zh-TW" altLang="en-US" sz="2000" b="1" dirty="0">
-                <a:solidFill>
-                  <a:srgbClr val="212930"/>
-                </a:solidFill>
-                <a:latin typeface="標楷體" panose="03000509000000000000" pitchFamily="65" charset="-120"/>
-                <a:ea typeface="標楷體" panose="03000509000000000000" pitchFamily="65" charset="-120"/>
-              </a:rPr>
-              <a:t>組件</a:t>
-            </a:r>
-          </a:p>
-          <a:p>
-            <a:pPr lvl="1" algn="just"/>
-            <a:r>
-              <a:rPr lang="zh-TW" altLang="en-US" dirty="0">
-                <a:solidFill>
-                  <a:srgbClr val="212930"/>
-                </a:solidFill>
-                <a:latin typeface="標楷體" panose="03000509000000000000" pitchFamily="65" charset="-120"/>
-                <a:ea typeface="標楷體" panose="03000509000000000000" pitchFamily="65" charset="-120"/>
-              </a:rPr>
-              <a:t>軟體開發</a:t>
-            </a:r>
-            <a:r>
-              <a:rPr lang="zh-TW" altLang="en-US" dirty="0">
-                <a:solidFill>
-                  <a:srgbClr val="212930"/>
-                </a:solidFill>
-                <a:highlight>
-                  <a:srgbClr val="FFFF00"/>
-                </a:highlight>
-                <a:latin typeface="標楷體" panose="03000509000000000000" pitchFamily="65" charset="-120"/>
-                <a:ea typeface="標楷體" panose="03000509000000000000" pitchFamily="65" charset="-120"/>
-              </a:rPr>
-              <a:t>過程中的產物</a:t>
-            </a:r>
-            <a:r>
-              <a:rPr lang="zh-TW" altLang="en-US" dirty="0">
-                <a:solidFill>
-                  <a:srgbClr val="212930"/>
-                </a:solidFill>
-                <a:latin typeface="標楷體" panose="03000509000000000000" pitchFamily="65" charset="-120"/>
-                <a:ea typeface="標楷體" panose="03000509000000000000" pitchFamily="65" charset="-120"/>
-              </a:rPr>
-              <a:t>，包括流程模型（例如使用案例圖、設計圖等等）、原始程式碼、可執行程式、設計文件、測試報告、需求原型、使用者手冊等等。</a:t>
-            </a:r>
-          </a:p>
-          <a:p>
-            <a:pPr indent="0" algn="just"/>
-            <a:r>
-              <a:rPr lang="en-US" altLang="zh-TW" sz="2000" b="1" dirty="0">
-                <a:solidFill>
-                  <a:srgbClr val="212930"/>
-                </a:solidFill>
-                <a:latin typeface="標楷體" panose="03000509000000000000" pitchFamily="65" charset="-120"/>
-                <a:ea typeface="標楷體" panose="03000509000000000000" pitchFamily="65" charset="-120"/>
-              </a:rPr>
-              <a:t>3. </a:t>
-            </a:r>
-            <a:r>
-              <a:rPr lang="zh-TW" altLang="en-US" sz="2000" b="1" dirty="0">
-                <a:solidFill>
-                  <a:srgbClr val="212930"/>
-                </a:solidFill>
-                <a:latin typeface="標楷體" panose="03000509000000000000" pitchFamily="65" charset="-120"/>
-                <a:ea typeface="標楷體" panose="03000509000000000000" pitchFamily="65" charset="-120"/>
-              </a:rPr>
-              <a:t>節點連接</a:t>
-            </a:r>
-          </a:p>
-          <a:p>
-            <a:pPr lvl="1" algn="just"/>
-            <a:r>
-              <a:rPr lang="zh-TW" altLang="en-US" dirty="0">
-                <a:solidFill>
-                  <a:srgbClr val="212930"/>
-                </a:solidFill>
-                <a:latin typeface="標楷體" panose="03000509000000000000" pitchFamily="65" charset="-120"/>
-                <a:ea typeface="標楷體" panose="03000509000000000000" pitchFamily="65" charset="-120"/>
-              </a:rPr>
-              <a:t>節點之間的連線表示系統之間進行互動的通訊路徑，這個通訊路徑稱為連線。</a:t>
-            </a:r>
-            <a:endParaRPr lang="zh-TW" altLang="en-US" b="0" i="0" dirty="0">
-              <a:solidFill>
-                <a:srgbClr val="212930"/>
-              </a:solidFill>
-              <a:effectLst/>
-              <a:latin typeface="標楷體" panose="03000509000000000000" pitchFamily="65" charset="-120"/>
-              <a:ea typeface="標楷體" panose="03000509000000000000" pitchFamily="65" charset="-120"/>
-            </a:endParaRPr>
-          </a:p>
-        </p:txBody>
-      </p:sp>
     </p:spTree>
     <p:extLst>
       <p:ext uri="{BB962C8B-B14F-4D97-AF65-F5344CB8AC3E}">
-        <p14:creationId xmlns:p14="http://schemas.microsoft.com/office/powerpoint/2010/main" val="287286166"/>
+        <p14:creationId xmlns:p14="http://schemas.microsoft.com/office/powerpoint/2010/main" val="2872744095"/>
       </p:ext>
     </p:extLst>
   </p:cSld>
@@ -10603,12 +11164,18 @@
 </p:sld>
 </file>
 
-<file path=ppt/slides/slide7.xml><?xml version="1.0" encoding="utf-8"?>
+<file path=ppt/slides/slide6.xml><?xml version="1.0" encoding="utf-8"?>
 <p:sld xmlns:a="http://schemas.openxmlformats.org/drawingml/2006/main" xmlns:r="http://schemas.openxmlformats.org/officeDocument/2006/relationships" xmlns:p="http://schemas.openxmlformats.org/presentationml/2006/main">
   <p:cSld>
     <p:spTree>
       <p:nvGrpSpPr>
-        <p:cNvPr id="1" name=""/>
+        <p:cNvPr id="1" name="">
+          <a:extLst>
+            <a:ext uri="{FF2B5EF4-FFF2-40B4-BE49-F238E27FC236}">
+              <a16:creationId xmlns:a16="http://schemas.microsoft.com/office/drawing/2014/main" id="{FC3E3613-DD9B-CC6A-EA3C-A7742561092E}"/>
+            </a:ext>
+          </a:extLst>
+        </p:cNvPr>
         <p:cNvGrpSpPr/>
         <p:nvPr/>
       </p:nvGrpSpPr>
@@ -10625,7 +11192,7 @@
           <p:cNvPr id="6" name="矩形: 圆角 1">
             <a:extLst>
               <a:ext uri="{FF2B5EF4-FFF2-40B4-BE49-F238E27FC236}">
-                <a16:creationId xmlns:a16="http://schemas.microsoft.com/office/drawing/2014/main" id="{A494D061-2076-F150-B75C-4CCE5DFBB08F}"/>
+                <a16:creationId xmlns:a16="http://schemas.microsoft.com/office/drawing/2014/main" id="{AB01D58A-45E3-BF12-2E5E-41C15D0BB585}"/>
               </a:ext>
             </a:extLst>
           </p:cNvPr>
@@ -10677,18 +11244,18 @@
             <a:r>
               <a:rPr kumimoji="1" lang="zh-TW" altLang="en-US" sz="3667" dirty="0">
                 <a:solidFill>
-                  <a:srgbClr val="002060"/>
+                  <a:schemeClr val="tx1"/>
                 </a:solidFill>
                 <a:latin typeface="標楷體" panose="03000509000000000000" pitchFamily="65" charset="-120"/>
                 <a:ea typeface="標楷體" panose="03000509000000000000" pitchFamily="65" charset="-120"/>
                 <a:cs typeface="Arial Black" panose="020B0604020202020204" pitchFamily="34" charset="0"/>
                 <a:sym typeface="+mn-lt"/>
               </a:rPr>
-              <a:t>部署圖</a:t>
+              <a:t>設計類別圖</a:t>
             </a:r>
             <a:endParaRPr kumimoji="1" lang="zh-CN" altLang="en-US" sz="3667" dirty="0">
               <a:solidFill>
-                <a:srgbClr val="002060"/>
+                <a:schemeClr val="tx1"/>
               </a:solidFill>
               <a:latin typeface="標楷體" panose="03000509000000000000" pitchFamily="65" charset="-120"/>
               <a:ea typeface="標楷體" panose="03000509000000000000" pitchFamily="65" charset="-120"/>
@@ -10703,7 +11270,7 @@
           <p:cNvPr id="25" name="半框架 24">
             <a:extLst>
               <a:ext uri="{FF2B5EF4-FFF2-40B4-BE49-F238E27FC236}">
-                <a16:creationId xmlns:a16="http://schemas.microsoft.com/office/drawing/2014/main" id="{608795FC-6806-5A96-CD16-3CFDB3BA1241}"/>
+                <a16:creationId xmlns:a16="http://schemas.microsoft.com/office/drawing/2014/main" id="{2D38DF5A-7BFF-7931-E68B-582965D1CC11}"/>
               </a:ext>
             </a:extLst>
           </p:cNvPr>
@@ -10768,7 +11335,7 @@
           <p:cNvPr id="27" name="半框架 26">
             <a:extLst>
               <a:ext uri="{FF2B5EF4-FFF2-40B4-BE49-F238E27FC236}">
-                <a16:creationId xmlns:a16="http://schemas.microsoft.com/office/drawing/2014/main" id="{416C6711-6D38-FD11-A5F9-C2DC6AE3106F}"/>
+                <a16:creationId xmlns:a16="http://schemas.microsoft.com/office/drawing/2014/main" id="{91745545-CD6D-E10E-4F02-BE1BF90F9921}"/>
               </a:ext>
             </a:extLst>
           </p:cNvPr>
@@ -10828,85 +11395,12 @@
           </a:p>
         </p:txBody>
       </p:sp>
-      <p:sp>
-        <p:nvSpPr>
-          <p:cNvPr id="26" name="文字方塊 25">
-            <a:extLst>
-              <a:ext uri="{FF2B5EF4-FFF2-40B4-BE49-F238E27FC236}">
-                <a16:creationId xmlns:a16="http://schemas.microsoft.com/office/drawing/2014/main" id="{95126ADC-BADF-8AE0-4502-9668363B9787}"/>
-              </a:ext>
-            </a:extLst>
-          </p:cNvPr>
-          <p:cNvSpPr txBox="1"/>
-          <p:nvPr/>
-        </p:nvSpPr>
-        <p:spPr>
-          <a:xfrm>
-            <a:off x="697831" y="916415"/>
-            <a:ext cx="9809139" cy="497380"/>
-          </a:xfrm>
-          <a:prstGeom prst="rect">
-            <a:avLst/>
-          </a:prstGeom>
-          <a:noFill/>
-        </p:spPr>
-        <p:txBody>
-          <a:bodyPr wrap="square">
-            <a:spAutoFit/>
-          </a:bodyPr>
-          <a:lstStyle/>
-          <a:p>
-            <a:pPr>
-              <a:lnSpc>
-                <a:spcPct val="150000"/>
-              </a:lnSpc>
-              <a:buFont typeface="Arial" panose="020B0604020202020204" pitchFamily="34" charset="0"/>
-              <a:buChar char="•"/>
-            </a:pPr>
-            <a:r>
-              <a:rPr lang="zh-TW" altLang="en-US" b="1" dirty="0">
-                <a:latin typeface="標楷體" panose="03000509000000000000" pitchFamily="65" charset="-120"/>
-                <a:ea typeface="標楷體" panose="03000509000000000000" pitchFamily="65" charset="-120"/>
-              </a:rPr>
-              <a:t>部署圖</a:t>
-            </a:r>
-            <a:r>
-              <a:rPr lang="zh-TW" altLang="en" sz="2000" b="0" i="0" u="none" strike="noStrike" dirty="0">
-                <a:solidFill>
-                  <a:srgbClr val="000000"/>
-                </a:solidFill>
-                <a:effectLst/>
-                <a:latin typeface="標楷體" panose="03000509000000000000" pitchFamily="65" charset="-120"/>
-                <a:ea typeface="標楷體" panose="03000509000000000000" pitchFamily="65" charset="-120"/>
-                <a:cs typeface="Arial Unicode MS" panose="020B0604020202020204" pitchFamily="34" charset="-128"/>
-              </a:rPr>
-              <a:t>：</a:t>
-            </a:r>
-            <a:r>
-              <a:rPr lang="zh-TW" altLang="en-US" dirty="0">
-                <a:latin typeface="標楷體" panose="03000509000000000000" pitchFamily="65" charset="-120"/>
-                <a:ea typeface="標楷體" panose="03000509000000000000" pitchFamily="65" charset="-120"/>
-              </a:rPr>
-              <a:t>也稱為實作圖，它和元件圖一樣，是物件導向系統的物理方面建模的兩種圖之一。</a:t>
-            </a:r>
-            <a:endParaRPr lang="zh-TW" altLang="en-US" sz="2000" b="0" i="0" u="none" strike="noStrike" dirty="0">
-              <a:solidFill>
-                <a:srgbClr val="000000"/>
-              </a:solidFill>
-              <a:effectLst/>
-              <a:latin typeface="標楷體" panose="03000509000000000000" pitchFamily="65" charset="-120"/>
-              <a:ea typeface="標楷體" panose="03000509000000000000" pitchFamily="65" charset="-120"/>
-              <a:cs typeface="Arial Unicode MS" panose="020B0604020202020204" pitchFamily="34" charset="-128"/>
-            </a:endParaRPr>
-          </a:p>
-        </p:txBody>
-      </p:sp>
       <p:pic>
         <p:nvPicPr>
-          <p:cNvPr id="4" name="圖片 3">
-            <a:extLst>
-              <a:ext uri="{FF2B5EF4-FFF2-40B4-BE49-F238E27FC236}">
-                <a16:creationId xmlns:a16="http://schemas.microsoft.com/office/drawing/2014/main" id="{D361BAF0-D40B-4A2B-8DE2-2E5B8296299E}"/>
+          <p:cNvPr id="2" name="圖片 1">
+            <a:extLst>
+              <a:ext uri="{FF2B5EF4-FFF2-40B4-BE49-F238E27FC236}">
+                <a16:creationId xmlns:a16="http://schemas.microsoft.com/office/drawing/2014/main" id="{2812E575-6C6A-4797-9E99-5706268D2E96}"/>
               </a:ext>
             </a:extLst>
           </p:cNvPr>
@@ -10923,59 +11417,18 @@
         </p:blipFill>
         <p:spPr>
           <a:xfrm>
-            <a:off x="2731569" y="1569660"/>
-            <a:ext cx="6330238" cy="4943380"/>
+            <a:off x="3552470" y="756864"/>
+            <a:ext cx="5087060" cy="5344271"/>
           </a:xfrm>
           <a:prstGeom prst="rect">
             <a:avLst/>
           </a:prstGeom>
         </p:spPr>
       </p:pic>
-      <p:sp>
-        <p:nvSpPr>
-          <p:cNvPr id="2" name="文字方塊 1">
-            <a:extLst>
-              <a:ext uri="{FF2B5EF4-FFF2-40B4-BE49-F238E27FC236}">
-                <a16:creationId xmlns:a16="http://schemas.microsoft.com/office/drawing/2014/main" id="{26983AE0-D74D-47BC-A69B-7EB8ED24FE48}"/>
-              </a:ext>
-            </a:extLst>
-          </p:cNvPr>
-          <p:cNvSpPr txBox="1"/>
-          <p:nvPr/>
-        </p:nvSpPr>
-        <p:spPr>
-          <a:xfrm>
-            <a:off x="4726112" y="6299573"/>
-            <a:ext cx="2969231" cy="369332"/>
-          </a:xfrm>
-          <a:prstGeom prst="rect">
-            <a:avLst/>
-          </a:prstGeom>
-          <a:noFill/>
-        </p:spPr>
-        <p:txBody>
-          <a:bodyPr wrap="square" rtlCol="0">
-            <a:spAutoFit/>
-          </a:bodyPr>
-          <a:lstStyle/>
-          <a:p>
-            <a:r>
-              <a:rPr lang="zh-TW" altLang="en-US" dirty="0">
-                <a:solidFill>
-                  <a:srgbClr val="0070C0"/>
-                </a:solidFill>
-                <a:latin typeface="標楷體" panose="03000509000000000000" pitchFamily="65" charset="-120"/>
-                <a:ea typeface="標楷體" panose="03000509000000000000" pitchFamily="65" charset="-120"/>
-              </a:rPr>
-              <a:t>公司各部門關係佈署圖</a:t>
-            </a:r>
-          </a:p>
-        </p:txBody>
-      </p:sp>
     </p:spTree>
     <p:extLst>
       <p:ext uri="{BB962C8B-B14F-4D97-AF65-F5344CB8AC3E}">
-        <p14:creationId xmlns:p14="http://schemas.microsoft.com/office/powerpoint/2010/main" val="2220496359"/>
+        <p14:creationId xmlns:p14="http://schemas.microsoft.com/office/powerpoint/2010/main" val="2055749637"/>
       </p:ext>
     </p:extLst>
   </p:cSld>
@@ -10988,7 +11441,7 @@
 </p:sld>
 </file>
 
-<file path=ppt/slides/slide8.xml><?xml version="1.0" encoding="utf-8"?>
+<file path=ppt/slides/slide7.xml><?xml version="1.0" encoding="utf-8"?>
 <p:sld xmlns:a="http://schemas.openxmlformats.org/drawingml/2006/main" xmlns:r="http://schemas.openxmlformats.org/officeDocument/2006/relationships" xmlns:p="http://schemas.openxmlformats.org/presentationml/2006/main">
   <p:cSld>
     <p:spTree>
@@ -11060,22 +11513,23 @@
           <a:p>
             <a:pPr algn="ctr" defTabSz="914363"/>
             <a:r>
-              <a:rPr lang="zh-TW" altLang="en-US" sz="4000" dirty="0">
-                <a:solidFill>
-                  <a:srgbClr val="000000"/>
-                </a:solidFill>
-                <a:latin typeface="標楷體" panose="03000509000000000000" pitchFamily="65" charset="-120"/>
-                <a:ea typeface="標楷體" panose="03000509000000000000" pitchFamily="65" charset="-120"/>
-                <a:cs typeface="Arial Unicode MS" panose="020B0604020202020204" pitchFamily="34" charset="-128"/>
-              </a:rPr>
-              <a:t>套件圖</a:t>
+              <a:rPr kumimoji="1" lang="zh-TW" altLang="en-US" sz="3667" dirty="0">
+                <a:solidFill>
+                  <a:srgbClr val="002060"/>
+                </a:solidFill>
+                <a:latin typeface="標楷體" panose="03000509000000000000" pitchFamily="65" charset="-120"/>
+                <a:ea typeface="標楷體" panose="03000509000000000000" pitchFamily="65" charset="-120"/>
+                <a:cs typeface="Arial Black" panose="020B0604020202020204" pitchFamily="34" charset="0"/>
+                <a:sym typeface="+mn-lt"/>
+              </a:rPr>
+              <a:t>部署圖</a:t>
             </a:r>
             <a:endParaRPr kumimoji="1" lang="zh-CN" altLang="en-US" sz="3667" dirty="0">
               <a:solidFill>
                 <a:srgbClr val="002060"/>
               </a:solidFill>
-              <a:latin typeface="Arial Black" panose="020B0604020202020204" pitchFamily="34" charset="0"/>
-              <a:ea typeface="Arial Unicode MS" panose="020B0604020202020204" pitchFamily="34" charset="-128"/>
+              <a:latin typeface="標楷體" panose="03000509000000000000" pitchFamily="65" charset="-120"/>
+              <a:ea typeface="標楷體" panose="03000509000000000000" pitchFamily="65" charset="-120"/>
               <a:cs typeface="Arial Black" panose="020B0604020202020204" pitchFamily="34" charset="0"/>
               <a:sym typeface="+mn-lt"/>
             </a:endParaRPr>
@@ -11141,6 +11595,8 @@
               <a:solidFill>
                 <a:schemeClr val="tx1"/>
               </a:solidFill>
+              <a:latin typeface="標楷體" panose="03000509000000000000" pitchFamily="65" charset="-120"/>
+              <a:ea typeface="標楷體" panose="03000509000000000000" pitchFamily="65" charset="-120"/>
             </a:endParaRPr>
           </a:p>
         </p:txBody>
@@ -11204,16 +11660,108 @@
               <a:solidFill>
                 <a:schemeClr val="tx1"/>
               </a:solidFill>
+              <a:latin typeface="標楷體" panose="03000509000000000000" pitchFamily="65" charset="-120"/>
+              <a:ea typeface="標楷體" panose="03000509000000000000" pitchFamily="65" charset="-120"/>
+            </a:endParaRPr>
+          </a:p>
+        </p:txBody>
+      </p:sp>
+      <p:sp>
+        <p:nvSpPr>
+          <p:cNvPr id="26" name="文字方塊 25">
+            <a:extLst>
+              <a:ext uri="{FF2B5EF4-FFF2-40B4-BE49-F238E27FC236}">
+                <a16:creationId xmlns:a16="http://schemas.microsoft.com/office/drawing/2014/main" id="{95126ADC-BADF-8AE0-4502-9668363B9787}"/>
+              </a:ext>
+            </a:extLst>
+          </p:cNvPr>
+          <p:cNvSpPr txBox="1"/>
+          <p:nvPr/>
+        </p:nvSpPr>
+        <p:spPr>
+          <a:xfrm>
+            <a:off x="697831" y="916415"/>
+            <a:ext cx="9809139" cy="497380"/>
+          </a:xfrm>
+          <a:prstGeom prst="rect">
+            <a:avLst/>
+          </a:prstGeom>
+          <a:noFill/>
+        </p:spPr>
+        <p:txBody>
+          <a:bodyPr wrap="square">
+            <a:spAutoFit/>
+          </a:bodyPr>
+          <a:lstStyle/>
+          <a:p>
+            <a:pPr>
+              <a:lnSpc>
+                <a:spcPct val="150000"/>
+              </a:lnSpc>
+              <a:buFont typeface="Arial" panose="020B0604020202020204" pitchFamily="34" charset="0"/>
+              <a:buChar char="•"/>
+            </a:pPr>
+            <a:r>
+              <a:rPr lang="zh-TW" altLang="en-US" b="1" dirty="0">
+                <a:latin typeface="標楷體" panose="03000509000000000000" pitchFamily="65" charset="-120"/>
+                <a:ea typeface="標楷體" panose="03000509000000000000" pitchFamily="65" charset="-120"/>
+              </a:rPr>
+              <a:t>部署圖</a:t>
+            </a:r>
+            <a:r>
+              <a:rPr lang="zh-TW" altLang="en" sz="2000" b="0" i="0" u="none" strike="noStrike" dirty="0">
+                <a:solidFill>
+                  <a:srgbClr val="000000"/>
+                </a:solidFill>
+                <a:effectLst/>
+                <a:latin typeface="標楷體" panose="03000509000000000000" pitchFamily="65" charset="-120"/>
+                <a:ea typeface="標楷體" panose="03000509000000000000" pitchFamily="65" charset="-120"/>
+                <a:cs typeface="Arial Unicode MS" panose="020B0604020202020204" pitchFamily="34" charset="-128"/>
+              </a:rPr>
+              <a:t>：</a:t>
+            </a:r>
+            <a:r>
+              <a:rPr lang="zh-TW" altLang="en-US" dirty="0">
+                <a:latin typeface="標楷體" panose="03000509000000000000" pitchFamily="65" charset="-120"/>
+                <a:ea typeface="標楷體" panose="03000509000000000000" pitchFamily="65" charset="-120"/>
+              </a:rPr>
+              <a:t>也稱為實作圖，它和元件圖一樣，是物件導向系統的</a:t>
+            </a:r>
+            <a:r>
+              <a:rPr lang="zh-TW" altLang="en-US" dirty="0">
+                <a:solidFill>
+                  <a:srgbClr val="FF0000"/>
+                </a:solidFill>
+                <a:latin typeface="標楷體" panose="03000509000000000000" pitchFamily="65" charset="-120"/>
+                <a:ea typeface="標楷體" panose="03000509000000000000" pitchFamily="65" charset="-120"/>
+              </a:rPr>
+              <a:t>物理方面建模</a:t>
+            </a:r>
+            <a:r>
+              <a:rPr lang="zh-TW" altLang="en-US" dirty="0">
+                <a:latin typeface="標楷體" panose="03000509000000000000" pitchFamily="65" charset="-120"/>
+                <a:ea typeface="標楷體" panose="03000509000000000000" pitchFamily="65" charset="-120"/>
+              </a:rPr>
+              <a:t>的兩種圖之一。</a:t>
+            </a:r>
+            <a:endParaRPr lang="zh-TW" altLang="en-US" sz="2000" b="0" i="0" u="none" strike="noStrike" dirty="0">
+              <a:solidFill>
+                <a:srgbClr val="000000"/>
+              </a:solidFill>
+              <a:effectLst/>
+              <a:latin typeface="標楷體" panose="03000509000000000000" pitchFamily="65" charset="-120"/>
+              <a:ea typeface="標楷體" panose="03000509000000000000" pitchFamily="65" charset="-120"/>
+              <a:cs typeface="Arial Unicode MS" panose="020B0604020202020204" pitchFamily="34" charset="-128"/>
             </a:endParaRPr>
           </a:p>
         </p:txBody>
       </p:sp>
       <p:pic>
         <p:nvPicPr>
-          <p:cNvPr id="5" name="圖片 4">
-            <a:extLst>
-              <a:ext uri="{FF2B5EF4-FFF2-40B4-BE49-F238E27FC236}">
-                <a16:creationId xmlns:a16="http://schemas.microsoft.com/office/drawing/2014/main" id="{C380E335-CF37-4F5C-9E38-8DB4961DA795}"/>
+          <p:cNvPr id="3" name="圖片 2">
+            <a:extLst>
+              <a:ext uri="{FF2B5EF4-FFF2-40B4-BE49-F238E27FC236}">
+                <a16:creationId xmlns:a16="http://schemas.microsoft.com/office/drawing/2014/main" id="{B7E9B346-C37F-47BA-99FD-37D031AD0FD7}"/>
               </a:ext>
             </a:extLst>
           </p:cNvPr>
@@ -11230,8 +11778,8 @@
         </p:blipFill>
         <p:spPr>
           <a:xfrm>
-            <a:off x="987170" y="2246678"/>
-            <a:ext cx="10217657" cy="4317471"/>
+            <a:off x="2137649" y="1569660"/>
+            <a:ext cx="7916702" cy="4672406"/>
           </a:xfrm>
           <a:prstGeom prst="rect">
             <a:avLst/>
@@ -11240,10 +11788,10 @@
       </p:pic>
       <p:sp>
         <p:nvSpPr>
-          <p:cNvPr id="11" name="文字方塊 10">
-            <a:extLst>
-              <a:ext uri="{FF2B5EF4-FFF2-40B4-BE49-F238E27FC236}">
-                <a16:creationId xmlns:a16="http://schemas.microsoft.com/office/drawing/2014/main" id="{5748397E-3617-44DA-8BC9-7CA4660AD2D2}"/>
+          <p:cNvPr id="7" name="文字方塊 6">
+            <a:extLst>
+              <a:ext uri="{FF2B5EF4-FFF2-40B4-BE49-F238E27FC236}">
+                <a16:creationId xmlns:a16="http://schemas.microsoft.com/office/drawing/2014/main" id="{157894E8-04E8-4A0B-9D2B-2DB410B6CB17}"/>
               </a:ext>
             </a:extLst>
           </p:cNvPr>
@@ -11252,8 +11800,8 @@
         </p:nvSpPr>
         <p:spPr>
           <a:xfrm>
-            <a:off x="1191430" y="917868"/>
-            <a:ext cx="9809139" cy="1427635"/>
+            <a:off x="12192000" y="2352782"/>
+            <a:ext cx="2685048" cy="1200329"/>
           </a:xfrm>
           <a:prstGeom prst="rect">
             <a:avLst/>
@@ -11261,107 +11809,44 @@
           <a:noFill/>
         </p:spPr>
         <p:txBody>
-          <a:bodyPr wrap="square">
+          <a:bodyPr wrap="square" rtlCol="0">
             <a:spAutoFit/>
           </a:bodyPr>
           <a:lstStyle/>
           <a:p>
-            <a:pPr>
-              <a:lnSpc>
-                <a:spcPct val="150000"/>
-              </a:lnSpc>
-              <a:buFont typeface="Arial" panose="020B0604020202020204" pitchFamily="34" charset="0"/>
-              <a:buChar char="•"/>
-            </a:pPr>
-            <a:r>
-              <a:rPr lang="zh-TW" altLang="en-US" sz="2000" b="1" dirty="0">
-                <a:solidFill>
-                  <a:srgbClr val="000000"/>
-                </a:solidFill>
-                <a:latin typeface="標楷體" panose="03000509000000000000" pitchFamily="65" charset="-120"/>
-                <a:ea typeface="標楷體" panose="03000509000000000000" pitchFamily="65" charset="-120"/>
-                <a:cs typeface="Arial Unicode MS" panose="020B0604020202020204" pitchFamily="34" charset="-128"/>
-              </a:rPr>
-              <a:t>套件圖</a:t>
-            </a:r>
-            <a:r>
-              <a:rPr lang="zh-TW" altLang="en" sz="2000" b="0" i="0" u="none" strike="noStrike" dirty="0">
-                <a:solidFill>
-                  <a:srgbClr val="000000"/>
-                </a:solidFill>
-                <a:effectLst/>
-                <a:latin typeface="標楷體" panose="03000509000000000000" pitchFamily="65" charset="-120"/>
-                <a:ea typeface="標楷體" panose="03000509000000000000" pitchFamily="65" charset="-120"/>
-                <a:cs typeface="Arial Unicode MS" panose="020B0604020202020204" pitchFamily="34" charset="-128"/>
-              </a:rPr>
-              <a:t>：</a:t>
-            </a:r>
-            <a:r>
-              <a:rPr lang="zh-TW" altLang="en-US" sz="2000" dirty="0">
-                <a:solidFill>
-                  <a:srgbClr val="333333"/>
-                </a:solidFill>
-                <a:latin typeface="標楷體" panose="03000509000000000000" pitchFamily="65" charset="-120"/>
-                <a:ea typeface="標楷體" panose="03000509000000000000" pitchFamily="65" charset="-120"/>
-              </a:rPr>
-              <a:t>展現系統各元素（例如：子系統、模組、元件等）的組織與分割方式。套件裡面可以包含其他子套件而形成巢狀套件，也可以包含其他 </a:t>
-            </a:r>
-            <a:r>
-              <a:rPr lang="en-US" altLang="zh-TW" sz="2000" dirty="0">
-                <a:solidFill>
-                  <a:srgbClr val="333333"/>
-                </a:solidFill>
-                <a:latin typeface="標楷體" panose="03000509000000000000" pitchFamily="65" charset="-120"/>
-                <a:ea typeface="標楷體" panose="03000509000000000000" pitchFamily="65" charset="-120"/>
-              </a:rPr>
-              <a:t>UML </a:t>
-            </a:r>
-            <a:r>
-              <a:rPr lang="zh-TW" altLang="en-US" sz="2000" dirty="0">
-                <a:solidFill>
-                  <a:srgbClr val="333333"/>
-                </a:solidFill>
-                <a:latin typeface="標楷體" panose="03000509000000000000" pitchFamily="65" charset="-120"/>
-                <a:ea typeface="標楷體" panose="03000509000000000000" pitchFamily="65" charset="-120"/>
-              </a:rPr>
-              <a:t>圖形元素，例如：類別、</a:t>
-            </a:r>
-            <a:r>
-              <a:rPr lang="en-US" altLang="zh-TW" sz="2000" dirty="0">
-                <a:solidFill>
-                  <a:srgbClr val="333333"/>
-                </a:solidFill>
-                <a:latin typeface="標楷體" panose="03000509000000000000" pitchFamily="65" charset="-120"/>
-                <a:ea typeface="標楷體" panose="03000509000000000000" pitchFamily="65" charset="-120"/>
-              </a:rPr>
-              <a:t>Use Case </a:t>
-            </a:r>
-            <a:r>
-              <a:rPr lang="zh-TW" altLang="en-US" sz="2000" dirty="0">
-                <a:solidFill>
-                  <a:srgbClr val="333333"/>
-                </a:solidFill>
-                <a:latin typeface="標楷體" panose="03000509000000000000" pitchFamily="65" charset="-120"/>
-                <a:ea typeface="標楷體" panose="03000509000000000000" pitchFamily="65" charset="-120"/>
-              </a:rPr>
-              <a:t>等。</a:t>
-            </a:r>
-            <a:endParaRPr lang="zh-TW" altLang="en-US" sz="2000" b="0" i="0" u="none" strike="noStrike" dirty="0">
-              <a:solidFill>
-                <a:srgbClr val="000000"/>
-              </a:solidFill>
-              <a:effectLst/>
+            <a:r>
+              <a:rPr lang="zh-TW" altLang="en-US" dirty="0">
+                <a:latin typeface="標楷體" panose="03000509000000000000" pitchFamily="65" charset="-120"/>
+                <a:ea typeface="標楷體" panose="03000509000000000000" pitchFamily="65" charset="-120"/>
+              </a:rPr>
+              <a:t>正方體代表每個單獨機器設備</a:t>
+            </a:r>
+            <a:endParaRPr lang="en-US" altLang="zh-TW" dirty="0">
               <a:latin typeface="標楷體" panose="03000509000000000000" pitchFamily="65" charset="-120"/>
               <a:ea typeface="標楷體" panose="03000509000000000000" pitchFamily="65" charset="-120"/>
-              <a:cs typeface="Arial Unicode MS" panose="020B0604020202020204" pitchFamily="34" charset="-128"/>
             </a:endParaRPr>
+          </a:p>
+          <a:p>
+            <a:endParaRPr lang="en-US" altLang="zh-TW" dirty="0">
+              <a:latin typeface="標楷體" panose="03000509000000000000" pitchFamily="65" charset="-120"/>
+              <a:ea typeface="標楷體" panose="03000509000000000000" pitchFamily="65" charset="-120"/>
+            </a:endParaRPr>
+          </a:p>
+          <a:p>
+            <a:r>
+              <a:rPr lang="zh-TW" altLang="en-US" dirty="0">
+                <a:latin typeface="標楷體" panose="03000509000000000000" pitchFamily="65" charset="-120"/>
+                <a:ea typeface="標楷體" panose="03000509000000000000" pitchFamily="65" charset="-120"/>
+              </a:rPr>
+              <a:t>裡面是可使用的功能</a:t>
+            </a:r>
           </a:p>
         </p:txBody>
       </p:sp>
     </p:spTree>
     <p:extLst>
       <p:ext uri="{BB962C8B-B14F-4D97-AF65-F5344CB8AC3E}">
-        <p14:creationId xmlns:p14="http://schemas.microsoft.com/office/powerpoint/2010/main" val="3730432636"/>
+        <p14:creationId xmlns:p14="http://schemas.microsoft.com/office/powerpoint/2010/main" val="2978825672"/>
       </p:ext>
     </p:extLst>
   </p:cSld>
@@ -11374,7 +11859,7 @@
 </p:sld>
 </file>
 
-<file path=ppt/slides/slide9.xml><?xml version="1.0" encoding="utf-8"?>
+<file path=ppt/slides/slide8.xml><?xml version="1.0" encoding="utf-8"?>
 <p:sld xmlns:a="http://schemas.openxmlformats.org/drawingml/2006/main" xmlns:r="http://schemas.openxmlformats.org/officeDocument/2006/relationships" xmlns:p="http://schemas.openxmlformats.org/presentationml/2006/main">
   <p:cSld>
     <p:spTree>
@@ -11446,22 +11931,23 @@
           <a:p>
             <a:pPr algn="ctr" defTabSz="914363"/>
             <a:r>
-              <a:rPr lang="zh-TW" altLang="en-US" sz="4000" dirty="0">
-                <a:solidFill>
-                  <a:srgbClr val="000000"/>
-                </a:solidFill>
-                <a:latin typeface="標楷體" panose="03000509000000000000" pitchFamily="65" charset="-120"/>
-                <a:ea typeface="標楷體" panose="03000509000000000000" pitchFamily="65" charset="-120"/>
-                <a:cs typeface="Arial Unicode MS" panose="020B0604020202020204" pitchFamily="34" charset="-128"/>
-              </a:rPr>
-              <a:t>套件圖</a:t>
+              <a:rPr kumimoji="1" lang="zh-TW" altLang="en-US" sz="3667" dirty="0">
+                <a:solidFill>
+                  <a:srgbClr val="002060"/>
+                </a:solidFill>
+                <a:latin typeface="標楷體" panose="03000509000000000000" pitchFamily="65" charset="-120"/>
+                <a:ea typeface="標楷體" panose="03000509000000000000" pitchFamily="65" charset="-120"/>
+                <a:cs typeface="Arial Black" panose="020B0604020202020204" pitchFamily="34" charset="0"/>
+                <a:sym typeface="+mn-lt"/>
+              </a:rPr>
+              <a:t>部署圖</a:t>
             </a:r>
             <a:endParaRPr kumimoji="1" lang="zh-CN" altLang="en-US" sz="3667" dirty="0">
               <a:solidFill>
                 <a:srgbClr val="002060"/>
               </a:solidFill>
-              <a:latin typeface="Arial Black" panose="020B0604020202020204" pitchFamily="34" charset="0"/>
-              <a:ea typeface="Arial Unicode MS" panose="020B0604020202020204" pitchFamily="34" charset="-128"/>
+              <a:latin typeface="標楷體" panose="03000509000000000000" pitchFamily="65" charset="-120"/>
+              <a:ea typeface="標楷體" panose="03000509000000000000" pitchFamily="65" charset="-120"/>
               <a:cs typeface="Arial Black" panose="020B0604020202020204" pitchFamily="34" charset="0"/>
               <a:sym typeface="+mn-lt"/>
             </a:endParaRPr>
@@ -11527,6 +12013,8 @@
               <a:solidFill>
                 <a:schemeClr val="tx1"/>
               </a:solidFill>
+              <a:latin typeface="標楷體" panose="03000509000000000000" pitchFamily="65" charset="-120"/>
+              <a:ea typeface="標楷體" panose="03000509000000000000" pitchFamily="65" charset="-120"/>
             </a:endParaRPr>
           </a:p>
         </p:txBody>
@@ -11590,16 +12078,18 @@
               <a:solidFill>
                 <a:schemeClr val="tx1"/>
               </a:solidFill>
+              <a:latin typeface="標楷體" panose="03000509000000000000" pitchFamily="65" charset="-120"/>
+              <a:ea typeface="標楷體" panose="03000509000000000000" pitchFamily="65" charset="-120"/>
             </a:endParaRPr>
           </a:p>
         </p:txBody>
       </p:sp>
       <p:sp>
         <p:nvSpPr>
-          <p:cNvPr id="11" name="文字方塊 10">
-            <a:extLst>
-              <a:ext uri="{FF2B5EF4-FFF2-40B4-BE49-F238E27FC236}">
-                <a16:creationId xmlns:a16="http://schemas.microsoft.com/office/drawing/2014/main" id="{5748397E-3617-44DA-8BC9-7CA4660AD2D2}"/>
+          <p:cNvPr id="26" name="文字方塊 25">
+            <a:extLst>
+              <a:ext uri="{FF2B5EF4-FFF2-40B4-BE49-F238E27FC236}">
+                <a16:creationId xmlns:a16="http://schemas.microsoft.com/office/drawing/2014/main" id="{95126ADC-BADF-8AE0-4502-9668363B9787}"/>
               </a:ext>
             </a:extLst>
           </p:cNvPr>
@@ -11608,8 +12098,8 @@
         </p:nvSpPr>
         <p:spPr>
           <a:xfrm>
-            <a:off x="1191430" y="917868"/>
-            <a:ext cx="9809139" cy="1427635"/>
+            <a:off x="697831" y="916415"/>
+            <a:ext cx="9809139" cy="497380"/>
           </a:xfrm>
           <a:prstGeom prst="rect">
             <a:avLst/>
@@ -11630,77 +12120,47 @@
               <a:buChar char="•"/>
             </a:pPr>
             <a:r>
-              <a:rPr lang="zh-TW" altLang="en-US" sz="2000" b="1" dirty="0">
+              <a:rPr lang="zh-TW" altLang="en-US" b="1" dirty="0">
+                <a:latin typeface="標楷體" panose="03000509000000000000" pitchFamily="65" charset="-120"/>
+                <a:ea typeface="標楷體" panose="03000509000000000000" pitchFamily="65" charset="-120"/>
+              </a:rPr>
+              <a:t>部署圖</a:t>
+            </a:r>
+            <a:r>
+              <a:rPr lang="zh-TW" altLang="en" sz="2000" b="0" i="0" u="none" strike="noStrike" dirty="0">
                 <a:solidFill>
                   <a:srgbClr val="000000"/>
                 </a:solidFill>
+                <a:effectLst/>
                 <a:latin typeface="標楷體" panose="03000509000000000000" pitchFamily="65" charset="-120"/>
                 <a:ea typeface="標楷體" panose="03000509000000000000" pitchFamily="65" charset="-120"/>
                 <a:cs typeface="Arial Unicode MS" panose="020B0604020202020204" pitchFamily="34" charset="-128"/>
               </a:rPr>
-              <a:t>套件圖</a:t>
-            </a:r>
-            <a:r>
-              <a:rPr lang="zh-TW" altLang="en" sz="2000" b="0" i="0" u="none" strike="noStrike" dirty="0">
-                <a:solidFill>
-                  <a:srgbClr val="000000"/>
-                </a:solidFill>
-                <a:effectLst/>
-                <a:latin typeface="標楷體" panose="03000509000000000000" pitchFamily="65" charset="-120"/>
-                <a:ea typeface="標楷體" panose="03000509000000000000" pitchFamily="65" charset="-120"/>
-                <a:cs typeface="Arial Unicode MS" panose="020B0604020202020204" pitchFamily="34" charset="-128"/>
-              </a:rPr>
               <a:t>：</a:t>
             </a:r>
             <a:r>
-              <a:rPr lang="zh-TW" altLang="en-US" sz="2000" dirty="0">
-                <a:solidFill>
-                  <a:srgbClr val="333333"/>
-                </a:solidFill>
-                <a:latin typeface="標楷體" panose="03000509000000000000" pitchFamily="65" charset="-120"/>
-                <a:ea typeface="標楷體" panose="03000509000000000000" pitchFamily="65" charset="-120"/>
-              </a:rPr>
-              <a:t>展現系統各元素（例如：子系統、模組、元件等）的組織與分割方式。套件裡面可以包含其他子套件而形成巢狀套件，也可以包含其他 </a:t>
-            </a:r>
-            <a:r>
-              <a:rPr lang="en-US" altLang="zh-TW" sz="2000" dirty="0">
-                <a:solidFill>
-                  <a:srgbClr val="333333"/>
-                </a:solidFill>
-                <a:latin typeface="標楷體" panose="03000509000000000000" pitchFamily="65" charset="-120"/>
-                <a:ea typeface="標楷體" panose="03000509000000000000" pitchFamily="65" charset="-120"/>
-              </a:rPr>
-              <a:t>UML </a:t>
-            </a:r>
-            <a:r>
-              <a:rPr lang="zh-TW" altLang="en-US" sz="2000" dirty="0">
-                <a:solidFill>
-                  <a:srgbClr val="333333"/>
-                </a:solidFill>
-                <a:latin typeface="標楷體" panose="03000509000000000000" pitchFamily="65" charset="-120"/>
-                <a:ea typeface="標楷體" panose="03000509000000000000" pitchFamily="65" charset="-120"/>
-              </a:rPr>
-              <a:t>圖形元素，例如：類別、</a:t>
-            </a:r>
-            <a:r>
-              <a:rPr lang="en-US" altLang="zh-TW" sz="2000" dirty="0">
-                <a:solidFill>
-                  <a:srgbClr val="333333"/>
-                </a:solidFill>
-                <a:latin typeface="標楷體" panose="03000509000000000000" pitchFamily="65" charset="-120"/>
-                <a:ea typeface="標楷體" panose="03000509000000000000" pitchFamily="65" charset="-120"/>
-              </a:rPr>
-              <a:t>Use Case </a:t>
-            </a:r>
-            <a:r>
-              <a:rPr lang="zh-TW" altLang="en-US" sz="2000" dirty="0">
-                <a:solidFill>
-                  <a:srgbClr val="333333"/>
-                </a:solidFill>
-                <a:latin typeface="標楷體" panose="03000509000000000000" pitchFamily="65" charset="-120"/>
-                <a:ea typeface="標楷體" panose="03000509000000000000" pitchFamily="65" charset="-120"/>
-              </a:rPr>
-              <a:t>等。</a:t>
+              <a:rPr lang="zh-TW" altLang="en-US" dirty="0">
+                <a:latin typeface="標楷體" panose="03000509000000000000" pitchFamily="65" charset="-120"/>
+                <a:ea typeface="標楷體" panose="03000509000000000000" pitchFamily="65" charset="-120"/>
+              </a:rPr>
+              <a:t>也稱為實作圖，它和元件圖一樣，是物件導向系統的</a:t>
+            </a:r>
+            <a:r>
+              <a:rPr lang="zh-TW" altLang="en-US" dirty="0">
+                <a:solidFill>
+                  <a:srgbClr val="FF0000"/>
+                </a:solidFill>
+                <a:latin typeface="標楷體" panose="03000509000000000000" pitchFamily="65" charset="-120"/>
+                <a:ea typeface="標楷體" panose="03000509000000000000" pitchFamily="65" charset="-120"/>
+              </a:rPr>
+              <a:t>物理方面建模</a:t>
+            </a:r>
+            <a:r>
+              <a:rPr lang="zh-TW" altLang="en-US" dirty="0">
+                <a:latin typeface="標楷體" panose="03000509000000000000" pitchFamily="65" charset="-120"/>
+                <a:ea typeface="標楷體" panose="03000509000000000000" pitchFamily="65" charset="-120"/>
+              </a:rPr>
+              <a:t>的兩種圖之一。</a:t>
             </a:r>
             <a:endParaRPr lang="zh-TW" altLang="en-US" sz="2000" b="0" i="0" u="none" strike="noStrike" dirty="0">
               <a:solidFill>
@@ -11714,10 +12174,781 @@
           </a:p>
         </p:txBody>
       </p:sp>
+      <p:pic>
+        <p:nvPicPr>
+          <p:cNvPr id="5" name="圖片 4">
+            <a:extLst>
+              <a:ext uri="{FF2B5EF4-FFF2-40B4-BE49-F238E27FC236}">
+                <a16:creationId xmlns:a16="http://schemas.microsoft.com/office/drawing/2014/main" id="{4C978833-FA5C-4030-854B-9514AA49A179}"/>
+              </a:ext>
+            </a:extLst>
+          </p:cNvPr>
+          <p:cNvPicPr>
+            <a:picLocks noChangeAspect="1"/>
+          </p:cNvPicPr>
+          <p:nvPr/>
+        </p:nvPicPr>
+        <p:blipFill>
+          <a:blip r:embed="rId3"/>
+          <a:stretch>
+            <a:fillRect/>
+          </a:stretch>
+        </p:blipFill>
+        <p:spPr>
+          <a:xfrm>
+            <a:off x="1317640" y="4177389"/>
+            <a:ext cx="9478698" cy="2543530"/>
+          </a:xfrm>
+          <a:prstGeom prst="rect">
+            <a:avLst/>
+          </a:prstGeom>
+        </p:spPr>
+      </p:pic>
+      <p:sp>
+        <p:nvSpPr>
+          <p:cNvPr id="8" name="矩形 7">
+            <a:extLst>
+              <a:ext uri="{FF2B5EF4-FFF2-40B4-BE49-F238E27FC236}">
+                <a16:creationId xmlns:a16="http://schemas.microsoft.com/office/drawing/2014/main" id="{EE15F768-8700-40CF-9AD0-E2FD05C0F020}"/>
+              </a:ext>
+            </a:extLst>
+          </p:cNvPr>
+          <p:cNvSpPr/>
+          <p:nvPr/>
+        </p:nvSpPr>
+        <p:spPr>
+          <a:xfrm>
+            <a:off x="697831" y="1532428"/>
+            <a:ext cx="10860596" cy="2677656"/>
+          </a:xfrm>
+          <a:prstGeom prst="rect">
+            <a:avLst/>
+          </a:prstGeom>
+        </p:spPr>
+        <p:txBody>
+          <a:bodyPr wrap="square">
+            <a:spAutoFit/>
+          </a:bodyPr>
+          <a:lstStyle/>
+          <a:p>
+            <a:pPr indent="0" algn="just"/>
+            <a:r>
+              <a:rPr lang="en-US" altLang="zh-TW" sz="2000" b="1" dirty="0">
+                <a:solidFill>
+                  <a:srgbClr val="212930"/>
+                </a:solidFill>
+                <a:latin typeface="標楷體" panose="03000509000000000000" pitchFamily="65" charset="-120"/>
+                <a:ea typeface="標楷體" panose="03000509000000000000" pitchFamily="65" charset="-120"/>
+              </a:rPr>
+              <a:t>1. </a:t>
+            </a:r>
+            <a:r>
+              <a:rPr lang="zh-TW" altLang="en-US" sz="2000" b="1" dirty="0">
+                <a:solidFill>
+                  <a:srgbClr val="212930"/>
+                </a:solidFill>
+                <a:latin typeface="標楷體" panose="03000509000000000000" pitchFamily="65" charset="-120"/>
+                <a:ea typeface="標楷體" panose="03000509000000000000" pitchFamily="65" charset="-120"/>
+              </a:rPr>
+              <a:t>節點</a:t>
+            </a:r>
+            <a:r>
+              <a:rPr lang="en-US" altLang="zh-TW" sz="2000" b="1" dirty="0">
+                <a:solidFill>
+                  <a:srgbClr val="212930"/>
+                </a:solidFill>
+                <a:latin typeface="標楷體" panose="03000509000000000000" pitchFamily="65" charset="-120"/>
+                <a:ea typeface="標楷體" panose="03000509000000000000" pitchFamily="65" charset="-120"/>
+              </a:rPr>
+              <a:t>&amp;</a:t>
+            </a:r>
+            <a:r>
+              <a:rPr lang="zh-TW" altLang="en-US" sz="2000" b="1" dirty="0">
+                <a:solidFill>
+                  <a:srgbClr val="212930"/>
+                </a:solidFill>
+                <a:latin typeface="標楷體" panose="03000509000000000000" pitchFamily="65" charset="-120"/>
+                <a:ea typeface="標楷體" panose="03000509000000000000" pitchFamily="65" charset="-120"/>
+              </a:rPr>
+              <a:t>節點實例</a:t>
+            </a:r>
+          </a:p>
+          <a:p>
+            <a:pPr lvl="1" algn="just"/>
+            <a:r>
+              <a:rPr lang="zh-TW" altLang="en-US" dirty="0">
+                <a:solidFill>
+                  <a:srgbClr val="FF0000"/>
+                </a:solidFill>
+                <a:latin typeface="標楷體" panose="03000509000000000000" pitchFamily="65" charset="-120"/>
+                <a:ea typeface="標楷體" panose="03000509000000000000" pitchFamily="65" charset="-120"/>
+              </a:rPr>
+              <a:t>節點</a:t>
+            </a:r>
+            <a:r>
+              <a:rPr lang="zh-TW" altLang="en-US" dirty="0">
+                <a:solidFill>
+                  <a:srgbClr val="212930"/>
+                </a:solidFill>
+                <a:latin typeface="標楷體" panose="03000509000000000000" pitchFamily="65" charset="-120"/>
+                <a:ea typeface="標楷體" panose="03000509000000000000" pitchFamily="65" charset="-120"/>
+              </a:rPr>
+              <a:t>是存在與運行時的代表</a:t>
+            </a:r>
+            <a:r>
+              <a:rPr lang="zh-TW" altLang="en-US" dirty="0">
+                <a:solidFill>
+                  <a:srgbClr val="212930"/>
+                </a:solidFill>
+                <a:highlight>
+                  <a:srgbClr val="FFFF00"/>
+                </a:highlight>
+                <a:latin typeface="標楷體" panose="03000509000000000000" pitchFamily="65" charset="-120"/>
+                <a:ea typeface="標楷體" panose="03000509000000000000" pitchFamily="65" charset="-120"/>
+              </a:rPr>
+              <a:t>電腦資源的實體元素</a:t>
+            </a:r>
+            <a:r>
+              <a:rPr lang="zh-TW" altLang="en-US" dirty="0">
+                <a:solidFill>
+                  <a:srgbClr val="212930"/>
+                </a:solidFill>
+                <a:latin typeface="標楷體" panose="03000509000000000000" pitchFamily="65" charset="-120"/>
+                <a:ea typeface="標楷體" panose="03000509000000000000" pitchFamily="65" charset="-120"/>
+              </a:rPr>
+              <a:t>，可以是硬體也可以是運行其上的軟體系統。它一般用立方體表示。</a:t>
+            </a:r>
+            <a:r>
+              <a:rPr lang="en-US" altLang="zh-TW" dirty="0">
+                <a:solidFill>
+                  <a:srgbClr val="212930"/>
+                </a:solidFill>
+                <a:latin typeface="標楷體" panose="03000509000000000000" pitchFamily="65" charset="-120"/>
+                <a:ea typeface="標楷體" panose="03000509000000000000" pitchFamily="65" charset="-120"/>
+              </a:rPr>
+              <a:t>(</a:t>
+            </a:r>
+            <a:r>
+              <a:rPr lang="zh-TW" altLang="en-US" dirty="0">
+                <a:solidFill>
+                  <a:srgbClr val="212930"/>
+                </a:solidFill>
+                <a:highlight>
+                  <a:srgbClr val="FFFF00"/>
+                </a:highlight>
+                <a:latin typeface="標楷體" panose="03000509000000000000" pitchFamily="65" charset="-120"/>
+                <a:ea typeface="標楷體" panose="03000509000000000000" pitchFamily="65" charset="-120"/>
+              </a:rPr>
+              <a:t>處理器是帶有陰影</a:t>
+            </a:r>
+            <a:r>
+              <a:rPr lang="zh-TW" altLang="en-US" dirty="0">
+                <a:solidFill>
+                  <a:srgbClr val="212930"/>
+                </a:solidFill>
+                <a:latin typeface="標楷體" panose="03000509000000000000" pitchFamily="65" charset="-120"/>
+                <a:ea typeface="標楷體" panose="03000509000000000000" pitchFamily="65" charset="-120"/>
+              </a:rPr>
+              <a:t>的立方體，</a:t>
+            </a:r>
+            <a:r>
+              <a:rPr lang="zh-TW" altLang="en-US" dirty="0">
+                <a:solidFill>
+                  <a:srgbClr val="212930"/>
+                </a:solidFill>
+                <a:highlight>
+                  <a:srgbClr val="FFFF00"/>
+                </a:highlight>
+                <a:latin typeface="標楷體" panose="03000509000000000000" pitchFamily="65" charset="-120"/>
+                <a:ea typeface="標楷體" panose="03000509000000000000" pitchFamily="65" charset="-120"/>
+              </a:rPr>
+              <a:t>設備是不含陰影</a:t>
+            </a:r>
+            <a:r>
+              <a:rPr lang="zh-TW" altLang="en-US" dirty="0">
+                <a:solidFill>
+                  <a:srgbClr val="212930"/>
+                </a:solidFill>
+                <a:latin typeface="標楷體" panose="03000509000000000000" pitchFamily="65" charset="-120"/>
+                <a:ea typeface="標楷體" panose="03000509000000000000" pitchFamily="65" charset="-120"/>
+              </a:rPr>
+              <a:t>的立方體</a:t>
+            </a:r>
+            <a:r>
+              <a:rPr lang="en-US" altLang="zh-TW" dirty="0">
+                <a:solidFill>
+                  <a:srgbClr val="212930"/>
+                </a:solidFill>
+                <a:latin typeface="標楷體" panose="03000509000000000000" pitchFamily="65" charset="-120"/>
+                <a:ea typeface="標楷體" panose="03000509000000000000" pitchFamily="65" charset="-120"/>
+              </a:rPr>
+              <a:t>)</a:t>
+            </a:r>
+            <a:endParaRPr lang="zh-TW" altLang="en-US" dirty="0">
+              <a:solidFill>
+                <a:srgbClr val="212930"/>
+              </a:solidFill>
+              <a:latin typeface="標楷體" panose="03000509000000000000" pitchFamily="65" charset="-120"/>
+              <a:ea typeface="標楷體" panose="03000509000000000000" pitchFamily="65" charset="-120"/>
+            </a:endParaRPr>
+          </a:p>
+          <a:p>
+            <a:pPr lvl="1" algn="just"/>
+            <a:r>
+              <a:rPr lang="zh-TW" altLang="en-US" dirty="0">
+                <a:solidFill>
+                  <a:srgbClr val="FF0000"/>
+                </a:solidFill>
+                <a:latin typeface="標楷體" panose="03000509000000000000" pitchFamily="65" charset="-120"/>
+                <a:ea typeface="標楷體" panose="03000509000000000000" pitchFamily="65" charset="-120"/>
+              </a:rPr>
+              <a:t>節點實例</a:t>
+            </a:r>
+            <a:r>
+              <a:rPr lang="zh-TW" altLang="en-US" dirty="0">
+                <a:solidFill>
+                  <a:srgbClr val="212930"/>
+                </a:solidFill>
+                <a:latin typeface="標楷體" panose="03000509000000000000" pitchFamily="65" charset="-120"/>
+                <a:ea typeface="標楷體" panose="03000509000000000000" pitchFamily="65" charset="-120"/>
+              </a:rPr>
+              <a:t>的名稱會有下劃線，節點類型前會有冒號（冒號前面可以有範例名稱也可以沒有範例名稱）</a:t>
+            </a:r>
+          </a:p>
+          <a:p>
+            <a:pPr indent="0" algn="just"/>
+            <a:r>
+              <a:rPr lang="en-US" altLang="zh-TW" sz="2000" b="1" dirty="0">
+                <a:solidFill>
+                  <a:srgbClr val="212930"/>
+                </a:solidFill>
+                <a:latin typeface="標楷體" panose="03000509000000000000" pitchFamily="65" charset="-120"/>
+                <a:ea typeface="標楷體" panose="03000509000000000000" pitchFamily="65" charset="-120"/>
+              </a:rPr>
+              <a:t>2. </a:t>
+            </a:r>
+            <a:r>
+              <a:rPr lang="zh-TW" altLang="en-US" sz="2000" b="1" dirty="0">
+                <a:solidFill>
+                  <a:srgbClr val="212930"/>
+                </a:solidFill>
+                <a:latin typeface="標楷體" panose="03000509000000000000" pitchFamily="65" charset="-120"/>
+                <a:ea typeface="標楷體" panose="03000509000000000000" pitchFamily="65" charset="-120"/>
+              </a:rPr>
+              <a:t>組件</a:t>
+            </a:r>
+          </a:p>
+          <a:p>
+            <a:pPr lvl="1" algn="just"/>
+            <a:r>
+              <a:rPr lang="zh-TW" altLang="en-US" dirty="0">
+                <a:solidFill>
+                  <a:srgbClr val="212930"/>
+                </a:solidFill>
+                <a:latin typeface="標楷體" panose="03000509000000000000" pitchFamily="65" charset="-120"/>
+                <a:ea typeface="標楷體" panose="03000509000000000000" pitchFamily="65" charset="-120"/>
+              </a:rPr>
+              <a:t>軟體開發</a:t>
+            </a:r>
+            <a:r>
+              <a:rPr lang="zh-TW" altLang="en-US" dirty="0">
+                <a:solidFill>
+                  <a:srgbClr val="212930"/>
+                </a:solidFill>
+                <a:highlight>
+                  <a:srgbClr val="FFFF00"/>
+                </a:highlight>
+                <a:latin typeface="標楷體" panose="03000509000000000000" pitchFamily="65" charset="-120"/>
+                <a:ea typeface="標楷體" panose="03000509000000000000" pitchFamily="65" charset="-120"/>
+              </a:rPr>
+              <a:t>過程中的產物</a:t>
+            </a:r>
+            <a:r>
+              <a:rPr lang="zh-TW" altLang="en-US" dirty="0">
+                <a:solidFill>
+                  <a:srgbClr val="212930"/>
+                </a:solidFill>
+                <a:latin typeface="標楷體" panose="03000509000000000000" pitchFamily="65" charset="-120"/>
+                <a:ea typeface="標楷體" panose="03000509000000000000" pitchFamily="65" charset="-120"/>
+              </a:rPr>
+              <a:t>，包括流程模型（例如使用案例圖、設計圖等等）、原始程式碼、可執行程式、設計文件、測試報告、需求原型、使用者手冊等等。</a:t>
+            </a:r>
+          </a:p>
+          <a:p>
+            <a:pPr indent="0" algn="just"/>
+            <a:r>
+              <a:rPr lang="en-US" altLang="zh-TW" sz="2000" b="1" dirty="0">
+                <a:solidFill>
+                  <a:srgbClr val="212930"/>
+                </a:solidFill>
+                <a:latin typeface="標楷體" panose="03000509000000000000" pitchFamily="65" charset="-120"/>
+                <a:ea typeface="標楷體" panose="03000509000000000000" pitchFamily="65" charset="-120"/>
+              </a:rPr>
+              <a:t>3. </a:t>
+            </a:r>
+            <a:r>
+              <a:rPr lang="zh-TW" altLang="en-US" sz="2000" b="1" dirty="0">
+                <a:solidFill>
+                  <a:srgbClr val="212930"/>
+                </a:solidFill>
+                <a:latin typeface="標楷體" panose="03000509000000000000" pitchFamily="65" charset="-120"/>
+                <a:ea typeface="標楷體" panose="03000509000000000000" pitchFamily="65" charset="-120"/>
+              </a:rPr>
+              <a:t>節點連接</a:t>
+            </a:r>
+          </a:p>
+          <a:p>
+            <a:pPr lvl="1" algn="just"/>
+            <a:r>
+              <a:rPr lang="zh-TW" altLang="en-US" dirty="0">
+                <a:solidFill>
+                  <a:srgbClr val="212930"/>
+                </a:solidFill>
+                <a:latin typeface="標楷體" panose="03000509000000000000" pitchFamily="65" charset="-120"/>
+                <a:ea typeface="標楷體" panose="03000509000000000000" pitchFamily="65" charset="-120"/>
+              </a:rPr>
+              <a:t>節點之間的連線表示系統之間進行互動的</a:t>
+            </a:r>
+            <a:r>
+              <a:rPr lang="zh-TW" altLang="en-US" dirty="0">
+                <a:solidFill>
+                  <a:srgbClr val="212930"/>
+                </a:solidFill>
+                <a:highlight>
+                  <a:srgbClr val="FFFF00"/>
+                </a:highlight>
+                <a:latin typeface="標楷體" panose="03000509000000000000" pitchFamily="65" charset="-120"/>
+                <a:ea typeface="標楷體" panose="03000509000000000000" pitchFamily="65" charset="-120"/>
+              </a:rPr>
+              <a:t>通訊路徑</a:t>
+            </a:r>
+            <a:r>
+              <a:rPr lang="zh-TW" altLang="en-US" dirty="0">
+                <a:solidFill>
+                  <a:srgbClr val="212930"/>
+                </a:solidFill>
+                <a:latin typeface="標楷體" panose="03000509000000000000" pitchFamily="65" charset="-120"/>
+                <a:ea typeface="標楷體" panose="03000509000000000000" pitchFamily="65" charset="-120"/>
+              </a:rPr>
+              <a:t>，這個通訊路徑稱為連線。</a:t>
+            </a:r>
+            <a:endParaRPr lang="zh-TW" altLang="en-US" b="0" i="0" dirty="0">
+              <a:solidFill>
+                <a:srgbClr val="212930"/>
+              </a:solidFill>
+              <a:effectLst/>
+              <a:latin typeface="標楷體" panose="03000509000000000000" pitchFamily="65" charset="-120"/>
+              <a:ea typeface="標楷體" panose="03000509000000000000" pitchFamily="65" charset="-120"/>
+            </a:endParaRPr>
+          </a:p>
+        </p:txBody>
+      </p:sp>
     </p:spTree>
     <p:extLst>
       <p:ext uri="{BB962C8B-B14F-4D97-AF65-F5344CB8AC3E}">
-        <p14:creationId xmlns:p14="http://schemas.microsoft.com/office/powerpoint/2010/main" val="3149592904"/>
+        <p14:creationId xmlns:p14="http://schemas.microsoft.com/office/powerpoint/2010/main" val="287286166"/>
+      </p:ext>
+    </p:extLst>
+  </p:cSld>
+  <p:clrMapOvr>
+    <a:masterClrMapping/>
+  </p:clrMapOvr>
+  <p:transition spd="med">
+    <p:pull/>
+  </p:transition>
+</p:sld>
+</file>
+
+<file path=ppt/slides/slide9.xml><?xml version="1.0" encoding="utf-8"?>
+<p:sld xmlns:a="http://schemas.openxmlformats.org/drawingml/2006/main" xmlns:r="http://schemas.openxmlformats.org/officeDocument/2006/relationships" xmlns:p="http://schemas.openxmlformats.org/presentationml/2006/main">
+  <p:cSld>
+    <p:spTree>
+      <p:nvGrpSpPr>
+        <p:cNvPr id="1" name=""/>
+        <p:cNvGrpSpPr/>
+        <p:nvPr/>
+      </p:nvGrpSpPr>
+      <p:grpSpPr>
+        <a:xfrm>
+          <a:off x="0" y="0"/>
+          <a:ext cx="0" cy="0"/>
+          <a:chOff x="0" y="0"/>
+          <a:chExt cx="0" cy="0"/>
+        </a:xfrm>
+      </p:grpSpPr>
+      <p:sp>
+        <p:nvSpPr>
+          <p:cNvPr id="6" name="矩形: 圆角 1">
+            <a:extLst>
+              <a:ext uri="{FF2B5EF4-FFF2-40B4-BE49-F238E27FC236}">
+                <a16:creationId xmlns:a16="http://schemas.microsoft.com/office/drawing/2014/main" id="{A494D061-2076-F150-B75C-4CCE5DFBB08F}"/>
+              </a:ext>
+            </a:extLst>
+          </p:cNvPr>
+          <p:cNvSpPr/>
+          <p:nvPr/>
+        </p:nvSpPr>
+        <p:spPr>
+          <a:xfrm>
+            <a:off x="4124280" y="137081"/>
+            <a:ext cx="3943441" cy="623469"/>
+          </a:xfrm>
+          <a:prstGeom prst="roundRect">
+            <a:avLst>
+              <a:gd name="adj" fmla="val 31585"/>
+            </a:avLst>
+          </a:prstGeom>
+          <a:solidFill>
+            <a:schemeClr val="accent4">
+              <a:lumMod val="60000"/>
+              <a:lumOff val="40000"/>
+              <a:alpha val="78824"/>
+            </a:schemeClr>
+          </a:solidFill>
+          <a:ln>
+            <a:noFill/>
+          </a:ln>
+        </p:spPr>
+        <p:style>
+          <a:lnRef idx="2">
+            <a:schemeClr val="accent1">
+              <a:shade val="50000"/>
+            </a:schemeClr>
+          </a:lnRef>
+          <a:fillRef idx="1">
+            <a:schemeClr val="accent1"/>
+          </a:fillRef>
+          <a:effectRef idx="0">
+            <a:schemeClr val="accent1"/>
+          </a:effectRef>
+          <a:fontRef idx="minor">
+            <a:schemeClr val="lt1"/>
+          </a:fontRef>
+        </p:style>
+        <p:txBody>
+          <a:bodyPr rtlCol="0" anchor="ctr"/>
+          <a:lstStyle/>
+          <a:p>
+            <a:pPr algn="ctr" defTabSz="914363"/>
+            <a:r>
+              <a:rPr kumimoji="1" lang="zh-TW" altLang="en-US" sz="3667" dirty="0">
+                <a:solidFill>
+                  <a:srgbClr val="002060"/>
+                </a:solidFill>
+                <a:latin typeface="標楷體" panose="03000509000000000000" pitchFamily="65" charset="-120"/>
+                <a:ea typeface="標楷體" panose="03000509000000000000" pitchFamily="65" charset="-120"/>
+                <a:cs typeface="Arial Black" panose="020B0604020202020204" pitchFamily="34" charset="0"/>
+                <a:sym typeface="+mn-lt"/>
+              </a:rPr>
+              <a:t>部署圖</a:t>
+            </a:r>
+            <a:endParaRPr kumimoji="1" lang="zh-CN" altLang="en-US" sz="3667" dirty="0">
+              <a:solidFill>
+                <a:srgbClr val="002060"/>
+              </a:solidFill>
+              <a:latin typeface="標楷體" panose="03000509000000000000" pitchFamily="65" charset="-120"/>
+              <a:ea typeface="標楷體" panose="03000509000000000000" pitchFamily="65" charset="-120"/>
+              <a:cs typeface="Arial Black" panose="020B0604020202020204" pitchFamily="34" charset="0"/>
+              <a:sym typeface="+mn-lt"/>
+            </a:endParaRPr>
+          </a:p>
+        </p:txBody>
+      </p:sp>
+      <p:sp>
+        <p:nvSpPr>
+          <p:cNvPr id="25" name="半框架 24">
+            <a:extLst>
+              <a:ext uri="{FF2B5EF4-FFF2-40B4-BE49-F238E27FC236}">
+                <a16:creationId xmlns:a16="http://schemas.microsoft.com/office/drawing/2014/main" id="{608795FC-6806-5A96-CD16-3CFDB3BA1241}"/>
+              </a:ext>
+            </a:extLst>
+          </p:cNvPr>
+          <p:cNvSpPr/>
+          <p:nvPr/>
+        </p:nvSpPr>
+        <p:spPr>
+          <a:xfrm>
+            <a:off x="0" y="1"/>
+            <a:ext cx="1395663" cy="1275347"/>
+          </a:xfrm>
+          <a:prstGeom prst="halfFrame">
+            <a:avLst>
+              <a:gd name="adj1" fmla="val 8886"/>
+              <a:gd name="adj2" fmla="val 8978"/>
+            </a:avLst>
+          </a:prstGeom>
+          <a:solidFill>
+            <a:schemeClr val="accent4">
+              <a:lumMod val="60000"/>
+              <a:lumOff val="40000"/>
+              <a:alpha val="78824"/>
+            </a:schemeClr>
+          </a:solidFill>
+          <a:ln>
+            <a:noFill/>
+          </a:ln>
+        </p:spPr>
+        <p:style>
+          <a:lnRef idx="2">
+            <a:schemeClr val="accent1">
+              <a:shade val="50000"/>
+            </a:schemeClr>
+          </a:lnRef>
+          <a:fillRef idx="1">
+            <a:schemeClr val="accent1"/>
+          </a:fillRef>
+          <a:effectRef idx="0">
+            <a:schemeClr val="accent1"/>
+          </a:effectRef>
+          <a:fontRef idx="minor">
+            <a:schemeClr val="lt1"/>
+          </a:fontRef>
+        </p:style>
+        <p:txBody>
+          <a:bodyPr rtlCol="0" anchor="ctr"/>
+          <a:lstStyle/>
+          <a:p>
+            <a:pPr algn="ctr"/>
+            <a:endParaRPr kumimoji="1" lang="zh-TW" altLang="en-US">
+              <a:solidFill>
+                <a:schemeClr val="tx1"/>
+              </a:solidFill>
+              <a:latin typeface="標楷體" panose="03000509000000000000" pitchFamily="65" charset="-120"/>
+              <a:ea typeface="標楷體" panose="03000509000000000000" pitchFamily="65" charset="-120"/>
+            </a:endParaRPr>
+          </a:p>
+        </p:txBody>
+      </p:sp>
+      <p:sp>
+        <p:nvSpPr>
+          <p:cNvPr id="27" name="半框架 26">
+            <a:extLst>
+              <a:ext uri="{FF2B5EF4-FFF2-40B4-BE49-F238E27FC236}">
+                <a16:creationId xmlns:a16="http://schemas.microsoft.com/office/drawing/2014/main" id="{416C6711-6D38-FD11-A5F9-C2DC6AE3106F}"/>
+              </a:ext>
+            </a:extLst>
+          </p:cNvPr>
+          <p:cNvSpPr/>
+          <p:nvPr/>
+        </p:nvSpPr>
+        <p:spPr>
+          <a:xfrm rot="10800000">
+            <a:off x="10796338" y="5582653"/>
+            <a:ext cx="1395663" cy="1275347"/>
+          </a:xfrm>
+          <a:prstGeom prst="halfFrame">
+            <a:avLst>
+              <a:gd name="adj1" fmla="val 8886"/>
+              <a:gd name="adj2" fmla="val 8978"/>
+            </a:avLst>
+          </a:prstGeom>
+          <a:solidFill>
+            <a:schemeClr val="accent4">
+              <a:lumMod val="60000"/>
+              <a:lumOff val="40000"/>
+              <a:alpha val="78824"/>
+            </a:schemeClr>
+          </a:solidFill>
+          <a:ln>
+            <a:noFill/>
+          </a:ln>
+        </p:spPr>
+        <p:style>
+          <a:lnRef idx="2">
+            <a:schemeClr val="accent1">
+              <a:shade val="50000"/>
+            </a:schemeClr>
+          </a:lnRef>
+          <a:fillRef idx="1">
+            <a:schemeClr val="accent1"/>
+          </a:fillRef>
+          <a:effectRef idx="0">
+            <a:schemeClr val="accent1"/>
+          </a:effectRef>
+          <a:fontRef idx="minor">
+            <a:schemeClr val="lt1"/>
+          </a:fontRef>
+        </p:style>
+        <p:txBody>
+          <a:bodyPr rtlCol="0" anchor="ctr"/>
+          <a:lstStyle/>
+          <a:p>
+            <a:pPr algn="ctr"/>
+            <a:endParaRPr kumimoji="1" lang="zh-TW" altLang="en-US">
+              <a:solidFill>
+                <a:schemeClr val="tx1"/>
+              </a:solidFill>
+              <a:latin typeface="標楷體" panose="03000509000000000000" pitchFamily="65" charset="-120"/>
+              <a:ea typeface="標楷體" panose="03000509000000000000" pitchFamily="65" charset="-120"/>
+            </a:endParaRPr>
+          </a:p>
+        </p:txBody>
+      </p:sp>
+      <p:sp>
+        <p:nvSpPr>
+          <p:cNvPr id="26" name="文字方塊 25">
+            <a:extLst>
+              <a:ext uri="{FF2B5EF4-FFF2-40B4-BE49-F238E27FC236}">
+                <a16:creationId xmlns:a16="http://schemas.microsoft.com/office/drawing/2014/main" id="{95126ADC-BADF-8AE0-4502-9668363B9787}"/>
+              </a:ext>
+            </a:extLst>
+          </p:cNvPr>
+          <p:cNvSpPr txBox="1"/>
+          <p:nvPr/>
+        </p:nvSpPr>
+        <p:spPr>
+          <a:xfrm>
+            <a:off x="697831" y="916415"/>
+            <a:ext cx="9809139" cy="497380"/>
+          </a:xfrm>
+          <a:prstGeom prst="rect">
+            <a:avLst/>
+          </a:prstGeom>
+          <a:noFill/>
+        </p:spPr>
+        <p:txBody>
+          <a:bodyPr wrap="square">
+            <a:spAutoFit/>
+          </a:bodyPr>
+          <a:lstStyle/>
+          <a:p>
+            <a:pPr>
+              <a:lnSpc>
+                <a:spcPct val="150000"/>
+              </a:lnSpc>
+              <a:buFont typeface="Arial" panose="020B0604020202020204" pitchFamily="34" charset="0"/>
+              <a:buChar char="•"/>
+            </a:pPr>
+            <a:r>
+              <a:rPr lang="zh-TW" altLang="en-US" b="1" dirty="0">
+                <a:latin typeface="標楷體" panose="03000509000000000000" pitchFamily="65" charset="-120"/>
+                <a:ea typeface="標楷體" panose="03000509000000000000" pitchFamily="65" charset="-120"/>
+              </a:rPr>
+              <a:t>部署圖</a:t>
+            </a:r>
+            <a:r>
+              <a:rPr lang="zh-TW" altLang="en" sz="2000" b="0" i="0" u="none" strike="noStrike" dirty="0">
+                <a:solidFill>
+                  <a:srgbClr val="000000"/>
+                </a:solidFill>
+                <a:effectLst/>
+                <a:latin typeface="標楷體" panose="03000509000000000000" pitchFamily="65" charset="-120"/>
+                <a:ea typeface="標楷體" panose="03000509000000000000" pitchFamily="65" charset="-120"/>
+                <a:cs typeface="Arial Unicode MS" panose="020B0604020202020204" pitchFamily="34" charset="-128"/>
+              </a:rPr>
+              <a:t>：</a:t>
+            </a:r>
+            <a:r>
+              <a:rPr lang="zh-TW" altLang="en-US" dirty="0">
+                <a:latin typeface="標楷體" panose="03000509000000000000" pitchFamily="65" charset="-120"/>
+                <a:ea typeface="標楷體" panose="03000509000000000000" pitchFamily="65" charset="-120"/>
+              </a:rPr>
+              <a:t>也稱為實作圖，它和元件圖一樣，是物件導向系統的</a:t>
+            </a:r>
+            <a:r>
+              <a:rPr lang="zh-TW" altLang="en-US" dirty="0">
+                <a:solidFill>
+                  <a:srgbClr val="FF0000"/>
+                </a:solidFill>
+                <a:latin typeface="標楷體" panose="03000509000000000000" pitchFamily="65" charset="-120"/>
+                <a:ea typeface="標楷體" panose="03000509000000000000" pitchFamily="65" charset="-120"/>
+              </a:rPr>
+              <a:t>物理方面建模</a:t>
+            </a:r>
+            <a:r>
+              <a:rPr lang="zh-TW" altLang="en-US" dirty="0">
+                <a:latin typeface="標楷體" panose="03000509000000000000" pitchFamily="65" charset="-120"/>
+                <a:ea typeface="標楷體" panose="03000509000000000000" pitchFamily="65" charset="-120"/>
+              </a:rPr>
+              <a:t>的兩種圖之一。</a:t>
+            </a:r>
+            <a:endParaRPr lang="zh-TW" altLang="en-US" sz="2000" b="0" i="0" u="none" strike="noStrike" dirty="0">
+              <a:solidFill>
+                <a:srgbClr val="000000"/>
+              </a:solidFill>
+              <a:effectLst/>
+              <a:latin typeface="標楷體" panose="03000509000000000000" pitchFamily="65" charset="-120"/>
+              <a:ea typeface="標楷體" panose="03000509000000000000" pitchFamily="65" charset="-120"/>
+              <a:cs typeface="Arial Unicode MS" panose="020B0604020202020204" pitchFamily="34" charset="-128"/>
+            </a:endParaRPr>
+          </a:p>
+        </p:txBody>
+      </p:sp>
+      <p:pic>
+        <p:nvPicPr>
+          <p:cNvPr id="4" name="圖片 3">
+            <a:extLst>
+              <a:ext uri="{FF2B5EF4-FFF2-40B4-BE49-F238E27FC236}">
+                <a16:creationId xmlns:a16="http://schemas.microsoft.com/office/drawing/2014/main" id="{D361BAF0-D40B-4A2B-8DE2-2E5B8296299E}"/>
+              </a:ext>
+            </a:extLst>
+          </p:cNvPr>
+          <p:cNvPicPr>
+            <a:picLocks noChangeAspect="1"/>
+          </p:cNvPicPr>
+          <p:nvPr/>
+        </p:nvPicPr>
+        <p:blipFill>
+          <a:blip r:embed="rId3"/>
+          <a:stretch>
+            <a:fillRect/>
+          </a:stretch>
+        </p:blipFill>
+        <p:spPr>
+          <a:xfrm>
+            <a:off x="2731569" y="1569660"/>
+            <a:ext cx="6330238" cy="4943380"/>
+          </a:xfrm>
+          <a:prstGeom prst="rect">
+            <a:avLst/>
+          </a:prstGeom>
+        </p:spPr>
+      </p:pic>
+      <p:sp>
+        <p:nvSpPr>
+          <p:cNvPr id="2" name="文字方塊 1">
+            <a:extLst>
+              <a:ext uri="{FF2B5EF4-FFF2-40B4-BE49-F238E27FC236}">
+                <a16:creationId xmlns:a16="http://schemas.microsoft.com/office/drawing/2014/main" id="{26983AE0-D74D-47BC-A69B-7EB8ED24FE48}"/>
+              </a:ext>
+            </a:extLst>
+          </p:cNvPr>
+          <p:cNvSpPr txBox="1"/>
+          <p:nvPr/>
+        </p:nvSpPr>
+        <p:spPr>
+          <a:xfrm>
+            <a:off x="4726112" y="6299573"/>
+            <a:ext cx="2969231" cy="369332"/>
+          </a:xfrm>
+          <a:prstGeom prst="rect">
+            <a:avLst/>
+          </a:prstGeom>
+          <a:noFill/>
+        </p:spPr>
+        <p:txBody>
+          <a:bodyPr wrap="square" rtlCol="0">
+            <a:spAutoFit/>
+          </a:bodyPr>
+          <a:lstStyle/>
+          <a:p>
+            <a:r>
+              <a:rPr lang="zh-TW" altLang="en-US" dirty="0">
+                <a:solidFill>
+                  <a:srgbClr val="0070C0"/>
+                </a:solidFill>
+                <a:latin typeface="標楷體" panose="03000509000000000000" pitchFamily="65" charset="-120"/>
+                <a:ea typeface="標楷體" panose="03000509000000000000" pitchFamily="65" charset="-120"/>
+              </a:rPr>
+              <a:t>公司各部門關係佈署圖</a:t>
+            </a:r>
+          </a:p>
+        </p:txBody>
+      </p:sp>
+    </p:spTree>
+    <p:extLst>
+      <p:ext uri="{BB962C8B-B14F-4D97-AF65-F5344CB8AC3E}">
+        <p14:creationId xmlns:p14="http://schemas.microsoft.com/office/powerpoint/2010/main" val="2220496359"/>
       </p:ext>
     </p:extLst>
   </p:cSld>
